--- a/img/New Microsoft PowerPoint Presentation.pptx
+++ b/img/New Microsoft PowerPoint Presentation.pptx
@@ -7,6 +7,10 @@
   <p:sldIdLst>
     <p:sldId id="256" r:id="rId2"/>
     <p:sldId id="257" r:id="rId3"/>
+    <p:sldId id="258" r:id="rId4"/>
+    <p:sldId id="259" r:id="rId5"/>
+    <p:sldId id="260" r:id="rId6"/>
+    <p:sldId id="261" r:id="rId7"/>
   </p:sldIdLst>
   <p:sldSz cx="12192000" cy="6858000"/>
   <p:notesSz cx="6858000" cy="9144000"/>
@@ -106,6 +110,6150 @@
     </a:lvl9pPr>
   </p:defaultTextStyle>
 </p:presentation>
+</file>
+
+<file path=ppt/charts/chart1.xml><?xml version="1.0" encoding="utf-8"?>
+<c:chartSpace xmlns:c="http://schemas.openxmlformats.org/drawingml/2006/chart" xmlns:a="http://schemas.openxmlformats.org/drawingml/2006/main" xmlns:r="http://schemas.openxmlformats.org/officeDocument/2006/relationships" xmlns:c16r2="http://schemas.microsoft.com/office/drawing/2015/06/chart">
+  <c:date1904 val="0"/>
+  <c:lang val="en-US"/>
+  <c:roundedCorners val="0"/>
+  <mc:AlternateContent xmlns:mc="http://schemas.openxmlformats.org/markup-compatibility/2006">
+    <mc:Choice xmlns:c14="http://schemas.microsoft.com/office/drawing/2007/8/2/chart" Requires="c14">
+      <c14:style val="102"/>
+    </mc:Choice>
+    <mc:Fallback>
+      <c:style val="2"/>
+    </mc:Fallback>
+  </mc:AlternateContent>
+  <c:chart>
+    <c:title>
+      <c:tx>
+        <c:rich>
+          <a:bodyPr rot="0" spcFirstLastPara="1" vertOverflow="ellipsis" vert="horz" wrap="square" anchor="ctr" anchorCtr="1"/>
+          <a:lstStyle/>
+          <a:p>
+            <a:pPr>
+              <a:defRPr sz="2200" b="0" i="0" u="none" strike="noStrike" kern="1200" cap="none" spc="0" normalizeH="0" baseline="0">
+                <a:solidFill>
+                  <a:schemeClr val="tx1">
+                    <a:lumMod val="65000"/>
+                    <a:lumOff val="35000"/>
+                  </a:schemeClr>
+                </a:solidFill>
+                <a:latin typeface="+mj-lt"/>
+                <a:ea typeface="+mj-ea"/>
+                <a:cs typeface="+mj-cs"/>
+              </a:defRPr>
+            </a:pPr>
+            <a:r>
+              <a:rPr lang="en-US" dirty="0"/>
+              <a:t>Performance Timings for Scan for a block size</a:t>
+            </a:r>
+            <a:r>
+              <a:rPr lang="en-US" baseline="0" dirty="0"/>
+              <a:t> of 128</a:t>
+            </a:r>
+            <a:endParaRPr lang="en-US" dirty="0"/>
+          </a:p>
+        </c:rich>
+      </c:tx>
+      <c:overlay val="0"/>
+      <c:spPr>
+        <a:noFill/>
+        <a:ln>
+          <a:noFill/>
+        </a:ln>
+        <a:effectLst/>
+      </c:spPr>
+      <c:txPr>
+        <a:bodyPr rot="0" spcFirstLastPara="1" vertOverflow="ellipsis" vert="horz" wrap="square" anchor="ctr" anchorCtr="1"/>
+        <a:lstStyle/>
+        <a:p>
+          <a:pPr>
+            <a:defRPr sz="2200" b="0" i="0" u="none" strike="noStrike" kern="1200" cap="none" spc="0" normalizeH="0" baseline="0">
+              <a:solidFill>
+                <a:schemeClr val="tx1">
+                  <a:lumMod val="65000"/>
+                  <a:lumOff val="35000"/>
+                </a:schemeClr>
+              </a:solidFill>
+              <a:latin typeface="+mj-lt"/>
+              <a:ea typeface="+mj-ea"/>
+              <a:cs typeface="+mj-cs"/>
+            </a:defRPr>
+          </a:pPr>
+          <a:endParaRPr lang="en-US"/>
+        </a:p>
+      </c:txPr>
+    </c:title>
+    <c:autoTitleDeleted val="0"/>
+    <c:plotArea>
+      <c:layout/>
+      <c:lineChart>
+        <c:grouping val="standard"/>
+        <c:varyColors val="0"/>
+        <c:ser>
+          <c:idx val="0"/>
+          <c:order val="0"/>
+          <c:tx>
+            <c:strRef>
+              <c:f>Sheet1!$B$1</c:f>
+              <c:strCache>
+                <c:ptCount val="1"/>
+                <c:pt idx="0">
+                  <c:v>CPU_PT</c:v>
+                </c:pt>
+              </c:strCache>
+            </c:strRef>
+          </c:tx>
+          <c:spPr>
+            <a:ln w="38100" cap="rnd">
+              <a:solidFill>
+                <a:schemeClr val="accent1"/>
+              </a:solidFill>
+              <a:round/>
+            </a:ln>
+            <a:effectLst/>
+          </c:spPr>
+          <c:marker>
+            <c:symbol val="none"/>
+          </c:marker>
+          <c:cat>
+            <c:numRef>
+              <c:f>Sheet1!$A$2:$A$5</c:f>
+              <c:numCache>
+                <c:formatCode>General</c:formatCode>
+                <c:ptCount val="4"/>
+                <c:pt idx="0">
+                  <c:v>8</c:v>
+                </c:pt>
+                <c:pt idx="1">
+                  <c:v>12</c:v>
+                </c:pt>
+                <c:pt idx="2">
+                  <c:v>16</c:v>
+                </c:pt>
+                <c:pt idx="3">
+                  <c:v>20</c:v>
+                </c:pt>
+              </c:numCache>
+            </c:numRef>
+          </c:cat>
+          <c:val>
+            <c:numRef>
+              <c:f>Sheet1!$B$2:$B$5</c:f>
+              <c:numCache>
+                <c:formatCode>General</c:formatCode>
+                <c:ptCount val="4"/>
+                <c:pt idx="0">
+                  <c:v>6.4199999999999999E-4</c:v>
+                </c:pt>
+                <c:pt idx="1">
+                  <c:v>5.4530000000000004E-3</c:v>
+                </c:pt>
+                <c:pt idx="2">
+                  <c:v>9.0786000000000006E-2</c:v>
+                </c:pt>
+                <c:pt idx="3">
+                  <c:v>3.9856400000000001</c:v>
+                </c:pt>
+              </c:numCache>
+            </c:numRef>
+          </c:val>
+          <c:smooth val="0"/>
+          <c:extLst>
+            <c:ext xmlns:c16="http://schemas.microsoft.com/office/drawing/2014/chart" uri="{C3380CC4-5D6E-409C-BE32-E72D297353CC}">
+              <c16:uniqueId val="{00000000-57AC-4AB9-BF5E-9563CBD2DDD1}"/>
+            </c:ext>
+          </c:extLst>
+        </c:ser>
+        <c:ser>
+          <c:idx val="1"/>
+          <c:order val="1"/>
+          <c:tx>
+            <c:strRef>
+              <c:f>Sheet1!$C$1</c:f>
+              <c:strCache>
+                <c:ptCount val="1"/>
+                <c:pt idx="0">
+                  <c:v>CPU_NPT</c:v>
+                </c:pt>
+              </c:strCache>
+            </c:strRef>
+          </c:tx>
+          <c:spPr>
+            <a:ln w="38100" cap="rnd">
+              <a:solidFill>
+                <a:schemeClr val="accent2"/>
+              </a:solidFill>
+              <a:round/>
+            </a:ln>
+            <a:effectLst/>
+          </c:spPr>
+          <c:marker>
+            <c:symbol val="none"/>
+          </c:marker>
+          <c:cat>
+            <c:numRef>
+              <c:f>Sheet1!$A$2:$A$5</c:f>
+              <c:numCache>
+                <c:formatCode>General</c:formatCode>
+                <c:ptCount val="4"/>
+                <c:pt idx="0">
+                  <c:v>8</c:v>
+                </c:pt>
+                <c:pt idx="1">
+                  <c:v>12</c:v>
+                </c:pt>
+                <c:pt idx="2">
+                  <c:v>16</c:v>
+                </c:pt>
+                <c:pt idx="3">
+                  <c:v>20</c:v>
+                </c:pt>
+              </c:numCache>
+            </c:numRef>
+          </c:cat>
+          <c:val>
+            <c:numRef>
+              <c:f>Sheet1!$C$2:$C$5</c:f>
+              <c:numCache>
+                <c:formatCode>General</c:formatCode>
+                <c:ptCount val="4"/>
+                <c:pt idx="0">
+                  <c:v>3.2000000000000003E-4</c:v>
+                </c:pt>
+                <c:pt idx="1">
+                  <c:v>5.77E-3</c:v>
+                </c:pt>
+                <c:pt idx="2">
+                  <c:v>8.8861999999999997E-2</c:v>
+                </c:pt>
+                <c:pt idx="3">
+                  <c:v>1.41794</c:v>
+                </c:pt>
+              </c:numCache>
+            </c:numRef>
+          </c:val>
+          <c:smooth val="0"/>
+          <c:extLst>
+            <c:ext xmlns:c16="http://schemas.microsoft.com/office/drawing/2014/chart" uri="{C3380CC4-5D6E-409C-BE32-E72D297353CC}">
+              <c16:uniqueId val="{00000001-57AC-4AB9-BF5E-9563CBD2DDD1}"/>
+            </c:ext>
+          </c:extLst>
+        </c:ser>
+        <c:ser>
+          <c:idx val="2"/>
+          <c:order val="2"/>
+          <c:tx>
+            <c:strRef>
+              <c:f>Sheet1!$D$1</c:f>
+              <c:strCache>
+                <c:ptCount val="1"/>
+                <c:pt idx="0">
+                  <c:v>Naive_PT</c:v>
+                </c:pt>
+              </c:strCache>
+            </c:strRef>
+          </c:tx>
+          <c:spPr>
+            <a:ln w="38100" cap="rnd">
+              <a:solidFill>
+                <a:schemeClr val="accent3"/>
+              </a:solidFill>
+              <a:round/>
+            </a:ln>
+            <a:effectLst/>
+          </c:spPr>
+          <c:marker>
+            <c:symbol val="none"/>
+          </c:marker>
+          <c:cat>
+            <c:numRef>
+              <c:f>Sheet1!$A$2:$A$5</c:f>
+              <c:numCache>
+                <c:formatCode>General</c:formatCode>
+                <c:ptCount val="4"/>
+                <c:pt idx="0">
+                  <c:v>8</c:v>
+                </c:pt>
+                <c:pt idx="1">
+                  <c:v>12</c:v>
+                </c:pt>
+                <c:pt idx="2">
+                  <c:v>16</c:v>
+                </c:pt>
+                <c:pt idx="3">
+                  <c:v>20</c:v>
+                </c:pt>
+              </c:numCache>
+            </c:numRef>
+          </c:cat>
+          <c:val>
+            <c:numRef>
+              <c:f>Sheet1!$D$2:$D$5</c:f>
+              <c:numCache>
+                <c:formatCode>General</c:formatCode>
+                <c:ptCount val="4"/>
+                <c:pt idx="0">
+                  <c:v>8.6015999999999995E-2</c:v>
+                </c:pt>
+                <c:pt idx="1">
+                  <c:v>7.4751999999999999E-2</c:v>
+                </c:pt>
+                <c:pt idx="2">
+                  <c:v>0.118784</c:v>
+                </c:pt>
+                <c:pt idx="3">
+                  <c:v>0.86732799999999999</c:v>
+                </c:pt>
+              </c:numCache>
+            </c:numRef>
+          </c:val>
+          <c:smooth val="0"/>
+          <c:extLst>
+            <c:ext xmlns:c16="http://schemas.microsoft.com/office/drawing/2014/chart" uri="{C3380CC4-5D6E-409C-BE32-E72D297353CC}">
+              <c16:uniqueId val="{00000002-57AC-4AB9-BF5E-9563CBD2DDD1}"/>
+            </c:ext>
+          </c:extLst>
+        </c:ser>
+        <c:ser>
+          <c:idx val="3"/>
+          <c:order val="3"/>
+          <c:tx>
+            <c:strRef>
+              <c:f>Sheet1!$E$1</c:f>
+              <c:strCache>
+                <c:ptCount val="1"/>
+                <c:pt idx="0">
+                  <c:v>Naive_NPT</c:v>
+                </c:pt>
+              </c:strCache>
+            </c:strRef>
+          </c:tx>
+          <c:spPr>
+            <a:ln w="38100" cap="rnd">
+              <a:solidFill>
+                <a:schemeClr val="accent4"/>
+              </a:solidFill>
+              <a:round/>
+            </a:ln>
+            <a:effectLst/>
+          </c:spPr>
+          <c:marker>
+            <c:symbol val="none"/>
+          </c:marker>
+          <c:cat>
+            <c:numRef>
+              <c:f>Sheet1!$A$2:$A$5</c:f>
+              <c:numCache>
+                <c:formatCode>General</c:formatCode>
+                <c:ptCount val="4"/>
+                <c:pt idx="0">
+                  <c:v>8</c:v>
+                </c:pt>
+                <c:pt idx="1">
+                  <c:v>12</c:v>
+                </c:pt>
+                <c:pt idx="2">
+                  <c:v>16</c:v>
+                </c:pt>
+                <c:pt idx="3">
+                  <c:v>20</c:v>
+                </c:pt>
+              </c:numCache>
+            </c:numRef>
+          </c:cat>
+          <c:val>
+            <c:numRef>
+              <c:f>Sheet1!$E$2:$E$5</c:f>
+              <c:numCache>
+                <c:formatCode>General</c:formatCode>
+                <c:ptCount val="4"/>
+                <c:pt idx="0">
+                  <c:v>9.2160000000000006E-2</c:v>
+                </c:pt>
+                <c:pt idx="1">
+                  <c:v>7.6799999999999993E-2</c:v>
+                </c:pt>
+                <c:pt idx="2">
+                  <c:v>0.124928</c:v>
+                </c:pt>
+                <c:pt idx="3">
+                  <c:v>0.89088000000000001</c:v>
+                </c:pt>
+              </c:numCache>
+            </c:numRef>
+          </c:val>
+          <c:smooth val="0"/>
+          <c:extLst>
+            <c:ext xmlns:c16="http://schemas.microsoft.com/office/drawing/2014/chart" uri="{C3380CC4-5D6E-409C-BE32-E72D297353CC}">
+              <c16:uniqueId val="{00000003-57AC-4AB9-BF5E-9563CBD2DDD1}"/>
+            </c:ext>
+          </c:extLst>
+        </c:ser>
+        <c:ser>
+          <c:idx val="4"/>
+          <c:order val="4"/>
+          <c:tx>
+            <c:strRef>
+              <c:f>Sheet1!$F$1</c:f>
+              <c:strCache>
+                <c:ptCount val="1"/>
+                <c:pt idx="0">
+                  <c:v>WES_PT</c:v>
+                </c:pt>
+              </c:strCache>
+            </c:strRef>
+          </c:tx>
+          <c:spPr>
+            <a:ln w="38100" cap="rnd">
+              <a:solidFill>
+                <a:schemeClr val="accent5"/>
+              </a:solidFill>
+              <a:round/>
+            </a:ln>
+            <a:effectLst/>
+          </c:spPr>
+          <c:marker>
+            <c:symbol val="none"/>
+          </c:marker>
+          <c:cat>
+            <c:numRef>
+              <c:f>Sheet1!$A$2:$A$5</c:f>
+              <c:numCache>
+                <c:formatCode>General</c:formatCode>
+                <c:ptCount val="4"/>
+                <c:pt idx="0">
+                  <c:v>8</c:v>
+                </c:pt>
+                <c:pt idx="1">
+                  <c:v>12</c:v>
+                </c:pt>
+                <c:pt idx="2">
+                  <c:v>16</c:v>
+                </c:pt>
+                <c:pt idx="3">
+                  <c:v>20</c:v>
+                </c:pt>
+              </c:numCache>
+            </c:numRef>
+          </c:cat>
+          <c:val>
+            <c:numRef>
+              <c:f>Sheet1!$F$2:$F$5</c:f>
+              <c:numCache>
+                <c:formatCode>General</c:formatCode>
+                <c:ptCount val="4"/>
+                <c:pt idx="0">
+                  <c:v>5.7343999999999999E-2</c:v>
+                </c:pt>
+                <c:pt idx="1">
+                  <c:v>8.7040000000000006E-2</c:v>
+                </c:pt>
+                <c:pt idx="2">
+                  <c:v>0.18944</c:v>
+                </c:pt>
+                <c:pt idx="3">
+                  <c:v>1.60768</c:v>
+                </c:pt>
+              </c:numCache>
+            </c:numRef>
+          </c:val>
+          <c:smooth val="0"/>
+          <c:extLst>
+            <c:ext xmlns:c16="http://schemas.microsoft.com/office/drawing/2014/chart" uri="{C3380CC4-5D6E-409C-BE32-E72D297353CC}">
+              <c16:uniqueId val="{00000004-57AC-4AB9-BF5E-9563CBD2DDD1}"/>
+            </c:ext>
+          </c:extLst>
+        </c:ser>
+        <c:ser>
+          <c:idx val="5"/>
+          <c:order val="5"/>
+          <c:tx>
+            <c:strRef>
+              <c:f>Sheet1!$G$1</c:f>
+              <c:strCache>
+                <c:ptCount val="1"/>
+                <c:pt idx="0">
+                  <c:v>WES_NPT</c:v>
+                </c:pt>
+              </c:strCache>
+            </c:strRef>
+          </c:tx>
+          <c:spPr>
+            <a:ln w="38100" cap="rnd">
+              <a:solidFill>
+                <a:schemeClr val="accent6"/>
+              </a:solidFill>
+              <a:round/>
+            </a:ln>
+            <a:effectLst/>
+          </c:spPr>
+          <c:marker>
+            <c:symbol val="none"/>
+          </c:marker>
+          <c:cat>
+            <c:numRef>
+              <c:f>Sheet1!$A$2:$A$5</c:f>
+              <c:numCache>
+                <c:formatCode>General</c:formatCode>
+                <c:ptCount val="4"/>
+                <c:pt idx="0">
+                  <c:v>8</c:v>
+                </c:pt>
+                <c:pt idx="1">
+                  <c:v>12</c:v>
+                </c:pt>
+                <c:pt idx="2">
+                  <c:v>16</c:v>
+                </c:pt>
+                <c:pt idx="3">
+                  <c:v>20</c:v>
+                </c:pt>
+              </c:numCache>
+            </c:numRef>
+          </c:cat>
+          <c:val>
+            <c:numRef>
+              <c:f>Sheet1!$G$2:$G$5</c:f>
+              <c:numCache>
+                <c:formatCode>General</c:formatCode>
+                <c:ptCount val="4"/>
+                <c:pt idx="0">
+                  <c:v>5.1200000000000002E-2</c:v>
+                </c:pt>
+                <c:pt idx="1">
+                  <c:v>8.2944000000000004E-2</c:v>
+                </c:pt>
+                <c:pt idx="2">
+                  <c:v>0.139264</c:v>
+                </c:pt>
+                <c:pt idx="3">
+                  <c:v>0.84275199999999995</c:v>
+                </c:pt>
+              </c:numCache>
+            </c:numRef>
+          </c:val>
+          <c:smooth val="0"/>
+          <c:extLst>
+            <c:ext xmlns:c16="http://schemas.microsoft.com/office/drawing/2014/chart" uri="{C3380CC4-5D6E-409C-BE32-E72D297353CC}">
+              <c16:uniqueId val="{00000005-57AC-4AB9-BF5E-9563CBD2DDD1}"/>
+            </c:ext>
+          </c:extLst>
+        </c:ser>
+        <c:ser>
+          <c:idx val="6"/>
+          <c:order val="6"/>
+          <c:tx>
+            <c:strRef>
+              <c:f>Sheet1!$H$1</c:f>
+              <c:strCache>
+                <c:ptCount val="1"/>
+                <c:pt idx="0">
+                  <c:v>THRUST_PT</c:v>
+                </c:pt>
+              </c:strCache>
+            </c:strRef>
+          </c:tx>
+          <c:spPr>
+            <a:ln w="38100" cap="rnd">
+              <a:solidFill>
+                <a:schemeClr val="accent1">
+                  <a:lumMod val="60000"/>
+                </a:schemeClr>
+              </a:solidFill>
+              <a:round/>
+            </a:ln>
+            <a:effectLst/>
+          </c:spPr>
+          <c:marker>
+            <c:symbol val="none"/>
+          </c:marker>
+          <c:cat>
+            <c:numRef>
+              <c:f>Sheet1!$A$2:$A$5</c:f>
+              <c:numCache>
+                <c:formatCode>General</c:formatCode>
+                <c:ptCount val="4"/>
+                <c:pt idx="0">
+                  <c:v>8</c:v>
+                </c:pt>
+                <c:pt idx="1">
+                  <c:v>12</c:v>
+                </c:pt>
+                <c:pt idx="2">
+                  <c:v>16</c:v>
+                </c:pt>
+                <c:pt idx="3">
+                  <c:v>20</c:v>
+                </c:pt>
+              </c:numCache>
+            </c:numRef>
+          </c:cat>
+          <c:val>
+            <c:numRef>
+              <c:f>Sheet1!$H$2:$H$5</c:f>
+              <c:numCache>
+                <c:formatCode>General</c:formatCode>
+                <c:ptCount val="4"/>
+                <c:pt idx="0">
+                  <c:v>5.7343999999999999E-2</c:v>
+                </c:pt>
+                <c:pt idx="1">
+                  <c:v>0.16486400000000001</c:v>
+                </c:pt>
+                <c:pt idx="2">
+                  <c:v>0.169984</c:v>
+                </c:pt>
+                <c:pt idx="3">
+                  <c:v>0.23449600000000001</c:v>
+                </c:pt>
+              </c:numCache>
+            </c:numRef>
+          </c:val>
+          <c:smooth val="0"/>
+          <c:extLst>
+            <c:ext xmlns:c16="http://schemas.microsoft.com/office/drawing/2014/chart" uri="{C3380CC4-5D6E-409C-BE32-E72D297353CC}">
+              <c16:uniqueId val="{00000006-57AC-4AB9-BF5E-9563CBD2DDD1}"/>
+            </c:ext>
+          </c:extLst>
+        </c:ser>
+        <c:ser>
+          <c:idx val="7"/>
+          <c:order val="7"/>
+          <c:tx>
+            <c:strRef>
+              <c:f>Sheet1!$I$1</c:f>
+              <c:strCache>
+                <c:ptCount val="1"/>
+                <c:pt idx="0">
+                  <c:v>THRUST_NPT</c:v>
+                </c:pt>
+              </c:strCache>
+            </c:strRef>
+          </c:tx>
+          <c:spPr>
+            <a:ln w="38100" cap="rnd">
+              <a:solidFill>
+                <a:schemeClr val="accent2">
+                  <a:lumMod val="60000"/>
+                </a:schemeClr>
+              </a:solidFill>
+              <a:round/>
+            </a:ln>
+            <a:effectLst/>
+          </c:spPr>
+          <c:marker>
+            <c:symbol val="none"/>
+          </c:marker>
+          <c:cat>
+            <c:numRef>
+              <c:f>Sheet1!$A$2:$A$5</c:f>
+              <c:numCache>
+                <c:formatCode>General</c:formatCode>
+                <c:ptCount val="4"/>
+                <c:pt idx="0">
+                  <c:v>8</c:v>
+                </c:pt>
+                <c:pt idx="1">
+                  <c:v>12</c:v>
+                </c:pt>
+                <c:pt idx="2">
+                  <c:v>16</c:v>
+                </c:pt>
+                <c:pt idx="3">
+                  <c:v>20</c:v>
+                </c:pt>
+              </c:numCache>
+            </c:numRef>
+          </c:cat>
+          <c:val>
+            <c:numRef>
+              <c:f>Sheet1!$I$2:$I$5</c:f>
+              <c:numCache>
+                <c:formatCode>General</c:formatCode>
+                <c:ptCount val="4"/>
+                <c:pt idx="0">
+                  <c:v>5.7343999999999999E-2</c:v>
+                </c:pt>
+                <c:pt idx="1">
+                  <c:v>0.18515200000000001</c:v>
+                </c:pt>
+                <c:pt idx="2">
+                  <c:v>0.15872</c:v>
+                </c:pt>
+                <c:pt idx="3">
+                  <c:v>0.22425600000000001</c:v>
+                </c:pt>
+              </c:numCache>
+            </c:numRef>
+          </c:val>
+          <c:smooth val="0"/>
+          <c:extLst>
+            <c:ext xmlns:c16="http://schemas.microsoft.com/office/drawing/2014/chart" uri="{C3380CC4-5D6E-409C-BE32-E72D297353CC}">
+              <c16:uniqueId val="{00000007-57AC-4AB9-BF5E-9563CBD2DDD1}"/>
+            </c:ext>
+          </c:extLst>
+        </c:ser>
+        <c:dLbls>
+          <c:showLegendKey val="0"/>
+          <c:showVal val="0"/>
+          <c:showCatName val="0"/>
+          <c:showSerName val="0"/>
+          <c:showPercent val="0"/>
+          <c:showBubbleSize val="0"/>
+        </c:dLbls>
+        <c:smooth val="0"/>
+        <c:axId val="411145520"/>
+        <c:axId val="411146480"/>
+      </c:lineChart>
+      <c:catAx>
+        <c:axId val="411145520"/>
+        <c:scaling>
+          <c:orientation val="minMax"/>
+        </c:scaling>
+        <c:delete val="0"/>
+        <c:axPos val="b"/>
+        <c:title>
+          <c:tx>
+            <c:rich>
+              <a:bodyPr rot="0" spcFirstLastPara="1" vertOverflow="ellipsis" vert="horz" wrap="square" anchor="ctr" anchorCtr="1"/>
+              <a:lstStyle/>
+              <a:p>
+                <a:pPr>
+                  <a:defRPr sz="1197" b="0" i="0" u="none" strike="noStrike" kern="1200" cap="all" baseline="0">
+                    <a:solidFill>
+                      <a:schemeClr val="tx1">
+                        <a:lumMod val="65000"/>
+                        <a:lumOff val="35000"/>
+                      </a:schemeClr>
+                    </a:solidFill>
+                    <a:latin typeface="+mn-lt"/>
+                    <a:ea typeface="+mn-ea"/>
+                    <a:cs typeface="+mn-cs"/>
+                  </a:defRPr>
+                </a:pPr>
+                <a:r>
+                  <a:rPr lang="en-US" dirty="0"/>
+                  <a:t>Array </a:t>
+                </a:r>
+                <a:r>
+                  <a:rPr lang="en-US" dirty="0" err="1"/>
+                  <a:t>SIZe</a:t>
+                </a:r>
+                <a:r>
+                  <a:rPr lang="en-US" dirty="0"/>
+                  <a:t> in Exponents of two</a:t>
+                </a:r>
+              </a:p>
+            </c:rich>
+          </c:tx>
+          <c:overlay val="0"/>
+          <c:spPr>
+            <a:noFill/>
+            <a:ln>
+              <a:noFill/>
+            </a:ln>
+            <a:effectLst/>
+          </c:spPr>
+          <c:txPr>
+            <a:bodyPr rot="0" spcFirstLastPara="1" vertOverflow="ellipsis" vert="horz" wrap="square" anchor="ctr" anchorCtr="1"/>
+            <a:lstStyle/>
+            <a:p>
+              <a:pPr>
+                <a:defRPr sz="1197" b="0" i="0" u="none" strike="noStrike" kern="1200" cap="all" baseline="0">
+                  <a:solidFill>
+                    <a:schemeClr val="tx1">
+                      <a:lumMod val="65000"/>
+                      <a:lumOff val="35000"/>
+                    </a:schemeClr>
+                  </a:solidFill>
+                  <a:latin typeface="+mn-lt"/>
+                  <a:ea typeface="+mn-ea"/>
+                  <a:cs typeface="+mn-cs"/>
+                </a:defRPr>
+              </a:pPr>
+              <a:endParaRPr lang="en-US"/>
+            </a:p>
+          </c:txPr>
+        </c:title>
+        <c:numFmt formatCode="General" sourceLinked="1"/>
+        <c:majorTickMark val="none"/>
+        <c:minorTickMark val="none"/>
+        <c:tickLblPos val="nextTo"/>
+        <c:spPr>
+          <a:noFill/>
+          <a:ln w="9525" cap="flat" cmpd="sng" algn="ctr">
+            <a:solidFill>
+              <a:schemeClr val="tx1">
+                <a:lumMod val="15000"/>
+                <a:lumOff val="85000"/>
+              </a:schemeClr>
+            </a:solidFill>
+            <a:round/>
+          </a:ln>
+          <a:effectLst/>
+        </c:spPr>
+        <c:txPr>
+          <a:bodyPr rot="-60000000" spcFirstLastPara="1" vertOverflow="ellipsis" vert="horz" wrap="square" anchor="ctr" anchorCtr="1"/>
+          <a:lstStyle/>
+          <a:p>
+            <a:pPr>
+              <a:defRPr sz="1197" b="0" i="0" u="none" strike="noStrike" kern="1200" cap="none" spc="0" normalizeH="0" baseline="0">
+                <a:solidFill>
+                  <a:schemeClr val="tx1">
+                    <a:lumMod val="65000"/>
+                    <a:lumOff val="35000"/>
+                  </a:schemeClr>
+                </a:solidFill>
+                <a:latin typeface="+mn-lt"/>
+                <a:ea typeface="+mn-ea"/>
+                <a:cs typeface="+mn-cs"/>
+              </a:defRPr>
+            </a:pPr>
+            <a:endParaRPr lang="en-US"/>
+          </a:p>
+        </c:txPr>
+        <c:crossAx val="411146480"/>
+        <c:crosses val="autoZero"/>
+        <c:auto val="1"/>
+        <c:lblAlgn val="ctr"/>
+        <c:lblOffset val="100"/>
+        <c:noMultiLvlLbl val="0"/>
+      </c:catAx>
+      <c:valAx>
+        <c:axId val="411146480"/>
+        <c:scaling>
+          <c:orientation val="minMax"/>
+        </c:scaling>
+        <c:delete val="0"/>
+        <c:axPos val="l"/>
+        <c:majorGridlines>
+          <c:spPr>
+            <a:ln w="9525" cap="flat" cmpd="sng" algn="ctr">
+              <a:solidFill>
+                <a:schemeClr val="tx1">
+                  <a:lumMod val="15000"/>
+                  <a:lumOff val="85000"/>
+                </a:schemeClr>
+              </a:solidFill>
+              <a:round/>
+            </a:ln>
+            <a:effectLst/>
+          </c:spPr>
+        </c:majorGridlines>
+        <c:minorGridlines>
+          <c:spPr>
+            <a:ln w="9525" cap="flat" cmpd="sng" algn="ctr">
+              <a:solidFill>
+                <a:schemeClr val="tx1">
+                  <a:lumMod val="5000"/>
+                  <a:lumOff val="95000"/>
+                </a:schemeClr>
+              </a:solidFill>
+              <a:round/>
+            </a:ln>
+            <a:effectLst/>
+          </c:spPr>
+        </c:minorGridlines>
+        <c:title>
+          <c:tx>
+            <c:rich>
+              <a:bodyPr rot="-5400000" spcFirstLastPara="1" vertOverflow="ellipsis" vert="horz" wrap="square" anchor="ctr" anchorCtr="1"/>
+              <a:lstStyle/>
+              <a:p>
+                <a:pPr>
+                  <a:defRPr sz="1197" b="0" i="0" u="none" strike="noStrike" kern="1200" cap="all" baseline="0">
+                    <a:solidFill>
+                      <a:schemeClr val="tx1">
+                        <a:lumMod val="65000"/>
+                        <a:lumOff val="35000"/>
+                      </a:schemeClr>
+                    </a:solidFill>
+                    <a:latin typeface="+mn-lt"/>
+                    <a:ea typeface="+mn-ea"/>
+                    <a:cs typeface="+mn-cs"/>
+                  </a:defRPr>
+                </a:pPr>
+                <a:r>
+                  <a:rPr lang="en-US" dirty="0"/>
+                  <a:t>Execution time in MILLISECONDS</a:t>
+                </a:r>
+              </a:p>
+            </c:rich>
+          </c:tx>
+          <c:overlay val="0"/>
+          <c:spPr>
+            <a:noFill/>
+            <a:ln>
+              <a:noFill/>
+            </a:ln>
+            <a:effectLst/>
+          </c:spPr>
+          <c:txPr>
+            <a:bodyPr rot="-5400000" spcFirstLastPara="1" vertOverflow="ellipsis" vert="horz" wrap="square" anchor="ctr" anchorCtr="1"/>
+            <a:lstStyle/>
+            <a:p>
+              <a:pPr>
+                <a:defRPr sz="1197" b="0" i="0" u="none" strike="noStrike" kern="1200" cap="all" baseline="0">
+                  <a:solidFill>
+                    <a:schemeClr val="tx1">
+                      <a:lumMod val="65000"/>
+                      <a:lumOff val="35000"/>
+                    </a:schemeClr>
+                  </a:solidFill>
+                  <a:latin typeface="+mn-lt"/>
+                  <a:ea typeface="+mn-ea"/>
+                  <a:cs typeface="+mn-cs"/>
+                </a:defRPr>
+              </a:pPr>
+              <a:endParaRPr lang="en-US"/>
+            </a:p>
+          </c:txPr>
+        </c:title>
+        <c:numFmt formatCode="General" sourceLinked="1"/>
+        <c:majorTickMark val="none"/>
+        <c:minorTickMark val="none"/>
+        <c:tickLblPos val="nextTo"/>
+        <c:spPr>
+          <a:noFill/>
+          <a:ln>
+            <a:noFill/>
+          </a:ln>
+          <a:effectLst/>
+        </c:spPr>
+        <c:txPr>
+          <a:bodyPr rot="-60000000" spcFirstLastPara="1" vertOverflow="ellipsis" vert="horz" wrap="square" anchor="ctr" anchorCtr="1"/>
+          <a:lstStyle/>
+          <a:p>
+            <a:pPr>
+              <a:defRPr sz="1197" b="0" i="0" u="none" strike="noStrike" kern="1200" baseline="0">
+                <a:solidFill>
+                  <a:schemeClr val="tx1">
+                    <a:lumMod val="65000"/>
+                    <a:lumOff val="35000"/>
+                  </a:schemeClr>
+                </a:solidFill>
+                <a:latin typeface="+mn-lt"/>
+                <a:ea typeface="+mn-ea"/>
+                <a:cs typeface="+mn-cs"/>
+              </a:defRPr>
+            </a:pPr>
+            <a:endParaRPr lang="en-US"/>
+          </a:p>
+        </c:txPr>
+        <c:crossAx val="411145520"/>
+        <c:crosses val="autoZero"/>
+        <c:crossBetween val="between"/>
+      </c:valAx>
+      <c:spPr>
+        <a:noFill/>
+        <a:ln>
+          <a:noFill/>
+        </a:ln>
+        <a:effectLst/>
+      </c:spPr>
+    </c:plotArea>
+    <c:legend>
+      <c:legendPos val="t"/>
+      <c:overlay val="0"/>
+      <c:spPr>
+        <a:noFill/>
+        <a:ln>
+          <a:noFill/>
+        </a:ln>
+        <a:effectLst/>
+      </c:spPr>
+      <c:txPr>
+        <a:bodyPr rot="0" spcFirstLastPara="1" vertOverflow="ellipsis" vert="horz" wrap="square" anchor="ctr" anchorCtr="1"/>
+        <a:lstStyle/>
+        <a:p>
+          <a:pPr>
+            <a:defRPr sz="1197" b="0" i="0" u="none" strike="noStrike" kern="1200" baseline="0">
+              <a:solidFill>
+                <a:schemeClr val="tx1">
+                  <a:lumMod val="65000"/>
+                  <a:lumOff val="35000"/>
+                </a:schemeClr>
+              </a:solidFill>
+              <a:latin typeface="+mn-lt"/>
+              <a:ea typeface="+mn-ea"/>
+              <a:cs typeface="+mn-cs"/>
+            </a:defRPr>
+          </a:pPr>
+          <a:endParaRPr lang="en-US"/>
+        </a:p>
+      </c:txPr>
+    </c:legend>
+    <c:plotVisOnly val="1"/>
+    <c:dispBlanksAs val="gap"/>
+    <c:extLst>
+      <c:ext xmlns:c16r3="http://schemas.microsoft.com/office/drawing/2017/03/chart" uri="{56B9EC1D-385E-4148-901F-78D8002777C0}">
+        <c16r3:dataDisplayOptions16>
+          <c16r3:dispNaAsBlank val="1"/>
+        </c16r3:dataDisplayOptions16>
+      </c:ext>
+    </c:extLst>
+    <c:showDLblsOverMax val="0"/>
+  </c:chart>
+  <c:spPr>
+    <a:noFill/>
+    <a:ln>
+      <a:noFill/>
+    </a:ln>
+    <a:effectLst/>
+  </c:spPr>
+  <c:txPr>
+    <a:bodyPr/>
+    <a:lstStyle/>
+    <a:p>
+      <a:pPr>
+        <a:defRPr/>
+      </a:pPr>
+      <a:endParaRPr lang="en-US"/>
+    </a:p>
+  </c:txPr>
+  <c:externalData r:id="rId3">
+    <c:autoUpdate val="0"/>
+  </c:externalData>
+</c:chartSpace>
+</file>
+
+<file path=ppt/charts/chart2.xml><?xml version="1.0" encoding="utf-8"?>
+<c:chartSpace xmlns:c="http://schemas.openxmlformats.org/drawingml/2006/chart" xmlns:a="http://schemas.openxmlformats.org/drawingml/2006/main" xmlns:r="http://schemas.openxmlformats.org/officeDocument/2006/relationships" xmlns:c16r2="http://schemas.microsoft.com/office/drawing/2015/06/chart">
+  <c:date1904 val="0"/>
+  <c:lang val="en-US"/>
+  <c:roundedCorners val="0"/>
+  <mc:AlternateContent xmlns:mc="http://schemas.openxmlformats.org/markup-compatibility/2006">
+    <mc:Choice xmlns:c14="http://schemas.microsoft.com/office/drawing/2007/8/2/chart" Requires="c14">
+      <c14:style val="102"/>
+    </mc:Choice>
+    <mc:Fallback>
+      <c:style val="2"/>
+    </mc:Fallback>
+  </mc:AlternateContent>
+  <c:chart>
+    <c:title>
+      <c:tx>
+        <c:rich>
+          <a:bodyPr rot="0" spcFirstLastPara="1" vertOverflow="ellipsis" vert="horz" wrap="square" anchor="ctr" anchorCtr="1"/>
+          <a:lstStyle/>
+          <a:p>
+            <a:pPr>
+              <a:defRPr sz="2200" b="0" i="0" u="none" strike="noStrike" kern="1200" cap="none" spc="0" normalizeH="0" baseline="0">
+                <a:solidFill>
+                  <a:schemeClr val="tx1">
+                    <a:lumMod val="65000"/>
+                    <a:lumOff val="35000"/>
+                  </a:schemeClr>
+                </a:solidFill>
+                <a:latin typeface="+mj-lt"/>
+                <a:ea typeface="+mj-ea"/>
+                <a:cs typeface="+mj-cs"/>
+              </a:defRPr>
+            </a:pPr>
+            <a:r>
+              <a:rPr lang="en-US"/>
+              <a:t>Performance Timings for Scan for a block size of 256</a:t>
+            </a:r>
+          </a:p>
+        </c:rich>
+      </c:tx>
+      <c:overlay val="0"/>
+      <c:spPr>
+        <a:noFill/>
+        <a:ln>
+          <a:noFill/>
+        </a:ln>
+        <a:effectLst/>
+      </c:spPr>
+      <c:txPr>
+        <a:bodyPr rot="0" spcFirstLastPara="1" vertOverflow="ellipsis" vert="horz" wrap="square" anchor="ctr" anchorCtr="1"/>
+        <a:lstStyle/>
+        <a:p>
+          <a:pPr>
+            <a:defRPr sz="2200" b="0" i="0" u="none" strike="noStrike" kern="1200" cap="none" spc="0" normalizeH="0" baseline="0">
+              <a:solidFill>
+                <a:schemeClr val="tx1">
+                  <a:lumMod val="65000"/>
+                  <a:lumOff val="35000"/>
+                </a:schemeClr>
+              </a:solidFill>
+              <a:latin typeface="+mj-lt"/>
+              <a:ea typeface="+mj-ea"/>
+              <a:cs typeface="+mj-cs"/>
+            </a:defRPr>
+          </a:pPr>
+          <a:endParaRPr lang="en-US"/>
+        </a:p>
+      </c:txPr>
+    </c:title>
+    <c:autoTitleDeleted val="0"/>
+    <c:plotArea>
+      <c:layout/>
+      <c:lineChart>
+        <c:grouping val="standard"/>
+        <c:varyColors val="0"/>
+        <c:ser>
+          <c:idx val="0"/>
+          <c:order val="0"/>
+          <c:tx>
+            <c:strRef>
+              <c:f>Sheet1!$B$1</c:f>
+              <c:strCache>
+                <c:ptCount val="1"/>
+                <c:pt idx="0">
+                  <c:v>CPU_PT</c:v>
+                </c:pt>
+              </c:strCache>
+            </c:strRef>
+          </c:tx>
+          <c:spPr>
+            <a:ln w="38100" cap="rnd">
+              <a:solidFill>
+                <a:schemeClr val="accent1"/>
+              </a:solidFill>
+              <a:round/>
+            </a:ln>
+            <a:effectLst/>
+          </c:spPr>
+          <c:marker>
+            <c:symbol val="none"/>
+          </c:marker>
+          <c:cat>
+            <c:numRef>
+              <c:f>Sheet1!$A$2:$A$5</c:f>
+              <c:numCache>
+                <c:formatCode>General</c:formatCode>
+                <c:ptCount val="4"/>
+                <c:pt idx="0">
+                  <c:v>8</c:v>
+                </c:pt>
+                <c:pt idx="1">
+                  <c:v>12</c:v>
+                </c:pt>
+                <c:pt idx="2">
+                  <c:v>16</c:v>
+                </c:pt>
+                <c:pt idx="3">
+                  <c:v>20</c:v>
+                </c:pt>
+              </c:numCache>
+            </c:numRef>
+          </c:cat>
+          <c:val>
+            <c:numRef>
+              <c:f>Sheet1!$B$2:$B$5</c:f>
+              <c:numCache>
+                <c:formatCode>General</c:formatCode>
+                <c:ptCount val="4"/>
+                <c:pt idx="0">
+                  <c:v>6.4199999999999999E-4</c:v>
+                </c:pt>
+              </c:numCache>
+            </c:numRef>
+          </c:val>
+          <c:smooth val="0"/>
+          <c:extLst>
+            <c:ext xmlns:c16="http://schemas.microsoft.com/office/drawing/2014/chart" uri="{C3380CC4-5D6E-409C-BE32-E72D297353CC}">
+              <c16:uniqueId val="{00000000-57AC-4AB9-BF5E-9563CBD2DDD1}"/>
+            </c:ext>
+          </c:extLst>
+        </c:ser>
+        <c:ser>
+          <c:idx val="1"/>
+          <c:order val="1"/>
+          <c:tx>
+            <c:strRef>
+              <c:f>Sheet1!$C$1</c:f>
+              <c:strCache>
+                <c:ptCount val="1"/>
+                <c:pt idx="0">
+                  <c:v>CPU_NPT</c:v>
+                </c:pt>
+              </c:strCache>
+            </c:strRef>
+          </c:tx>
+          <c:spPr>
+            <a:ln w="38100" cap="rnd">
+              <a:solidFill>
+                <a:schemeClr val="accent2"/>
+              </a:solidFill>
+              <a:round/>
+            </a:ln>
+            <a:effectLst/>
+          </c:spPr>
+          <c:marker>
+            <c:symbol val="none"/>
+          </c:marker>
+          <c:cat>
+            <c:numRef>
+              <c:f>Sheet1!$A$2:$A$5</c:f>
+              <c:numCache>
+                <c:formatCode>General</c:formatCode>
+                <c:ptCount val="4"/>
+                <c:pt idx="0">
+                  <c:v>8</c:v>
+                </c:pt>
+                <c:pt idx="1">
+                  <c:v>12</c:v>
+                </c:pt>
+                <c:pt idx="2">
+                  <c:v>16</c:v>
+                </c:pt>
+                <c:pt idx="3">
+                  <c:v>20</c:v>
+                </c:pt>
+              </c:numCache>
+            </c:numRef>
+          </c:cat>
+          <c:val>
+            <c:numRef>
+              <c:f>Sheet1!$C$2:$C$5</c:f>
+              <c:numCache>
+                <c:formatCode>General</c:formatCode>
+                <c:ptCount val="4"/>
+                <c:pt idx="0">
+                  <c:v>3.21E-4</c:v>
+                </c:pt>
+              </c:numCache>
+            </c:numRef>
+          </c:val>
+          <c:smooth val="0"/>
+          <c:extLst>
+            <c:ext xmlns:c16="http://schemas.microsoft.com/office/drawing/2014/chart" uri="{C3380CC4-5D6E-409C-BE32-E72D297353CC}">
+              <c16:uniqueId val="{00000001-57AC-4AB9-BF5E-9563CBD2DDD1}"/>
+            </c:ext>
+          </c:extLst>
+        </c:ser>
+        <c:ser>
+          <c:idx val="2"/>
+          <c:order val="2"/>
+          <c:tx>
+            <c:strRef>
+              <c:f>Sheet1!$D$1</c:f>
+              <c:strCache>
+                <c:ptCount val="1"/>
+                <c:pt idx="0">
+                  <c:v>Naive_PT</c:v>
+                </c:pt>
+              </c:strCache>
+            </c:strRef>
+          </c:tx>
+          <c:spPr>
+            <a:ln w="38100" cap="rnd">
+              <a:solidFill>
+                <a:schemeClr val="accent3"/>
+              </a:solidFill>
+              <a:round/>
+            </a:ln>
+            <a:effectLst/>
+          </c:spPr>
+          <c:marker>
+            <c:symbol val="none"/>
+          </c:marker>
+          <c:cat>
+            <c:numRef>
+              <c:f>Sheet1!$A$2:$A$5</c:f>
+              <c:numCache>
+                <c:formatCode>General</c:formatCode>
+                <c:ptCount val="4"/>
+                <c:pt idx="0">
+                  <c:v>8</c:v>
+                </c:pt>
+                <c:pt idx="1">
+                  <c:v>12</c:v>
+                </c:pt>
+                <c:pt idx="2">
+                  <c:v>16</c:v>
+                </c:pt>
+                <c:pt idx="3">
+                  <c:v>20</c:v>
+                </c:pt>
+              </c:numCache>
+            </c:numRef>
+          </c:cat>
+          <c:val>
+            <c:numRef>
+              <c:f>Sheet1!$D$2:$D$5</c:f>
+              <c:numCache>
+                <c:formatCode>General</c:formatCode>
+                <c:ptCount val="4"/>
+                <c:pt idx="0">
+                  <c:v>6.6559999999999994E-2</c:v>
+                </c:pt>
+              </c:numCache>
+            </c:numRef>
+          </c:val>
+          <c:smooth val="0"/>
+          <c:extLst>
+            <c:ext xmlns:c16="http://schemas.microsoft.com/office/drawing/2014/chart" uri="{C3380CC4-5D6E-409C-BE32-E72D297353CC}">
+              <c16:uniqueId val="{00000002-57AC-4AB9-BF5E-9563CBD2DDD1}"/>
+            </c:ext>
+          </c:extLst>
+        </c:ser>
+        <c:ser>
+          <c:idx val="3"/>
+          <c:order val="3"/>
+          <c:tx>
+            <c:strRef>
+              <c:f>Sheet1!$E$1</c:f>
+              <c:strCache>
+                <c:ptCount val="1"/>
+                <c:pt idx="0">
+                  <c:v>Naive_NPT</c:v>
+                </c:pt>
+              </c:strCache>
+            </c:strRef>
+          </c:tx>
+          <c:spPr>
+            <a:ln w="38100" cap="rnd">
+              <a:solidFill>
+                <a:schemeClr val="accent4"/>
+              </a:solidFill>
+              <a:round/>
+            </a:ln>
+            <a:effectLst/>
+          </c:spPr>
+          <c:marker>
+            <c:symbol val="none"/>
+          </c:marker>
+          <c:cat>
+            <c:numRef>
+              <c:f>Sheet1!$A$2:$A$5</c:f>
+              <c:numCache>
+                <c:formatCode>General</c:formatCode>
+                <c:ptCount val="4"/>
+                <c:pt idx="0">
+                  <c:v>8</c:v>
+                </c:pt>
+                <c:pt idx="1">
+                  <c:v>12</c:v>
+                </c:pt>
+                <c:pt idx="2">
+                  <c:v>16</c:v>
+                </c:pt>
+                <c:pt idx="3">
+                  <c:v>20</c:v>
+                </c:pt>
+              </c:numCache>
+            </c:numRef>
+          </c:cat>
+          <c:val>
+            <c:numRef>
+              <c:f>Sheet1!$E$2:$E$5</c:f>
+              <c:numCache>
+                <c:formatCode>General</c:formatCode>
+                <c:ptCount val="4"/>
+                <c:pt idx="0">
+                  <c:v>6.6559999999999994E-2</c:v>
+                </c:pt>
+              </c:numCache>
+            </c:numRef>
+          </c:val>
+          <c:smooth val="0"/>
+          <c:extLst>
+            <c:ext xmlns:c16="http://schemas.microsoft.com/office/drawing/2014/chart" uri="{C3380CC4-5D6E-409C-BE32-E72D297353CC}">
+              <c16:uniqueId val="{00000003-57AC-4AB9-BF5E-9563CBD2DDD1}"/>
+            </c:ext>
+          </c:extLst>
+        </c:ser>
+        <c:ser>
+          <c:idx val="4"/>
+          <c:order val="4"/>
+          <c:tx>
+            <c:strRef>
+              <c:f>Sheet1!$F$1</c:f>
+              <c:strCache>
+                <c:ptCount val="1"/>
+                <c:pt idx="0">
+                  <c:v>WES_PT</c:v>
+                </c:pt>
+              </c:strCache>
+            </c:strRef>
+          </c:tx>
+          <c:spPr>
+            <a:ln w="38100" cap="rnd">
+              <a:solidFill>
+                <a:schemeClr val="accent5"/>
+              </a:solidFill>
+              <a:round/>
+            </a:ln>
+            <a:effectLst/>
+          </c:spPr>
+          <c:marker>
+            <c:symbol val="none"/>
+          </c:marker>
+          <c:cat>
+            <c:numRef>
+              <c:f>Sheet1!$A$2:$A$5</c:f>
+              <c:numCache>
+                <c:formatCode>General</c:formatCode>
+                <c:ptCount val="4"/>
+                <c:pt idx="0">
+                  <c:v>8</c:v>
+                </c:pt>
+                <c:pt idx="1">
+                  <c:v>12</c:v>
+                </c:pt>
+                <c:pt idx="2">
+                  <c:v>16</c:v>
+                </c:pt>
+                <c:pt idx="3">
+                  <c:v>20</c:v>
+                </c:pt>
+              </c:numCache>
+            </c:numRef>
+          </c:cat>
+          <c:val>
+            <c:numRef>
+              <c:f>Sheet1!$F$2:$F$5</c:f>
+              <c:numCache>
+                <c:formatCode>General</c:formatCode>
+                <c:ptCount val="4"/>
+                <c:pt idx="0">
+                  <c:v>5.8368000000000003E-2</c:v>
+                </c:pt>
+              </c:numCache>
+            </c:numRef>
+          </c:val>
+          <c:smooth val="0"/>
+          <c:extLst>
+            <c:ext xmlns:c16="http://schemas.microsoft.com/office/drawing/2014/chart" uri="{C3380CC4-5D6E-409C-BE32-E72D297353CC}">
+              <c16:uniqueId val="{00000004-57AC-4AB9-BF5E-9563CBD2DDD1}"/>
+            </c:ext>
+          </c:extLst>
+        </c:ser>
+        <c:ser>
+          <c:idx val="5"/>
+          <c:order val="5"/>
+          <c:tx>
+            <c:strRef>
+              <c:f>Sheet1!$G$1</c:f>
+              <c:strCache>
+                <c:ptCount val="1"/>
+                <c:pt idx="0">
+                  <c:v>WES_NPT</c:v>
+                </c:pt>
+              </c:strCache>
+            </c:strRef>
+          </c:tx>
+          <c:spPr>
+            <a:ln w="38100" cap="rnd">
+              <a:solidFill>
+                <a:schemeClr val="accent6"/>
+              </a:solidFill>
+              <a:round/>
+            </a:ln>
+            <a:effectLst/>
+          </c:spPr>
+          <c:marker>
+            <c:symbol val="none"/>
+          </c:marker>
+          <c:cat>
+            <c:numRef>
+              <c:f>Sheet1!$A$2:$A$5</c:f>
+              <c:numCache>
+                <c:formatCode>General</c:formatCode>
+                <c:ptCount val="4"/>
+                <c:pt idx="0">
+                  <c:v>8</c:v>
+                </c:pt>
+                <c:pt idx="1">
+                  <c:v>12</c:v>
+                </c:pt>
+                <c:pt idx="2">
+                  <c:v>16</c:v>
+                </c:pt>
+                <c:pt idx="3">
+                  <c:v>20</c:v>
+                </c:pt>
+              </c:numCache>
+            </c:numRef>
+          </c:cat>
+          <c:val>
+            <c:numRef>
+              <c:f>Sheet1!$G$2:$G$5</c:f>
+              <c:numCache>
+                <c:formatCode>General</c:formatCode>
+                <c:ptCount val="4"/>
+                <c:pt idx="0">
+                  <c:v>5.2224E-2</c:v>
+                </c:pt>
+              </c:numCache>
+            </c:numRef>
+          </c:val>
+          <c:smooth val="0"/>
+          <c:extLst>
+            <c:ext xmlns:c16="http://schemas.microsoft.com/office/drawing/2014/chart" uri="{C3380CC4-5D6E-409C-BE32-E72D297353CC}">
+              <c16:uniqueId val="{00000005-57AC-4AB9-BF5E-9563CBD2DDD1}"/>
+            </c:ext>
+          </c:extLst>
+        </c:ser>
+        <c:ser>
+          <c:idx val="6"/>
+          <c:order val="6"/>
+          <c:tx>
+            <c:strRef>
+              <c:f>Sheet1!$H$1</c:f>
+              <c:strCache>
+                <c:ptCount val="1"/>
+                <c:pt idx="0">
+                  <c:v>THRUST_PT</c:v>
+                </c:pt>
+              </c:strCache>
+            </c:strRef>
+          </c:tx>
+          <c:spPr>
+            <a:ln w="38100" cap="rnd">
+              <a:solidFill>
+                <a:schemeClr val="accent1">
+                  <a:lumMod val="60000"/>
+                </a:schemeClr>
+              </a:solidFill>
+              <a:round/>
+            </a:ln>
+            <a:effectLst/>
+          </c:spPr>
+          <c:marker>
+            <c:symbol val="none"/>
+          </c:marker>
+          <c:cat>
+            <c:numRef>
+              <c:f>Sheet1!$A$2:$A$5</c:f>
+              <c:numCache>
+                <c:formatCode>General</c:formatCode>
+                <c:ptCount val="4"/>
+                <c:pt idx="0">
+                  <c:v>8</c:v>
+                </c:pt>
+                <c:pt idx="1">
+                  <c:v>12</c:v>
+                </c:pt>
+                <c:pt idx="2">
+                  <c:v>16</c:v>
+                </c:pt>
+                <c:pt idx="3">
+                  <c:v>20</c:v>
+                </c:pt>
+              </c:numCache>
+            </c:numRef>
+          </c:cat>
+          <c:val>
+            <c:numRef>
+              <c:f>Sheet1!$H$2:$H$5</c:f>
+              <c:numCache>
+                <c:formatCode>General</c:formatCode>
+                <c:ptCount val="4"/>
+                <c:pt idx="0">
+                  <c:v>8.7040000000000006E-2</c:v>
+                </c:pt>
+              </c:numCache>
+            </c:numRef>
+          </c:val>
+          <c:smooth val="0"/>
+          <c:extLst>
+            <c:ext xmlns:c16="http://schemas.microsoft.com/office/drawing/2014/chart" uri="{C3380CC4-5D6E-409C-BE32-E72D297353CC}">
+              <c16:uniqueId val="{00000006-57AC-4AB9-BF5E-9563CBD2DDD1}"/>
+            </c:ext>
+          </c:extLst>
+        </c:ser>
+        <c:ser>
+          <c:idx val="7"/>
+          <c:order val="7"/>
+          <c:tx>
+            <c:strRef>
+              <c:f>Sheet1!$I$1</c:f>
+              <c:strCache>
+                <c:ptCount val="1"/>
+                <c:pt idx="0">
+                  <c:v>THRUST_NPT</c:v>
+                </c:pt>
+              </c:strCache>
+            </c:strRef>
+          </c:tx>
+          <c:spPr>
+            <a:ln w="38100" cap="rnd">
+              <a:solidFill>
+                <a:schemeClr val="accent2">
+                  <a:lumMod val="60000"/>
+                </a:schemeClr>
+              </a:solidFill>
+              <a:round/>
+            </a:ln>
+            <a:effectLst/>
+          </c:spPr>
+          <c:marker>
+            <c:symbol val="none"/>
+          </c:marker>
+          <c:cat>
+            <c:numRef>
+              <c:f>Sheet1!$A$2:$A$5</c:f>
+              <c:numCache>
+                <c:formatCode>General</c:formatCode>
+                <c:ptCount val="4"/>
+                <c:pt idx="0">
+                  <c:v>8</c:v>
+                </c:pt>
+                <c:pt idx="1">
+                  <c:v>12</c:v>
+                </c:pt>
+                <c:pt idx="2">
+                  <c:v>16</c:v>
+                </c:pt>
+                <c:pt idx="3">
+                  <c:v>20</c:v>
+                </c:pt>
+              </c:numCache>
+            </c:numRef>
+          </c:cat>
+          <c:val>
+            <c:numRef>
+              <c:f>Sheet1!$I$2:$I$5</c:f>
+              <c:numCache>
+                <c:formatCode>General</c:formatCode>
+                <c:ptCount val="4"/>
+                <c:pt idx="0">
+                  <c:v>5.5295999999999998E-2</c:v>
+                </c:pt>
+              </c:numCache>
+            </c:numRef>
+          </c:val>
+          <c:smooth val="0"/>
+          <c:extLst>
+            <c:ext xmlns:c16="http://schemas.microsoft.com/office/drawing/2014/chart" uri="{C3380CC4-5D6E-409C-BE32-E72D297353CC}">
+              <c16:uniqueId val="{00000007-57AC-4AB9-BF5E-9563CBD2DDD1}"/>
+            </c:ext>
+          </c:extLst>
+        </c:ser>
+        <c:dLbls>
+          <c:showLegendKey val="0"/>
+          <c:showVal val="0"/>
+          <c:showCatName val="0"/>
+          <c:showSerName val="0"/>
+          <c:showPercent val="0"/>
+          <c:showBubbleSize val="0"/>
+        </c:dLbls>
+        <c:smooth val="0"/>
+        <c:axId val="411145520"/>
+        <c:axId val="411146480"/>
+      </c:lineChart>
+      <c:catAx>
+        <c:axId val="411145520"/>
+        <c:scaling>
+          <c:orientation val="minMax"/>
+        </c:scaling>
+        <c:delete val="0"/>
+        <c:axPos val="b"/>
+        <c:title>
+          <c:tx>
+            <c:rich>
+              <a:bodyPr rot="0" spcFirstLastPara="1" vertOverflow="ellipsis" vert="horz" wrap="square" anchor="ctr" anchorCtr="1"/>
+              <a:lstStyle/>
+              <a:p>
+                <a:pPr>
+                  <a:defRPr sz="1197" b="0" i="0" u="none" strike="noStrike" kern="1200" cap="all" baseline="0">
+                    <a:solidFill>
+                      <a:schemeClr val="tx1">
+                        <a:lumMod val="65000"/>
+                        <a:lumOff val="35000"/>
+                      </a:schemeClr>
+                    </a:solidFill>
+                    <a:latin typeface="+mn-lt"/>
+                    <a:ea typeface="+mn-ea"/>
+                    <a:cs typeface="+mn-cs"/>
+                  </a:defRPr>
+                </a:pPr>
+                <a:r>
+                  <a:rPr lang="en-US"/>
+                  <a:t>Array SIZe in Exponents of two</a:t>
+                </a:r>
+              </a:p>
+            </c:rich>
+          </c:tx>
+          <c:overlay val="0"/>
+          <c:spPr>
+            <a:noFill/>
+            <a:ln>
+              <a:noFill/>
+            </a:ln>
+            <a:effectLst/>
+          </c:spPr>
+          <c:txPr>
+            <a:bodyPr rot="0" spcFirstLastPara="1" vertOverflow="ellipsis" vert="horz" wrap="square" anchor="ctr" anchorCtr="1"/>
+            <a:lstStyle/>
+            <a:p>
+              <a:pPr>
+                <a:defRPr sz="1197" b="0" i="0" u="none" strike="noStrike" kern="1200" cap="all" baseline="0">
+                  <a:solidFill>
+                    <a:schemeClr val="tx1">
+                      <a:lumMod val="65000"/>
+                      <a:lumOff val="35000"/>
+                    </a:schemeClr>
+                  </a:solidFill>
+                  <a:latin typeface="+mn-lt"/>
+                  <a:ea typeface="+mn-ea"/>
+                  <a:cs typeface="+mn-cs"/>
+                </a:defRPr>
+              </a:pPr>
+              <a:endParaRPr lang="en-US"/>
+            </a:p>
+          </c:txPr>
+        </c:title>
+        <c:numFmt formatCode="General" sourceLinked="1"/>
+        <c:majorTickMark val="none"/>
+        <c:minorTickMark val="none"/>
+        <c:tickLblPos val="nextTo"/>
+        <c:spPr>
+          <a:noFill/>
+          <a:ln w="9525" cap="flat" cmpd="sng" algn="ctr">
+            <a:solidFill>
+              <a:schemeClr val="tx1">
+                <a:lumMod val="15000"/>
+                <a:lumOff val="85000"/>
+              </a:schemeClr>
+            </a:solidFill>
+            <a:round/>
+          </a:ln>
+          <a:effectLst/>
+        </c:spPr>
+        <c:txPr>
+          <a:bodyPr rot="-60000000" spcFirstLastPara="1" vertOverflow="ellipsis" vert="horz" wrap="square" anchor="ctr" anchorCtr="1"/>
+          <a:lstStyle/>
+          <a:p>
+            <a:pPr>
+              <a:defRPr sz="1197" b="0" i="0" u="none" strike="noStrike" kern="1200" cap="none" spc="0" normalizeH="0" baseline="0">
+                <a:solidFill>
+                  <a:schemeClr val="tx1">
+                    <a:lumMod val="65000"/>
+                    <a:lumOff val="35000"/>
+                  </a:schemeClr>
+                </a:solidFill>
+                <a:latin typeface="+mn-lt"/>
+                <a:ea typeface="+mn-ea"/>
+                <a:cs typeface="+mn-cs"/>
+              </a:defRPr>
+            </a:pPr>
+            <a:endParaRPr lang="en-US"/>
+          </a:p>
+        </c:txPr>
+        <c:crossAx val="411146480"/>
+        <c:crosses val="autoZero"/>
+        <c:auto val="1"/>
+        <c:lblAlgn val="ctr"/>
+        <c:lblOffset val="100"/>
+        <c:noMultiLvlLbl val="0"/>
+      </c:catAx>
+      <c:valAx>
+        <c:axId val="411146480"/>
+        <c:scaling>
+          <c:orientation val="minMax"/>
+        </c:scaling>
+        <c:delete val="0"/>
+        <c:axPos val="l"/>
+        <c:majorGridlines>
+          <c:spPr>
+            <a:ln w="9525" cap="flat" cmpd="sng" algn="ctr">
+              <a:solidFill>
+                <a:schemeClr val="tx1">
+                  <a:lumMod val="15000"/>
+                  <a:lumOff val="85000"/>
+                </a:schemeClr>
+              </a:solidFill>
+              <a:round/>
+            </a:ln>
+            <a:effectLst/>
+          </c:spPr>
+        </c:majorGridlines>
+        <c:minorGridlines>
+          <c:spPr>
+            <a:ln w="9525" cap="flat" cmpd="sng" algn="ctr">
+              <a:solidFill>
+                <a:schemeClr val="tx1">
+                  <a:lumMod val="5000"/>
+                  <a:lumOff val="95000"/>
+                </a:schemeClr>
+              </a:solidFill>
+              <a:round/>
+            </a:ln>
+            <a:effectLst/>
+          </c:spPr>
+        </c:minorGridlines>
+        <c:title>
+          <c:tx>
+            <c:rich>
+              <a:bodyPr rot="-5400000" spcFirstLastPara="1" vertOverflow="ellipsis" vert="horz" wrap="square" anchor="ctr" anchorCtr="1"/>
+              <a:lstStyle/>
+              <a:p>
+                <a:pPr>
+                  <a:defRPr sz="1197" b="0" i="0" u="none" strike="noStrike" kern="1200" cap="all" baseline="0">
+                    <a:solidFill>
+                      <a:schemeClr val="tx1">
+                        <a:lumMod val="65000"/>
+                        <a:lumOff val="35000"/>
+                      </a:schemeClr>
+                    </a:solidFill>
+                    <a:latin typeface="+mn-lt"/>
+                    <a:ea typeface="+mn-ea"/>
+                    <a:cs typeface="+mn-cs"/>
+                  </a:defRPr>
+                </a:pPr>
+                <a:r>
+                  <a:rPr lang="en-US"/>
+                  <a:t>Execution time in MILLISECONDS</a:t>
+                </a:r>
+              </a:p>
+            </c:rich>
+          </c:tx>
+          <c:overlay val="0"/>
+          <c:spPr>
+            <a:noFill/>
+            <a:ln>
+              <a:noFill/>
+            </a:ln>
+            <a:effectLst/>
+          </c:spPr>
+          <c:txPr>
+            <a:bodyPr rot="-5400000" spcFirstLastPara="1" vertOverflow="ellipsis" vert="horz" wrap="square" anchor="ctr" anchorCtr="1"/>
+            <a:lstStyle/>
+            <a:p>
+              <a:pPr>
+                <a:defRPr sz="1197" b="0" i="0" u="none" strike="noStrike" kern="1200" cap="all" baseline="0">
+                  <a:solidFill>
+                    <a:schemeClr val="tx1">
+                      <a:lumMod val="65000"/>
+                      <a:lumOff val="35000"/>
+                    </a:schemeClr>
+                  </a:solidFill>
+                  <a:latin typeface="+mn-lt"/>
+                  <a:ea typeface="+mn-ea"/>
+                  <a:cs typeface="+mn-cs"/>
+                </a:defRPr>
+              </a:pPr>
+              <a:endParaRPr lang="en-US"/>
+            </a:p>
+          </c:txPr>
+        </c:title>
+        <c:numFmt formatCode="General" sourceLinked="1"/>
+        <c:majorTickMark val="none"/>
+        <c:minorTickMark val="none"/>
+        <c:tickLblPos val="nextTo"/>
+        <c:spPr>
+          <a:noFill/>
+          <a:ln>
+            <a:noFill/>
+          </a:ln>
+          <a:effectLst/>
+        </c:spPr>
+        <c:txPr>
+          <a:bodyPr rot="-60000000" spcFirstLastPara="1" vertOverflow="ellipsis" vert="horz" wrap="square" anchor="ctr" anchorCtr="1"/>
+          <a:lstStyle/>
+          <a:p>
+            <a:pPr>
+              <a:defRPr sz="1197" b="0" i="0" u="none" strike="noStrike" kern="1200" baseline="0">
+                <a:solidFill>
+                  <a:schemeClr val="tx1">
+                    <a:lumMod val="65000"/>
+                    <a:lumOff val="35000"/>
+                  </a:schemeClr>
+                </a:solidFill>
+                <a:latin typeface="+mn-lt"/>
+                <a:ea typeface="+mn-ea"/>
+                <a:cs typeface="+mn-cs"/>
+              </a:defRPr>
+            </a:pPr>
+            <a:endParaRPr lang="en-US"/>
+          </a:p>
+        </c:txPr>
+        <c:crossAx val="411145520"/>
+        <c:crosses val="autoZero"/>
+        <c:crossBetween val="between"/>
+      </c:valAx>
+      <c:spPr>
+        <a:noFill/>
+        <a:ln>
+          <a:noFill/>
+        </a:ln>
+        <a:effectLst/>
+      </c:spPr>
+    </c:plotArea>
+    <c:legend>
+      <c:legendPos val="t"/>
+      <c:overlay val="0"/>
+      <c:spPr>
+        <a:noFill/>
+        <a:ln>
+          <a:noFill/>
+        </a:ln>
+        <a:effectLst/>
+      </c:spPr>
+      <c:txPr>
+        <a:bodyPr rot="0" spcFirstLastPara="1" vertOverflow="ellipsis" vert="horz" wrap="square" anchor="ctr" anchorCtr="1"/>
+        <a:lstStyle/>
+        <a:p>
+          <a:pPr>
+            <a:defRPr sz="1197" b="0" i="0" u="none" strike="noStrike" kern="1200" baseline="0">
+              <a:solidFill>
+                <a:schemeClr val="tx1">
+                  <a:lumMod val="65000"/>
+                  <a:lumOff val="35000"/>
+                </a:schemeClr>
+              </a:solidFill>
+              <a:latin typeface="+mn-lt"/>
+              <a:ea typeface="+mn-ea"/>
+              <a:cs typeface="+mn-cs"/>
+            </a:defRPr>
+          </a:pPr>
+          <a:endParaRPr lang="en-US"/>
+        </a:p>
+      </c:txPr>
+    </c:legend>
+    <c:plotVisOnly val="1"/>
+    <c:dispBlanksAs val="gap"/>
+    <c:extLst>
+      <c:ext xmlns:c16r3="http://schemas.microsoft.com/office/drawing/2017/03/chart" uri="{56B9EC1D-385E-4148-901F-78D8002777C0}">
+        <c16r3:dataDisplayOptions16>
+          <c16r3:dispNaAsBlank val="1"/>
+        </c16r3:dataDisplayOptions16>
+      </c:ext>
+    </c:extLst>
+    <c:showDLblsOverMax val="0"/>
+  </c:chart>
+  <c:spPr>
+    <a:noFill/>
+    <a:ln>
+      <a:noFill/>
+    </a:ln>
+    <a:effectLst/>
+  </c:spPr>
+  <c:txPr>
+    <a:bodyPr/>
+    <a:lstStyle/>
+    <a:p>
+      <a:pPr>
+        <a:defRPr/>
+      </a:pPr>
+      <a:endParaRPr lang="en-US"/>
+    </a:p>
+  </c:txPr>
+  <c:externalData r:id="rId3">
+    <c:autoUpdate val="0"/>
+  </c:externalData>
+</c:chartSpace>
+</file>
+
+<file path=ppt/charts/chart3.xml><?xml version="1.0" encoding="utf-8"?>
+<c:chartSpace xmlns:c="http://schemas.openxmlformats.org/drawingml/2006/chart" xmlns:a="http://schemas.openxmlformats.org/drawingml/2006/main" xmlns:r="http://schemas.openxmlformats.org/officeDocument/2006/relationships" xmlns:c16r2="http://schemas.microsoft.com/office/drawing/2015/06/chart">
+  <c:date1904 val="0"/>
+  <c:lang val="en-US"/>
+  <c:roundedCorners val="0"/>
+  <mc:AlternateContent xmlns:mc="http://schemas.openxmlformats.org/markup-compatibility/2006">
+    <mc:Choice xmlns:c14="http://schemas.microsoft.com/office/drawing/2007/8/2/chart" Requires="c14">
+      <c14:style val="102"/>
+    </mc:Choice>
+    <mc:Fallback>
+      <c:style val="2"/>
+    </mc:Fallback>
+  </mc:AlternateContent>
+  <c:chart>
+    <c:title>
+      <c:tx>
+        <c:rich>
+          <a:bodyPr rot="0" spcFirstLastPara="1" vertOverflow="ellipsis" vert="horz" wrap="square" anchor="ctr" anchorCtr="1"/>
+          <a:lstStyle/>
+          <a:p>
+            <a:pPr>
+              <a:defRPr sz="2200" b="0" i="0" u="none" strike="noStrike" kern="1200" cap="none" spc="0" normalizeH="0" baseline="0">
+                <a:solidFill>
+                  <a:schemeClr val="tx1">
+                    <a:lumMod val="65000"/>
+                    <a:lumOff val="35000"/>
+                  </a:schemeClr>
+                </a:solidFill>
+                <a:latin typeface="+mj-lt"/>
+                <a:ea typeface="+mj-ea"/>
+                <a:cs typeface="+mj-cs"/>
+              </a:defRPr>
+            </a:pPr>
+            <a:r>
+              <a:rPr lang="en-US" dirty="0"/>
+              <a:t>Performance Timings for Scan for a block size</a:t>
+            </a:r>
+            <a:r>
+              <a:rPr lang="en-US" baseline="0" dirty="0"/>
+              <a:t> of 512</a:t>
+            </a:r>
+            <a:endParaRPr lang="en-US" dirty="0"/>
+          </a:p>
+        </c:rich>
+      </c:tx>
+      <c:overlay val="0"/>
+      <c:spPr>
+        <a:noFill/>
+        <a:ln>
+          <a:noFill/>
+        </a:ln>
+        <a:effectLst/>
+      </c:spPr>
+      <c:txPr>
+        <a:bodyPr rot="0" spcFirstLastPara="1" vertOverflow="ellipsis" vert="horz" wrap="square" anchor="ctr" anchorCtr="1"/>
+        <a:lstStyle/>
+        <a:p>
+          <a:pPr>
+            <a:defRPr sz="2200" b="0" i="0" u="none" strike="noStrike" kern="1200" cap="none" spc="0" normalizeH="0" baseline="0">
+              <a:solidFill>
+                <a:schemeClr val="tx1">
+                  <a:lumMod val="65000"/>
+                  <a:lumOff val="35000"/>
+                </a:schemeClr>
+              </a:solidFill>
+              <a:latin typeface="+mj-lt"/>
+              <a:ea typeface="+mj-ea"/>
+              <a:cs typeface="+mj-cs"/>
+            </a:defRPr>
+          </a:pPr>
+          <a:endParaRPr lang="en-US"/>
+        </a:p>
+      </c:txPr>
+    </c:title>
+    <c:autoTitleDeleted val="0"/>
+    <c:plotArea>
+      <c:layout/>
+      <c:lineChart>
+        <c:grouping val="standard"/>
+        <c:varyColors val="0"/>
+        <c:ser>
+          <c:idx val="0"/>
+          <c:order val="0"/>
+          <c:tx>
+            <c:strRef>
+              <c:f>Sheet1!$B$1</c:f>
+              <c:strCache>
+                <c:ptCount val="1"/>
+                <c:pt idx="0">
+                  <c:v>CPU_PT</c:v>
+                </c:pt>
+              </c:strCache>
+            </c:strRef>
+          </c:tx>
+          <c:spPr>
+            <a:ln w="38100" cap="rnd">
+              <a:solidFill>
+                <a:schemeClr val="accent1"/>
+              </a:solidFill>
+              <a:round/>
+            </a:ln>
+            <a:effectLst/>
+          </c:spPr>
+          <c:marker>
+            <c:symbol val="none"/>
+          </c:marker>
+          <c:cat>
+            <c:numRef>
+              <c:f>Sheet1!$A$2:$A$5</c:f>
+              <c:numCache>
+                <c:formatCode>General</c:formatCode>
+                <c:ptCount val="4"/>
+                <c:pt idx="0">
+                  <c:v>8</c:v>
+                </c:pt>
+                <c:pt idx="1">
+                  <c:v>12</c:v>
+                </c:pt>
+                <c:pt idx="2">
+                  <c:v>16</c:v>
+                </c:pt>
+                <c:pt idx="3">
+                  <c:v>20</c:v>
+                </c:pt>
+              </c:numCache>
+            </c:numRef>
+          </c:cat>
+          <c:val>
+            <c:numRef>
+              <c:f>Sheet1!$B$2:$B$5</c:f>
+              <c:numCache>
+                <c:formatCode>General</c:formatCode>
+                <c:ptCount val="4"/>
+                <c:pt idx="0">
+                  <c:v>6.4199999999999999E-4</c:v>
+                </c:pt>
+                <c:pt idx="1">
+                  <c:v>5.4530000000000004E-3</c:v>
+                </c:pt>
+                <c:pt idx="2">
+                  <c:v>9.0786000000000006E-2</c:v>
+                </c:pt>
+                <c:pt idx="3">
+                  <c:v>3.9856400000000001</c:v>
+                </c:pt>
+              </c:numCache>
+            </c:numRef>
+          </c:val>
+          <c:smooth val="0"/>
+          <c:extLst>
+            <c:ext xmlns:c16="http://schemas.microsoft.com/office/drawing/2014/chart" uri="{C3380CC4-5D6E-409C-BE32-E72D297353CC}">
+              <c16:uniqueId val="{00000000-57AC-4AB9-BF5E-9563CBD2DDD1}"/>
+            </c:ext>
+          </c:extLst>
+        </c:ser>
+        <c:ser>
+          <c:idx val="1"/>
+          <c:order val="1"/>
+          <c:tx>
+            <c:strRef>
+              <c:f>Sheet1!$C$1</c:f>
+              <c:strCache>
+                <c:ptCount val="1"/>
+                <c:pt idx="0">
+                  <c:v>CPU_NPT</c:v>
+                </c:pt>
+              </c:strCache>
+            </c:strRef>
+          </c:tx>
+          <c:spPr>
+            <a:ln w="38100" cap="rnd">
+              <a:solidFill>
+                <a:schemeClr val="accent2"/>
+              </a:solidFill>
+              <a:round/>
+            </a:ln>
+            <a:effectLst/>
+          </c:spPr>
+          <c:marker>
+            <c:symbol val="none"/>
+          </c:marker>
+          <c:cat>
+            <c:numRef>
+              <c:f>Sheet1!$A$2:$A$5</c:f>
+              <c:numCache>
+                <c:formatCode>General</c:formatCode>
+                <c:ptCount val="4"/>
+                <c:pt idx="0">
+                  <c:v>8</c:v>
+                </c:pt>
+                <c:pt idx="1">
+                  <c:v>12</c:v>
+                </c:pt>
+                <c:pt idx="2">
+                  <c:v>16</c:v>
+                </c:pt>
+                <c:pt idx="3">
+                  <c:v>20</c:v>
+                </c:pt>
+              </c:numCache>
+            </c:numRef>
+          </c:cat>
+          <c:val>
+            <c:numRef>
+              <c:f>Sheet1!$C$2:$C$5</c:f>
+              <c:numCache>
+                <c:formatCode>General</c:formatCode>
+                <c:ptCount val="4"/>
+                <c:pt idx="0">
+                  <c:v>3.2000000000000003E-4</c:v>
+                </c:pt>
+                <c:pt idx="1">
+                  <c:v>5.77E-3</c:v>
+                </c:pt>
+                <c:pt idx="2">
+                  <c:v>8.8861999999999997E-2</c:v>
+                </c:pt>
+                <c:pt idx="3">
+                  <c:v>1.41794</c:v>
+                </c:pt>
+              </c:numCache>
+            </c:numRef>
+          </c:val>
+          <c:smooth val="0"/>
+          <c:extLst>
+            <c:ext xmlns:c16="http://schemas.microsoft.com/office/drawing/2014/chart" uri="{C3380CC4-5D6E-409C-BE32-E72D297353CC}">
+              <c16:uniqueId val="{00000001-57AC-4AB9-BF5E-9563CBD2DDD1}"/>
+            </c:ext>
+          </c:extLst>
+        </c:ser>
+        <c:ser>
+          <c:idx val="2"/>
+          <c:order val="2"/>
+          <c:tx>
+            <c:strRef>
+              <c:f>Sheet1!$D$1</c:f>
+              <c:strCache>
+                <c:ptCount val="1"/>
+                <c:pt idx="0">
+                  <c:v>Naive_PT</c:v>
+                </c:pt>
+              </c:strCache>
+            </c:strRef>
+          </c:tx>
+          <c:spPr>
+            <a:ln w="38100" cap="rnd">
+              <a:solidFill>
+                <a:schemeClr val="accent3"/>
+              </a:solidFill>
+              <a:round/>
+            </a:ln>
+            <a:effectLst/>
+          </c:spPr>
+          <c:marker>
+            <c:symbol val="none"/>
+          </c:marker>
+          <c:cat>
+            <c:numRef>
+              <c:f>Sheet1!$A$2:$A$5</c:f>
+              <c:numCache>
+                <c:formatCode>General</c:formatCode>
+                <c:ptCount val="4"/>
+                <c:pt idx="0">
+                  <c:v>8</c:v>
+                </c:pt>
+                <c:pt idx="1">
+                  <c:v>12</c:v>
+                </c:pt>
+                <c:pt idx="2">
+                  <c:v>16</c:v>
+                </c:pt>
+                <c:pt idx="3">
+                  <c:v>20</c:v>
+                </c:pt>
+              </c:numCache>
+            </c:numRef>
+          </c:cat>
+          <c:val>
+            <c:numRef>
+              <c:f>Sheet1!$D$2:$D$5</c:f>
+              <c:numCache>
+                <c:formatCode>General</c:formatCode>
+                <c:ptCount val="4"/>
+                <c:pt idx="0">
+                  <c:v>8.6015999999999995E-2</c:v>
+                </c:pt>
+                <c:pt idx="1">
+                  <c:v>7.4751999999999999E-2</c:v>
+                </c:pt>
+                <c:pt idx="2">
+                  <c:v>0.118784</c:v>
+                </c:pt>
+                <c:pt idx="3">
+                  <c:v>0.86732799999999999</c:v>
+                </c:pt>
+              </c:numCache>
+            </c:numRef>
+          </c:val>
+          <c:smooth val="0"/>
+          <c:extLst>
+            <c:ext xmlns:c16="http://schemas.microsoft.com/office/drawing/2014/chart" uri="{C3380CC4-5D6E-409C-BE32-E72D297353CC}">
+              <c16:uniqueId val="{00000002-57AC-4AB9-BF5E-9563CBD2DDD1}"/>
+            </c:ext>
+          </c:extLst>
+        </c:ser>
+        <c:ser>
+          <c:idx val="3"/>
+          <c:order val="3"/>
+          <c:tx>
+            <c:strRef>
+              <c:f>Sheet1!$E$1</c:f>
+              <c:strCache>
+                <c:ptCount val="1"/>
+                <c:pt idx="0">
+                  <c:v>Naive_NPT</c:v>
+                </c:pt>
+              </c:strCache>
+            </c:strRef>
+          </c:tx>
+          <c:spPr>
+            <a:ln w="38100" cap="rnd">
+              <a:solidFill>
+                <a:schemeClr val="accent4"/>
+              </a:solidFill>
+              <a:round/>
+            </a:ln>
+            <a:effectLst/>
+          </c:spPr>
+          <c:marker>
+            <c:symbol val="none"/>
+          </c:marker>
+          <c:cat>
+            <c:numRef>
+              <c:f>Sheet1!$A$2:$A$5</c:f>
+              <c:numCache>
+                <c:formatCode>General</c:formatCode>
+                <c:ptCount val="4"/>
+                <c:pt idx="0">
+                  <c:v>8</c:v>
+                </c:pt>
+                <c:pt idx="1">
+                  <c:v>12</c:v>
+                </c:pt>
+                <c:pt idx="2">
+                  <c:v>16</c:v>
+                </c:pt>
+                <c:pt idx="3">
+                  <c:v>20</c:v>
+                </c:pt>
+              </c:numCache>
+            </c:numRef>
+          </c:cat>
+          <c:val>
+            <c:numRef>
+              <c:f>Sheet1!$E$2:$E$5</c:f>
+              <c:numCache>
+                <c:formatCode>General</c:formatCode>
+                <c:ptCount val="4"/>
+                <c:pt idx="0">
+                  <c:v>9.2160000000000006E-2</c:v>
+                </c:pt>
+                <c:pt idx="1">
+                  <c:v>7.6799999999999993E-2</c:v>
+                </c:pt>
+                <c:pt idx="2">
+                  <c:v>0.124928</c:v>
+                </c:pt>
+                <c:pt idx="3">
+                  <c:v>0.89088000000000001</c:v>
+                </c:pt>
+              </c:numCache>
+            </c:numRef>
+          </c:val>
+          <c:smooth val="0"/>
+          <c:extLst>
+            <c:ext xmlns:c16="http://schemas.microsoft.com/office/drawing/2014/chart" uri="{C3380CC4-5D6E-409C-BE32-E72D297353CC}">
+              <c16:uniqueId val="{00000003-57AC-4AB9-BF5E-9563CBD2DDD1}"/>
+            </c:ext>
+          </c:extLst>
+        </c:ser>
+        <c:ser>
+          <c:idx val="4"/>
+          <c:order val="4"/>
+          <c:tx>
+            <c:strRef>
+              <c:f>Sheet1!$F$1</c:f>
+              <c:strCache>
+                <c:ptCount val="1"/>
+                <c:pt idx="0">
+                  <c:v>WES_PT</c:v>
+                </c:pt>
+              </c:strCache>
+            </c:strRef>
+          </c:tx>
+          <c:spPr>
+            <a:ln w="38100" cap="rnd">
+              <a:solidFill>
+                <a:schemeClr val="accent5"/>
+              </a:solidFill>
+              <a:round/>
+            </a:ln>
+            <a:effectLst/>
+          </c:spPr>
+          <c:marker>
+            <c:symbol val="none"/>
+          </c:marker>
+          <c:cat>
+            <c:numRef>
+              <c:f>Sheet1!$A$2:$A$5</c:f>
+              <c:numCache>
+                <c:formatCode>General</c:formatCode>
+                <c:ptCount val="4"/>
+                <c:pt idx="0">
+                  <c:v>8</c:v>
+                </c:pt>
+                <c:pt idx="1">
+                  <c:v>12</c:v>
+                </c:pt>
+                <c:pt idx="2">
+                  <c:v>16</c:v>
+                </c:pt>
+                <c:pt idx="3">
+                  <c:v>20</c:v>
+                </c:pt>
+              </c:numCache>
+            </c:numRef>
+          </c:cat>
+          <c:val>
+            <c:numRef>
+              <c:f>Sheet1!$F$2:$F$5</c:f>
+              <c:numCache>
+                <c:formatCode>General</c:formatCode>
+                <c:ptCount val="4"/>
+                <c:pt idx="0">
+                  <c:v>5.7343999999999999E-2</c:v>
+                </c:pt>
+                <c:pt idx="1">
+                  <c:v>8.7040000000000006E-2</c:v>
+                </c:pt>
+                <c:pt idx="2">
+                  <c:v>0.18944</c:v>
+                </c:pt>
+                <c:pt idx="3">
+                  <c:v>1.60768</c:v>
+                </c:pt>
+              </c:numCache>
+            </c:numRef>
+          </c:val>
+          <c:smooth val="0"/>
+          <c:extLst>
+            <c:ext xmlns:c16="http://schemas.microsoft.com/office/drawing/2014/chart" uri="{C3380CC4-5D6E-409C-BE32-E72D297353CC}">
+              <c16:uniqueId val="{00000004-57AC-4AB9-BF5E-9563CBD2DDD1}"/>
+            </c:ext>
+          </c:extLst>
+        </c:ser>
+        <c:ser>
+          <c:idx val="5"/>
+          <c:order val="5"/>
+          <c:tx>
+            <c:strRef>
+              <c:f>Sheet1!$G$1</c:f>
+              <c:strCache>
+                <c:ptCount val="1"/>
+                <c:pt idx="0">
+                  <c:v>WES_NPT</c:v>
+                </c:pt>
+              </c:strCache>
+            </c:strRef>
+          </c:tx>
+          <c:spPr>
+            <a:ln w="38100" cap="rnd">
+              <a:solidFill>
+                <a:schemeClr val="accent6"/>
+              </a:solidFill>
+              <a:round/>
+            </a:ln>
+            <a:effectLst/>
+          </c:spPr>
+          <c:marker>
+            <c:symbol val="none"/>
+          </c:marker>
+          <c:cat>
+            <c:numRef>
+              <c:f>Sheet1!$A$2:$A$5</c:f>
+              <c:numCache>
+                <c:formatCode>General</c:formatCode>
+                <c:ptCount val="4"/>
+                <c:pt idx="0">
+                  <c:v>8</c:v>
+                </c:pt>
+                <c:pt idx="1">
+                  <c:v>12</c:v>
+                </c:pt>
+                <c:pt idx="2">
+                  <c:v>16</c:v>
+                </c:pt>
+                <c:pt idx="3">
+                  <c:v>20</c:v>
+                </c:pt>
+              </c:numCache>
+            </c:numRef>
+          </c:cat>
+          <c:val>
+            <c:numRef>
+              <c:f>Sheet1!$G$2:$G$5</c:f>
+              <c:numCache>
+                <c:formatCode>General</c:formatCode>
+                <c:ptCount val="4"/>
+                <c:pt idx="0">
+                  <c:v>5.1200000000000002E-2</c:v>
+                </c:pt>
+                <c:pt idx="1">
+                  <c:v>8.2944000000000004E-2</c:v>
+                </c:pt>
+                <c:pt idx="2">
+                  <c:v>0.139264</c:v>
+                </c:pt>
+                <c:pt idx="3">
+                  <c:v>0.84275199999999995</c:v>
+                </c:pt>
+              </c:numCache>
+            </c:numRef>
+          </c:val>
+          <c:smooth val="0"/>
+          <c:extLst>
+            <c:ext xmlns:c16="http://schemas.microsoft.com/office/drawing/2014/chart" uri="{C3380CC4-5D6E-409C-BE32-E72D297353CC}">
+              <c16:uniqueId val="{00000005-57AC-4AB9-BF5E-9563CBD2DDD1}"/>
+            </c:ext>
+          </c:extLst>
+        </c:ser>
+        <c:ser>
+          <c:idx val="6"/>
+          <c:order val="6"/>
+          <c:tx>
+            <c:strRef>
+              <c:f>Sheet1!$H$1</c:f>
+              <c:strCache>
+                <c:ptCount val="1"/>
+                <c:pt idx="0">
+                  <c:v>THRUST_PT</c:v>
+                </c:pt>
+              </c:strCache>
+            </c:strRef>
+          </c:tx>
+          <c:spPr>
+            <a:ln w="38100" cap="rnd">
+              <a:solidFill>
+                <a:schemeClr val="accent1">
+                  <a:lumMod val="60000"/>
+                </a:schemeClr>
+              </a:solidFill>
+              <a:round/>
+            </a:ln>
+            <a:effectLst/>
+          </c:spPr>
+          <c:marker>
+            <c:symbol val="none"/>
+          </c:marker>
+          <c:cat>
+            <c:numRef>
+              <c:f>Sheet1!$A$2:$A$5</c:f>
+              <c:numCache>
+                <c:formatCode>General</c:formatCode>
+                <c:ptCount val="4"/>
+                <c:pt idx="0">
+                  <c:v>8</c:v>
+                </c:pt>
+                <c:pt idx="1">
+                  <c:v>12</c:v>
+                </c:pt>
+                <c:pt idx="2">
+                  <c:v>16</c:v>
+                </c:pt>
+                <c:pt idx="3">
+                  <c:v>20</c:v>
+                </c:pt>
+              </c:numCache>
+            </c:numRef>
+          </c:cat>
+          <c:val>
+            <c:numRef>
+              <c:f>Sheet1!$H$2:$H$5</c:f>
+              <c:numCache>
+                <c:formatCode>General</c:formatCode>
+                <c:ptCount val="4"/>
+                <c:pt idx="0">
+                  <c:v>5.7343999999999999E-2</c:v>
+                </c:pt>
+                <c:pt idx="1">
+                  <c:v>0.16486400000000001</c:v>
+                </c:pt>
+                <c:pt idx="2">
+                  <c:v>0.169984</c:v>
+                </c:pt>
+                <c:pt idx="3">
+                  <c:v>0.23449600000000001</c:v>
+                </c:pt>
+              </c:numCache>
+            </c:numRef>
+          </c:val>
+          <c:smooth val="0"/>
+          <c:extLst>
+            <c:ext xmlns:c16="http://schemas.microsoft.com/office/drawing/2014/chart" uri="{C3380CC4-5D6E-409C-BE32-E72D297353CC}">
+              <c16:uniqueId val="{00000006-57AC-4AB9-BF5E-9563CBD2DDD1}"/>
+            </c:ext>
+          </c:extLst>
+        </c:ser>
+        <c:ser>
+          <c:idx val="7"/>
+          <c:order val="7"/>
+          <c:tx>
+            <c:strRef>
+              <c:f>Sheet1!$I$1</c:f>
+              <c:strCache>
+                <c:ptCount val="1"/>
+                <c:pt idx="0">
+                  <c:v>THRUST_NPT</c:v>
+                </c:pt>
+              </c:strCache>
+            </c:strRef>
+          </c:tx>
+          <c:spPr>
+            <a:ln w="38100" cap="rnd">
+              <a:solidFill>
+                <a:schemeClr val="accent2">
+                  <a:lumMod val="60000"/>
+                </a:schemeClr>
+              </a:solidFill>
+              <a:round/>
+            </a:ln>
+            <a:effectLst/>
+          </c:spPr>
+          <c:marker>
+            <c:symbol val="none"/>
+          </c:marker>
+          <c:cat>
+            <c:numRef>
+              <c:f>Sheet1!$A$2:$A$5</c:f>
+              <c:numCache>
+                <c:formatCode>General</c:formatCode>
+                <c:ptCount val="4"/>
+                <c:pt idx="0">
+                  <c:v>8</c:v>
+                </c:pt>
+                <c:pt idx="1">
+                  <c:v>12</c:v>
+                </c:pt>
+                <c:pt idx="2">
+                  <c:v>16</c:v>
+                </c:pt>
+                <c:pt idx="3">
+                  <c:v>20</c:v>
+                </c:pt>
+              </c:numCache>
+            </c:numRef>
+          </c:cat>
+          <c:val>
+            <c:numRef>
+              <c:f>Sheet1!$I$2:$I$5</c:f>
+              <c:numCache>
+                <c:formatCode>General</c:formatCode>
+                <c:ptCount val="4"/>
+                <c:pt idx="0">
+                  <c:v>5.7343999999999999E-2</c:v>
+                </c:pt>
+                <c:pt idx="1">
+                  <c:v>0.18515200000000001</c:v>
+                </c:pt>
+                <c:pt idx="2">
+                  <c:v>0.15872</c:v>
+                </c:pt>
+                <c:pt idx="3">
+                  <c:v>0.22425600000000001</c:v>
+                </c:pt>
+              </c:numCache>
+            </c:numRef>
+          </c:val>
+          <c:smooth val="0"/>
+          <c:extLst>
+            <c:ext xmlns:c16="http://schemas.microsoft.com/office/drawing/2014/chart" uri="{C3380CC4-5D6E-409C-BE32-E72D297353CC}">
+              <c16:uniqueId val="{00000007-57AC-4AB9-BF5E-9563CBD2DDD1}"/>
+            </c:ext>
+          </c:extLst>
+        </c:ser>
+        <c:dLbls>
+          <c:showLegendKey val="0"/>
+          <c:showVal val="0"/>
+          <c:showCatName val="0"/>
+          <c:showSerName val="0"/>
+          <c:showPercent val="0"/>
+          <c:showBubbleSize val="0"/>
+        </c:dLbls>
+        <c:smooth val="0"/>
+        <c:axId val="411145520"/>
+        <c:axId val="411146480"/>
+      </c:lineChart>
+      <c:catAx>
+        <c:axId val="411145520"/>
+        <c:scaling>
+          <c:orientation val="minMax"/>
+        </c:scaling>
+        <c:delete val="0"/>
+        <c:axPos val="b"/>
+        <c:title>
+          <c:tx>
+            <c:rich>
+              <a:bodyPr rot="0" spcFirstLastPara="1" vertOverflow="ellipsis" vert="horz" wrap="square" anchor="ctr" anchorCtr="1"/>
+              <a:lstStyle/>
+              <a:p>
+                <a:pPr>
+                  <a:defRPr sz="1197" b="0" i="0" u="none" strike="noStrike" kern="1200" cap="all" baseline="0">
+                    <a:solidFill>
+                      <a:schemeClr val="tx1">
+                        <a:lumMod val="65000"/>
+                        <a:lumOff val="35000"/>
+                      </a:schemeClr>
+                    </a:solidFill>
+                    <a:latin typeface="+mn-lt"/>
+                    <a:ea typeface="+mn-ea"/>
+                    <a:cs typeface="+mn-cs"/>
+                  </a:defRPr>
+                </a:pPr>
+                <a:r>
+                  <a:rPr lang="en-US" dirty="0"/>
+                  <a:t>Array </a:t>
+                </a:r>
+                <a:r>
+                  <a:rPr lang="en-US" dirty="0" err="1"/>
+                  <a:t>SIZe</a:t>
+                </a:r>
+                <a:r>
+                  <a:rPr lang="en-US" dirty="0"/>
+                  <a:t> in Exponents of two</a:t>
+                </a:r>
+              </a:p>
+            </c:rich>
+          </c:tx>
+          <c:overlay val="0"/>
+          <c:spPr>
+            <a:noFill/>
+            <a:ln>
+              <a:noFill/>
+            </a:ln>
+            <a:effectLst/>
+          </c:spPr>
+          <c:txPr>
+            <a:bodyPr rot="0" spcFirstLastPara="1" vertOverflow="ellipsis" vert="horz" wrap="square" anchor="ctr" anchorCtr="1"/>
+            <a:lstStyle/>
+            <a:p>
+              <a:pPr>
+                <a:defRPr sz="1197" b="0" i="0" u="none" strike="noStrike" kern="1200" cap="all" baseline="0">
+                  <a:solidFill>
+                    <a:schemeClr val="tx1">
+                      <a:lumMod val="65000"/>
+                      <a:lumOff val="35000"/>
+                    </a:schemeClr>
+                  </a:solidFill>
+                  <a:latin typeface="+mn-lt"/>
+                  <a:ea typeface="+mn-ea"/>
+                  <a:cs typeface="+mn-cs"/>
+                </a:defRPr>
+              </a:pPr>
+              <a:endParaRPr lang="en-US"/>
+            </a:p>
+          </c:txPr>
+        </c:title>
+        <c:numFmt formatCode="General" sourceLinked="1"/>
+        <c:majorTickMark val="none"/>
+        <c:minorTickMark val="none"/>
+        <c:tickLblPos val="nextTo"/>
+        <c:spPr>
+          <a:noFill/>
+          <a:ln w="9525" cap="flat" cmpd="sng" algn="ctr">
+            <a:solidFill>
+              <a:schemeClr val="tx1">
+                <a:lumMod val="15000"/>
+                <a:lumOff val="85000"/>
+              </a:schemeClr>
+            </a:solidFill>
+            <a:round/>
+          </a:ln>
+          <a:effectLst/>
+        </c:spPr>
+        <c:txPr>
+          <a:bodyPr rot="-60000000" spcFirstLastPara="1" vertOverflow="ellipsis" vert="horz" wrap="square" anchor="ctr" anchorCtr="1"/>
+          <a:lstStyle/>
+          <a:p>
+            <a:pPr>
+              <a:defRPr sz="1197" b="0" i="0" u="none" strike="noStrike" kern="1200" cap="none" spc="0" normalizeH="0" baseline="0">
+                <a:solidFill>
+                  <a:schemeClr val="tx1">
+                    <a:lumMod val="65000"/>
+                    <a:lumOff val="35000"/>
+                  </a:schemeClr>
+                </a:solidFill>
+                <a:latin typeface="+mn-lt"/>
+                <a:ea typeface="+mn-ea"/>
+                <a:cs typeface="+mn-cs"/>
+              </a:defRPr>
+            </a:pPr>
+            <a:endParaRPr lang="en-US"/>
+          </a:p>
+        </c:txPr>
+        <c:crossAx val="411146480"/>
+        <c:crosses val="autoZero"/>
+        <c:auto val="1"/>
+        <c:lblAlgn val="ctr"/>
+        <c:lblOffset val="100"/>
+        <c:noMultiLvlLbl val="0"/>
+      </c:catAx>
+      <c:valAx>
+        <c:axId val="411146480"/>
+        <c:scaling>
+          <c:orientation val="minMax"/>
+        </c:scaling>
+        <c:delete val="0"/>
+        <c:axPos val="l"/>
+        <c:majorGridlines>
+          <c:spPr>
+            <a:ln w="9525" cap="flat" cmpd="sng" algn="ctr">
+              <a:solidFill>
+                <a:schemeClr val="tx1">
+                  <a:lumMod val="15000"/>
+                  <a:lumOff val="85000"/>
+                </a:schemeClr>
+              </a:solidFill>
+              <a:round/>
+            </a:ln>
+            <a:effectLst/>
+          </c:spPr>
+        </c:majorGridlines>
+        <c:minorGridlines>
+          <c:spPr>
+            <a:ln w="9525" cap="flat" cmpd="sng" algn="ctr">
+              <a:solidFill>
+                <a:schemeClr val="tx1">
+                  <a:lumMod val="5000"/>
+                  <a:lumOff val="95000"/>
+                </a:schemeClr>
+              </a:solidFill>
+              <a:round/>
+            </a:ln>
+            <a:effectLst/>
+          </c:spPr>
+        </c:minorGridlines>
+        <c:title>
+          <c:tx>
+            <c:rich>
+              <a:bodyPr rot="-5400000" spcFirstLastPara="1" vertOverflow="ellipsis" vert="horz" wrap="square" anchor="ctr" anchorCtr="1"/>
+              <a:lstStyle/>
+              <a:p>
+                <a:pPr>
+                  <a:defRPr sz="1197" b="0" i="0" u="none" strike="noStrike" kern="1200" cap="all" baseline="0">
+                    <a:solidFill>
+                      <a:schemeClr val="tx1">
+                        <a:lumMod val="65000"/>
+                        <a:lumOff val="35000"/>
+                      </a:schemeClr>
+                    </a:solidFill>
+                    <a:latin typeface="+mn-lt"/>
+                    <a:ea typeface="+mn-ea"/>
+                    <a:cs typeface="+mn-cs"/>
+                  </a:defRPr>
+                </a:pPr>
+                <a:r>
+                  <a:rPr lang="en-US" dirty="0"/>
+                  <a:t>Execution time in MILLISECONDS</a:t>
+                </a:r>
+              </a:p>
+            </c:rich>
+          </c:tx>
+          <c:overlay val="0"/>
+          <c:spPr>
+            <a:noFill/>
+            <a:ln>
+              <a:noFill/>
+            </a:ln>
+            <a:effectLst/>
+          </c:spPr>
+          <c:txPr>
+            <a:bodyPr rot="-5400000" spcFirstLastPara="1" vertOverflow="ellipsis" vert="horz" wrap="square" anchor="ctr" anchorCtr="1"/>
+            <a:lstStyle/>
+            <a:p>
+              <a:pPr>
+                <a:defRPr sz="1197" b="0" i="0" u="none" strike="noStrike" kern="1200" cap="all" baseline="0">
+                  <a:solidFill>
+                    <a:schemeClr val="tx1">
+                      <a:lumMod val="65000"/>
+                      <a:lumOff val="35000"/>
+                    </a:schemeClr>
+                  </a:solidFill>
+                  <a:latin typeface="+mn-lt"/>
+                  <a:ea typeface="+mn-ea"/>
+                  <a:cs typeface="+mn-cs"/>
+                </a:defRPr>
+              </a:pPr>
+              <a:endParaRPr lang="en-US"/>
+            </a:p>
+          </c:txPr>
+        </c:title>
+        <c:numFmt formatCode="General" sourceLinked="1"/>
+        <c:majorTickMark val="none"/>
+        <c:minorTickMark val="none"/>
+        <c:tickLblPos val="nextTo"/>
+        <c:spPr>
+          <a:noFill/>
+          <a:ln>
+            <a:noFill/>
+          </a:ln>
+          <a:effectLst/>
+        </c:spPr>
+        <c:txPr>
+          <a:bodyPr rot="-60000000" spcFirstLastPara="1" vertOverflow="ellipsis" vert="horz" wrap="square" anchor="ctr" anchorCtr="1"/>
+          <a:lstStyle/>
+          <a:p>
+            <a:pPr>
+              <a:defRPr sz="1197" b="0" i="0" u="none" strike="noStrike" kern="1200" baseline="0">
+                <a:solidFill>
+                  <a:schemeClr val="tx1">
+                    <a:lumMod val="65000"/>
+                    <a:lumOff val="35000"/>
+                  </a:schemeClr>
+                </a:solidFill>
+                <a:latin typeface="+mn-lt"/>
+                <a:ea typeface="+mn-ea"/>
+                <a:cs typeface="+mn-cs"/>
+              </a:defRPr>
+            </a:pPr>
+            <a:endParaRPr lang="en-US"/>
+          </a:p>
+        </c:txPr>
+        <c:crossAx val="411145520"/>
+        <c:crosses val="autoZero"/>
+        <c:crossBetween val="between"/>
+      </c:valAx>
+      <c:spPr>
+        <a:noFill/>
+        <a:ln>
+          <a:noFill/>
+        </a:ln>
+        <a:effectLst/>
+      </c:spPr>
+    </c:plotArea>
+    <c:legend>
+      <c:legendPos val="t"/>
+      <c:overlay val="0"/>
+      <c:spPr>
+        <a:noFill/>
+        <a:ln>
+          <a:noFill/>
+        </a:ln>
+        <a:effectLst/>
+      </c:spPr>
+      <c:txPr>
+        <a:bodyPr rot="0" spcFirstLastPara="1" vertOverflow="ellipsis" vert="horz" wrap="square" anchor="ctr" anchorCtr="1"/>
+        <a:lstStyle/>
+        <a:p>
+          <a:pPr>
+            <a:defRPr sz="1197" b="0" i="0" u="none" strike="noStrike" kern="1200" baseline="0">
+              <a:solidFill>
+                <a:schemeClr val="tx1">
+                  <a:lumMod val="65000"/>
+                  <a:lumOff val="35000"/>
+                </a:schemeClr>
+              </a:solidFill>
+              <a:latin typeface="+mn-lt"/>
+              <a:ea typeface="+mn-ea"/>
+              <a:cs typeface="+mn-cs"/>
+            </a:defRPr>
+          </a:pPr>
+          <a:endParaRPr lang="en-US"/>
+        </a:p>
+      </c:txPr>
+    </c:legend>
+    <c:plotVisOnly val="1"/>
+    <c:dispBlanksAs val="gap"/>
+    <c:extLst>
+      <c:ext xmlns:c16r3="http://schemas.microsoft.com/office/drawing/2017/03/chart" uri="{56B9EC1D-385E-4148-901F-78D8002777C0}">
+        <c16r3:dataDisplayOptions16>
+          <c16r3:dispNaAsBlank val="1"/>
+        </c16r3:dataDisplayOptions16>
+      </c:ext>
+    </c:extLst>
+    <c:showDLblsOverMax val="0"/>
+  </c:chart>
+  <c:spPr>
+    <a:noFill/>
+    <a:ln>
+      <a:noFill/>
+    </a:ln>
+    <a:effectLst/>
+  </c:spPr>
+  <c:txPr>
+    <a:bodyPr/>
+    <a:lstStyle/>
+    <a:p>
+      <a:pPr>
+        <a:defRPr/>
+      </a:pPr>
+      <a:endParaRPr lang="en-US"/>
+    </a:p>
+  </c:txPr>
+  <c:externalData r:id="rId3">
+    <c:autoUpdate val="0"/>
+  </c:externalData>
+</c:chartSpace>
+</file>
+
+<file path=ppt/charts/chart4.xml><?xml version="1.0" encoding="utf-8"?>
+<c:chartSpace xmlns:c="http://schemas.openxmlformats.org/drawingml/2006/chart" xmlns:a="http://schemas.openxmlformats.org/drawingml/2006/main" xmlns:r="http://schemas.openxmlformats.org/officeDocument/2006/relationships" xmlns:c16r2="http://schemas.microsoft.com/office/drawing/2015/06/chart">
+  <c:date1904 val="0"/>
+  <c:lang val="en-US"/>
+  <c:roundedCorners val="0"/>
+  <mc:AlternateContent xmlns:mc="http://schemas.openxmlformats.org/markup-compatibility/2006">
+    <mc:Choice xmlns:c14="http://schemas.microsoft.com/office/drawing/2007/8/2/chart" Requires="c14">
+      <c14:style val="102"/>
+    </mc:Choice>
+    <mc:Fallback>
+      <c:style val="2"/>
+    </mc:Fallback>
+  </mc:AlternateContent>
+  <c:chart>
+    <c:title>
+      <c:tx>
+        <c:rich>
+          <a:bodyPr rot="0" spcFirstLastPara="1" vertOverflow="ellipsis" vert="horz" wrap="square" anchor="ctr" anchorCtr="1"/>
+          <a:lstStyle/>
+          <a:p>
+            <a:pPr>
+              <a:defRPr sz="2200" b="0" i="0" u="none" strike="noStrike" kern="1200" cap="none" spc="0" normalizeH="0" baseline="0">
+                <a:solidFill>
+                  <a:schemeClr val="tx1">
+                    <a:lumMod val="65000"/>
+                    <a:lumOff val="35000"/>
+                  </a:schemeClr>
+                </a:solidFill>
+                <a:latin typeface="+mj-lt"/>
+                <a:ea typeface="+mj-ea"/>
+                <a:cs typeface="+mj-cs"/>
+              </a:defRPr>
+            </a:pPr>
+            <a:r>
+              <a:rPr lang="en-US" dirty="0"/>
+              <a:t>Performance Timings for Stream Compaction for a block size</a:t>
+            </a:r>
+            <a:r>
+              <a:rPr lang="en-US" baseline="0" dirty="0"/>
+              <a:t> of 128</a:t>
+            </a:r>
+            <a:endParaRPr lang="en-US" dirty="0"/>
+          </a:p>
+        </c:rich>
+      </c:tx>
+      <c:overlay val="0"/>
+      <c:spPr>
+        <a:noFill/>
+        <a:ln>
+          <a:noFill/>
+        </a:ln>
+        <a:effectLst/>
+      </c:spPr>
+      <c:txPr>
+        <a:bodyPr rot="0" spcFirstLastPara="1" vertOverflow="ellipsis" vert="horz" wrap="square" anchor="ctr" anchorCtr="1"/>
+        <a:lstStyle/>
+        <a:p>
+          <a:pPr>
+            <a:defRPr sz="2200" b="0" i="0" u="none" strike="noStrike" kern="1200" cap="none" spc="0" normalizeH="0" baseline="0">
+              <a:solidFill>
+                <a:schemeClr val="tx1">
+                  <a:lumMod val="65000"/>
+                  <a:lumOff val="35000"/>
+                </a:schemeClr>
+              </a:solidFill>
+              <a:latin typeface="+mj-lt"/>
+              <a:ea typeface="+mj-ea"/>
+              <a:cs typeface="+mj-cs"/>
+            </a:defRPr>
+          </a:pPr>
+          <a:endParaRPr lang="en-US"/>
+        </a:p>
+      </c:txPr>
+    </c:title>
+    <c:autoTitleDeleted val="0"/>
+    <c:plotArea>
+      <c:layout/>
+      <c:lineChart>
+        <c:grouping val="standard"/>
+        <c:varyColors val="0"/>
+        <c:ser>
+          <c:idx val="0"/>
+          <c:order val="0"/>
+          <c:tx>
+            <c:strRef>
+              <c:f>Sheet1!$B$1</c:f>
+              <c:strCache>
+                <c:ptCount val="1"/>
+                <c:pt idx="0">
+                  <c:v>CPU_NOSCAN_PT</c:v>
+                </c:pt>
+              </c:strCache>
+            </c:strRef>
+          </c:tx>
+          <c:spPr>
+            <a:ln w="38100" cap="rnd">
+              <a:solidFill>
+                <a:schemeClr val="accent1"/>
+              </a:solidFill>
+              <a:round/>
+            </a:ln>
+            <a:effectLst/>
+          </c:spPr>
+          <c:marker>
+            <c:symbol val="none"/>
+          </c:marker>
+          <c:cat>
+            <c:numRef>
+              <c:f>Sheet1!$A$2:$A$5</c:f>
+              <c:numCache>
+                <c:formatCode>General</c:formatCode>
+                <c:ptCount val="4"/>
+                <c:pt idx="0">
+                  <c:v>8</c:v>
+                </c:pt>
+                <c:pt idx="1">
+                  <c:v>12</c:v>
+                </c:pt>
+                <c:pt idx="2">
+                  <c:v>16</c:v>
+                </c:pt>
+                <c:pt idx="3">
+                  <c:v>20</c:v>
+                </c:pt>
+              </c:numCache>
+            </c:numRef>
+          </c:cat>
+          <c:val>
+            <c:numRef>
+              <c:f>Sheet1!$B$2:$B$5</c:f>
+              <c:numCache>
+                <c:formatCode>General</c:formatCode>
+                <c:ptCount val="4"/>
+                <c:pt idx="0">
+                  <c:v>6.4099999999999997E-4</c:v>
+                </c:pt>
+                <c:pt idx="1">
+                  <c:v>8.6619999999999996E-3</c:v>
+                </c:pt>
+                <c:pt idx="2">
+                  <c:v>0.14307800000000001</c:v>
+                </c:pt>
+                <c:pt idx="3">
+                  <c:v>2.4111400000000001</c:v>
+                </c:pt>
+              </c:numCache>
+            </c:numRef>
+          </c:val>
+          <c:smooth val="0"/>
+          <c:extLst>
+            <c:ext xmlns:c16="http://schemas.microsoft.com/office/drawing/2014/chart" uri="{C3380CC4-5D6E-409C-BE32-E72D297353CC}">
+              <c16:uniqueId val="{00000000-57AC-4AB9-BF5E-9563CBD2DDD1}"/>
+            </c:ext>
+          </c:extLst>
+        </c:ser>
+        <c:ser>
+          <c:idx val="1"/>
+          <c:order val="1"/>
+          <c:tx>
+            <c:strRef>
+              <c:f>Sheet1!$C$1</c:f>
+              <c:strCache>
+                <c:ptCount val="1"/>
+                <c:pt idx="0">
+                  <c:v>CPU_NOSCAN_NPT2</c:v>
+                </c:pt>
+              </c:strCache>
+            </c:strRef>
+          </c:tx>
+          <c:spPr>
+            <a:ln w="38100" cap="rnd">
+              <a:solidFill>
+                <a:schemeClr val="accent2"/>
+              </a:solidFill>
+              <a:round/>
+            </a:ln>
+            <a:effectLst/>
+          </c:spPr>
+          <c:marker>
+            <c:symbol val="none"/>
+          </c:marker>
+          <c:cat>
+            <c:numRef>
+              <c:f>Sheet1!$A$2:$A$5</c:f>
+              <c:numCache>
+                <c:formatCode>General</c:formatCode>
+                <c:ptCount val="4"/>
+                <c:pt idx="0">
+                  <c:v>8</c:v>
+                </c:pt>
+                <c:pt idx="1">
+                  <c:v>12</c:v>
+                </c:pt>
+                <c:pt idx="2">
+                  <c:v>16</c:v>
+                </c:pt>
+                <c:pt idx="3">
+                  <c:v>20</c:v>
+                </c:pt>
+              </c:numCache>
+            </c:numRef>
+          </c:cat>
+          <c:val>
+            <c:numRef>
+              <c:f>Sheet1!$C$2:$C$5</c:f>
+              <c:numCache>
+                <c:formatCode>General</c:formatCode>
+                <c:ptCount val="4"/>
+                <c:pt idx="0">
+                  <c:v>9.6199999999999996E-4</c:v>
+                </c:pt>
+                <c:pt idx="1">
+                  <c:v>9.6240000000000006E-3</c:v>
+                </c:pt>
+                <c:pt idx="2">
+                  <c:v>0.179649</c:v>
+                </c:pt>
+                <c:pt idx="3">
+                  <c:v>2.5757099999999999</c:v>
+                </c:pt>
+              </c:numCache>
+            </c:numRef>
+          </c:val>
+          <c:smooth val="0"/>
+          <c:extLst>
+            <c:ext xmlns:c16="http://schemas.microsoft.com/office/drawing/2014/chart" uri="{C3380CC4-5D6E-409C-BE32-E72D297353CC}">
+              <c16:uniqueId val="{00000001-57AC-4AB9-BF5E-9563CBD2DDD1}"/>
+            </c:ext>
+          </c:extLst>
+        </c:ser>
+        <c:ser>
+          <c:idx val="2"/>
+          <c:order val="2"/>
+          <c:tx>
+            <c:strRef>
+              <c:f>Sheet1!$D$1</c:f>
+              <c:strCache>
+                <c:ptCount val="1"/>
+                <c:pt idx="0">
+                  <c:v>CPU_SCAN</c:v>
+                </c:pt>
+              </c:strCache>
+            </c:strRef>
+          </c:tx>
+          <c:spPr>
+            <a:ln w="38100" cap="rnd">
+              <a:solidFill>
+                <a:schemeClr val="accent3"/>
+              </a:solidFill>
+              <a:round/>
+            </a:ln>
+            <a:effectLst/>
+          </c:spPr>
+          <c:marker>
+            <c:symbol val="none"/>
+          </c:marker>
+          <c:cat>
+            <c:numRef>
+              <c:f>Sheet1!$A$2:$A$5</c:f>
+              <c:numCache>
+                <c:formatCode>General</c:formatCode>
+                <c:ptCount val="4"/>
+                <c:pt idx="0">
+                  <c:v>8</c:v>
+                </c:pt>
+                <c:pt idx="1">
+                  <c:v>12</c:v>
+                </c:pt>
+                <c:pt idx="2">
+                  <c:v>16</c:v>
+                </c:pt>
+                <c:pt idx="3">
+                  <c:v>20</c:v>
+                </c:pt>
+              </c:numCache>
+            </c:numRef>
+          </c:cat>
+          <c:val>
+            <c:numRef>
+              <c:f>Sheet1!$D$2:$D$5</c:f>
+              <c:numCache>
+                <c:formatCode>General</c:formatCode>
+                <c:ptCount val="4"/>
+                <c:pt idx="0">
+                  <c:v>1.2830000000000001E-3</c:v>
+                </c:pt>
+                <c:pt idx="1">
+                  <c:v>2.0532000000000002E-2</c:v>
+                </c:pt>
+                <c:pt idx="2">
+                  <c:v>0.38431999999999999</c:v>
+                </c:pt>
+                <c:pt idx="3">
+                  <c:v>8.8448100000000007</c:v>
+                </c:pt>
+              </c:numCache>
+            </c:numRef>
+          </c:val>
+          <c:smooth val="0"/>
+          <c:extLst>
+            <c:ext xmlns:c16="http://schemas.microsoft.com/office/drawing/2014/chart" uri="{C3380CC4-5D6E-409C-BE32-E72D297353CC}">
+              <c16:uniqueId val="{00000002-57AC-4AB9-BF5E-9563CBD2DDD1}"/>
+            </c:ext>
+          </c:extLst>
+        </c:ser>
+        <c:ser>
+          <c:idx val="3"/>
+          <c:order val="3"/>
+          <c:tx>
+            <c:strRef>
+              <c:f>Sheet1!$E$1</c:f>
+              <c:strCache>
+                <c:ptCount val="1"/>
+                <c:pt idx="0">
+                  <c:v>WES_PT</c:v>
+                </c:pt>
+              </c:strCache>
+            </c:strRef>
+          </c:tx>
+          <c:spPr>
+            <a:ln w="38100" cap="rnd">
+              <a:solidFill>
+                <a:schemeClr val="accent4"/>
+              </a:solidFill>
+              <a:round/>
+            </a:ln>
+            <a:effectLst/>
+          </c:spPr>
+          <c:marker>
+            <c:symbol val="none"/>
+          </c:marker>
+          <c:cat>
+            <c:numRef>
+              <c:f>Sheet1!$A$2:$A$5</c:f>
+              <c:numCache>
+                <c:formatCode>General</c:formatCode>
+                <c:ptCount val="4"/>
+                <c:pt idx="0">
+                  <c:v>8</c:v>
+                </c:pt>
+                <c:pt idx="1">
+                  <c:v>12</c:v>
+                </c:pt>
+                <c:pt idx="2">
+                  <c:v>16</c:v>
+                </c:pt>
+                <c:pt idx="3">
+                  <c:v>20</c:v>
+                </c:pt>
+              </c:numCache>
+            </c:numRef>
+          </c:cat>
+          <c:val>
+            <c:numRef>
+              <c:f>Sheet1!$E$2:$E$5</c:f>
+              <c:numCache>
+                <c:formatCode>General</c:formatCode>
+                <c:ptCount val="4"/>
+                <c:pt idx="0">
+                  <c:v>0.20582400000000001</c:v>
+                </c:pt>
+                <c:pt idx="1">
+                  <c:v>0.18636800000000001</c:v>
+                </c:pt>
+                <c:pt idx="2">
+                  <c:v>0.43519999999999998</c:v>
+                </c:pt>
+                <c:pt idx="3">
+                  <c:v>4.0243200000000003</c:v>
+                </c:pt>
+              </c:numCache>
+            </c:numRef>
+          </c:val>
+          <c:smooth val="0"/>
+          <c:extLst>
+            <c:ext xmlns:c16="http://schemas.microsoft.com/office/drawing/2014/chart" uri="{C3380CC4-5D6E-409C-BE32-E72D297353CC}">
+              <c16:uniqueId val="{00000003-57AC-4AB9-BF5E-9563CBD2DDD1}"/>
+            </c:ext>
+          </c:extLst>
+        </c:ser>
+        <c:ser>
+          <c:idx val="4"/>
+          <c:order val="4"/>
+          <c:tx>
+            <c:strRef>
+              <c:f>Sheet1!$F$1</c:f>
+              <c:strCache>
+                <c:ptCount val="1"/>
+                <c:pt idx="0">
+                  <c:v>WES_NPT</c:v>
+                </c:pt>
+              </c:strCache>
+            </c:strRef>
+          </c:tx>
+          <c:spPr>
+            <a:ln w="38100" cap="rnd">
+              <a:solidFill>
+                <a:schemeClr val="accent5"/>
+              </a:solidFill>
+              <a:round/>
+            </a:ln>
+            <a:effectLst/>
+          </c:spPr>
+          <c:marker>
+            <c:symbol val="none"/>
+          </c:marker>
+          <c:cat>
+            <c:numRef>
+              <c:f>Sheet1!$A$2:$A$5</c:f>
+              <c:numCache>
+                <c:formatCode>General</c:formatCode>
+                <c:ptCount val="4"/>
+                <c:pt idx="0">
+                  <c:v>8</c:v>
+                </c:pt>
+                <c:pt idx="1">
+                  <c:v>12</c:v>
+                </c:pt>
+                <c:pt idx="2">
+                  <c:v>16</c:v>
+                </c:pt>
+                <c:pt idx="3">
+                  <c:v>20</c:v>
+                </c:pt>
+              </c:numCache>
+            </c:numRef>
+          </c:cat>
+          <c:val>
+            <c:numRef>
+              <c:f>Sheet1!$F$2:$F$5</c:f>
+              <c:numCache>
+                <c:formatCode>General</c:formatCode>
+                <c:ptCount val="4"/>
+                <c:pt idx="0">
+                  <c:v>0.16384000000000001</c:v>
+                </c:pt>
+                <c:pt idx="1">
+                  <c:v>0.1792</c:v>
+                </c:pt>
+                <c:pt idx="2">
+                  <c:v>0.39321600000000001</c:v>
+                </c:pt>
+                <c:pt idx="3">
+                  <c:v>3.2214999999999998</c:v>
+                </c:pt>
+              </c:numCache>
+            </c:numRef>
+          </c:val>
+          <c:smooth val="0"/>
+          <c:extLst>
+            <c:ext xmlns:c16="http://schemas.microsoft.com/office/drawing/2014/chart" uri="{C3380CC4-5D6E-409C-BE32-E72D297353CC}">
+              <c16:uniqueId val="{00000004-57AC-4AB9-BF5E-9563CBD2DDD1}"/>
+            </c:ext>
+          </c:extLst>
+        </c:ser>
+        <c:dLbls>
+          <c:showLegendKey val="0"/>
+          <c:showVal val="0"/>
+          <c:showCatName val="0"/>
+          <c:showSerName val="0"/>
+          <c:showPercent val="0"/>
+          <c:showBubbleSize val="0"/>
+        </c:dLbls>
+        <c:smooth val="0"/>
+        <c:axId val="411145520"/>
+        <c:axId val="411146480"/>
+        <c:extLst>
+          <c:ext xmlns:c15="http://schemas.microsoft.com/office/drawing/2012/chart" uri="{02D57815-91ED-43cb-92C2-25804820EDAC}">
+            <c15:filteredLineSeries>
+              <c15:ser>
+                <c:idx val="5"/>
+                <c:order val="5"/>
+                <c:tx>
+                  <c:strRef>
+                    <c:extLst>
+                      <c:ext uri="{02D57815-91ED-43cb-92C2-25804820EDAC}">
+                        <c15:formulaRef>
+                          <c15:sqref>Sheet1!#REF!</c15:sqref>
+                        </c15:formulaRef>
+                      </c:ext>
+                    </c:extLst>
+                    <c:strCache>
+                      <c:ptCount val="1"/>
+                      <c:pt idx="0">
+                        <c:v>#REF!</c:v>
+                      </c:pt>
+                    </c:strCache>
+                  </c:strRef>
+                </c:tx>
+                <c:spPr>
+                  <a:ln w="38100" cap="rnd">
+                    <a:solidFill>
+                      <a:schemeClr val="accent6"/>
+                    </a:solidFill>
+                    <a:round/>
+                  </a:ln>
+                  <a:effectLst/>
+                </c:spPr>
+                <c:marker>
+                  <c:symbol val="none"/>
+                </c:marker>
+                <c:cat>
+                  <c:numRef>
+                    <c:extLst>
+                      <c:ext uri="{02D57815-91ED-43cb-92C2-25804820EDAC}">
+                        <c15:formulaRef>
+                          <c15:sqref>Sheet1!$A$2:$A$5</c15:sqref>
+                        </c15:formulaRef>
+                      </c:ext>
+                    </c:extLst>
+                    <c:numCache>
+                      <c:formatCode>General</c:formatCode>
+                      <c:ptCount val="4"/>
+                      <c:pt idx="0">
+                        <c:v>8</c:v>
+                      </c:pt>
+                      <c:pt idx="1">
+                        <c:v>12</c:v>
+                      </c:pt>
+                      <c:pt idx="2">
+                        <c:v>16</c:v>
+                      </c:pt>
+                      <c:pt idx="3">
+                        <c:v>20</c:v>
+                      </c:pt>
+                    </c:numCache>
+                  </c:numRef>
+                </c:cat>
+                <c:val>
+                  <c:numRef>
+                    <c:extLst>
+                      <c:ext uri="{02D57815-91ED-43cb-92C2-25804820EDAC}">
+                        <c15:formulaRef>
+                          <c15:sqref>Sheet1!#REF!</c15:sqref>
+                        </c15:formulaRef>
+                      </c:ext>
+                    </c:extLst>
+                    <c:numCache>
+                      <c:formatCode>General</c:formatCode>
+                      <c:ptCount val="1"/>
+                      <c:pt idx="0">
+                        <c:v>1</c:v>
+                      </c:pt>
+                    </c:numCache>
+                  </c:numRef>
+                </c:val>
+                <c:smooth val="0"/>
+                <c:extLst>
+                  <c:ext xmlns:c16="http://schemas.microsoft.com/office/drawing/2014/chart" uri="{C3380CC4-5D6E-409C-BE32-E72D297353CC}">
+                    <c16:uniqueId val="{00000005-57AC-4AB9-BF5E-9563CBD2DDD1}"/>
+                  </c:ext>
+                </c:extLst>
+              </c15:ser>
+            </c15:filteredLineSeries>
+            <c15:filteredLineSeries>
+              <c15:ser>
+                <c:idx val="6"/>
+                <c:order val="6"/>
+                <c:tx>
+                  <c:strRef>
+                    <c:extLst>
+                      <c:ext xmlns:c15="http://schemas.microsoft.com/office/drawing/2012/chart" uri="{02D57815-91ED-43cb-92C2-25804820EDAC}">
+                        <c15:formulaRef>
+                          <c15:sqref>Sheet1!#REF!</c15:sqref>
+                        </c15:formulaRef>
+                      </c:ext>
+                    </c:extLst>
+                    <c:strCache>
+                      <c:ptCount val="1"/>
+                      <c:pt idx="0">
+                        <c:v>#REF!</c:v>
+                      </c:pt>
+                    </c:strCache>
+                  </c:strRef>
+                </c:tx>
+                <c:spPr>
+                  <a:ln w="38100" cap="rnd">
+                    <a:solidFill>
+                      <a:schemeClr val="accent1">
+                        <a:lumMod val="60000"/>
+                      </a:schemeClr>
+                    </a:solidFill>
+                    <a:round/>
+                  </a:ln>
+                  <a:effectLst/>
+                </c:spPr>
+                <c:marker>
+                  <c:symbol val="none"/>
+                </c:marker>
+                <c:cat>
+                  <c:numRef>
+                    <c:extLst>
+                      <c:ext xmlns:c15="http://schemas.microsoft.com/office/drawing/2012/chart" uri="{02D57815-91ED-43cb-92C2-25804820EDAC}">
+                        <c15:formulaRef>
+                          <c15:sqref>Sheet1!$A$2:$A$5</c15:sqref>
+                        </c15:formulaRef>
+                      </c:ext>
+                    </c:extLst>
+                    <c:numCache>
+                      <c:formatCode>General</c:formatCode>
+                      <c:ptCount val="4"/>
+                      <c:pt idx="0">
+                        <c:v>8</c:v>
+                      </c:pt>
+                      <c:pt idx="1">
+                        <c:v>12</c:v>
+                      </c:pt>
+                      <c:pt idx="2">
+                        <c:v>16</c:v>
+                      </c:pt>
+                      <c:pt idx="3">
+                        <c:v>20</c:v>
+                      </c:pt>
+                    </c:numCache>
+                  </c:numRef>
+                </c:cat>
+                <c:val>
+                  <c:numRef>
+                    <c:extLst>
+                      <c:ext xmlns:c15="http://schemas.microsoft.com/office/drawing/2012/chart" uri="{02D57815-91ED-43cb-92C2-25804820EDAC}">
+                        <c15:formulaRef>
+                          <c15:sqref>Sheet1!#REF!</c15:sqref>
+                        </c15:formulaRef>
+                      </c:ext>
+                    </c:extLst>
+                    <c:numCache>
+                      <c:formatCode>General</c:formatCode>
+                      <c:ptCount val="1"/>
+                      <c:pt idx="0">
+                        <c:v>1</c:v>
+                      </c:pt>
+                    </c:numCache>
+                  </c:numRef>
+                </c:val>
+                <c:smooth val="0"/>
+                <c:extLst>
+                  <c:ext xmlns:c16="http://schemas.microsoft.com/office/drawing/2014/chart" uri="{C3380CC4-5D6E-409C-BE32-E72D297353CC}">
+                    <c16:uniqueId val="{00000006-57AC-4AB9-BF5E-9563CBD2DDD1}"/>
+                  </c:ext>
+                </c:extLst>
+              </c15:ser>
+            </c15:filteredLineSeries>
+            <c15:filteredLineSeries>
+              <c15:ser>
+                <c:idx val="7"/>
+                <c:order val="7"/>
+                <c:tx>
+                  <c:strRef>
+                    <c:extLst>
+                      <c:ext xmlns:c15="http://schemas.microsoft.com/office/drawing/2012/chart" uri="{02D57815-91ED-43cb-92C2-25804820EDAC}">
+                        <c15:formulaRef>
+                          <c15:sqref>Sheet1!#REF!</c15:sqref>
+                        </c15:formulaRef>
+                      </c:ext>
+                    </c:extLst>
+                    <c:strCache>
+                      <c:ptCount val="1"/>
+                      <c:pt idx="0">
+                        <c:v>#REF!</c:v>
+                      </c:pt>
+                    </c:strCache>
+                  </c:strRef>
+                </c:tx>
+                <c:spPr>
+                  <a:ln w="38100" cap="rnd">
+                    <a:solidFill>
+                      <a:schemeClr val="accent2">
+                        <a:lumMod val="60000"/>
+                      </a:schemeClr>
+                    </a:solidFill>
+                    <a:round/>
+                  </a:ln>
+                  <a:effectLst/>
+                </c:spPr>
+                <c:marker>
+                  <c:symbol val="none"/>
+                </c:marker>
+                <c:cat>
+                  <c:numRef>
+                    <c:extLst>
+                      <c:ext xmlns:c15="http://schemas.microsoft.com/office/drawing/2012/chart" uri="{02D57815-91ED-43cb-92C2-25804820EDAC}">
+                        <c15:formulaRef>
+                          <c15:sqref>Sheet1!$A$2:$A$5</c15:sqref>
+                        </c15:formulaRef>
+                      </c:ext>
+                    </c:extLst>
+                    <c:numCache>
+                      <c:formatCode>General</c:formatCode>
+                      <c:ptCount val="4"/>
+                      <c:pt idx="0">
+                        <c:v>8</c:v>
+                      </c:pt>
+                      <c:pt idx="1">
+                        <c:v>12</c:v>
+                      </c:pt>
+                      <c:pt idx="2">
+                        <c:v>16</c:v>
+                      </c:pt>
+                      <c:pt idx="3">
+                        <c:v>20</c:v>
+                      </c:pt>
+                    </c:numCache>
+                  </c:numRef>
+                </c:cat>
+                <c:val>
+                  <c:numRef>
+                    <c:extLst>
+                      <c:ext xmlns:c15="http://schemas.microsoft.com/office/drawing/2012/chart" uri="{02D57815-91ED-43cb-92C2-25804820EDAC}">
+                        <c15:formulaRef>
+                          <c15:sqref>Sheet1!#REF!</c15:sqref>
+                        </c15:formulaRef>
+                      </c:ext>
+                    </c:extLst>
+                    <c:numCache>
+                      <c:formatCode>General</c:formatCode>
+                      <c:ptCount val="1"/>
+                      <c:pt idx="0">
+                        <c:v>1</c:v>
+                      </c:pt>
+                    </c:numCache>
+                  </c:numRef>
+                </c:val>
+                <c:smooth val="0"/>
+                <c:extLst>
+                  <c:ext xmlns:c16="http://schemas.microsoft.com/office/drawing/2014/chart" uri="{C3380CC4-5D6E-409C-BE32-E72D297353CC}">
+                    <c16:uniqueId val="{00000007-57AC-4AB9-BF5E-9563CBD2DDD1}"/>
+                  </c:ext>
+                </c:extLst>
+              </c15:ser>
+            </c15:filteredLineSeries>
+          </c:ext>
+        </c:extLst>
+      </c:lineChart>
+      <c:catAx>
+        <c:axId val="411145520"/>
+        <c:scaling>
+          <c:orientation val="minMax"/>
+        </c:scaling>
+        <c:delete val="0"/>
+        <c:axPos val="b"/>
+        <c:title>
+          <c:tx>
+            <c:rich>
+              <a:bodyPr rot="0" spcFirstLastPara="1" vertOverflow="ellipsis" vert="horz" wrap="square" anchor="ctr" anchorCtr="1"/>
+              <a:lstStyle/>
+              <a:p>
+                <a:pPr>
+                  <a:defRPr sz="1197" b="0" i="0" u="none" strike="noStrike" kern="1200" cap="all" baseline="0">
+                    <a:solidFill>
+                      <a:schemeClr val="tx1">
+                        <a:lumMod val="65000"/>
+                        <a:lumOff val="35000"/>
+                      </a:schemeClr>
+                    </a:solidFill>
+                    <a:latin typeface="+mn-lt"/>
+                    <a:ea typeface="+mn-ea"/>
+                    <a:cs typeface="+mn-cs"/>
+                  </a:defRPr>
+                </a:pPr>
+                <a:r>
+                  <a:rPr lang="en-US" dirty="0"/>
+                  <a:t>Array </a:t>
+                </a:r>
+                <a:r>
+                  <a:rPr lang="en-US" dirty="0" err="1"/>
+                  <a:t>SIZe</a:t>
+                </a:r>
+                <a:r>
+                  <a:rPr lang="en-US" dirty="0"/>
+                  <a:t> in Exponents of two</a:t>
+                </a:r>
+              </a:p>
+            </c:rich>
+          </c:tx>
+          <c:overlay val="0"/>
+          <c:spPr>
+            <a:noFill/>
+            <a:ln>
+              <a:noFill/>
+            </a:ln>
+            <a:effectLst/>
+          </c:spPr>
+          <c:txPr>
+            <a:bodyPr rot="0" spcFirstLastPara="1" vertOverflow="ellipsis" vert="horz" wrap="square" anchor="ctr" anchorCtr="1"/>
+            <a:lstStyle/>
+            <a:p>
+              <a:pPr>
+                <a:defRPr sz="1197" b="0" i="0" u="none" strike="noStrike" kern="1200" cap="all" baseline="0">
+                  <a:solidFill>
+                    <a:schemeClr val="tx1">
+                      <a:lumMod val="65000"/>
+                      <a:lumOff val="35000"/>
+                    </a:schemeClr>
+                  </a:solidFill>
+                  <a:latin typeface="+mn-lt"/>
+                  <a:ea typeface="+mn-ea"/>
+                  <a:cs typeface="+mn-cs"/>
+                </a:defRPr>
+              </a:pPr>
+              <a:endParaRPr lang="en-US"/>
+            </a:p>
+          </c:txPr>
+        </c:title>
+        <c:numFmt formatCode="General" sourceLinked="1"/>
+        <c:majorTickMark val="none"/>
+        <c:minorTickMark val="none"/>
+        <c:tickLblPos val="nextTo"/>
+        <c:spPr>
+          <a:noFill/>
+          <a:ln w="9525" cap="flat" cmpd="sng" algn="ctr">
+            <a:solidFill>
+              <a:schemeClr val="tx1">
+                <a:lumMod val="15000"/>
+                <a:lumOff val="85000"/>
+              </a:schemeClr>
+            </a:solidFill>
+            <a:round/>
+          </a:ln>
+          <a:effectLst/>
+        </c:spPr>
+        <c:txPr>
+          <a:bodyPr rot="-60000000" spcFirstLastPara="1" vertOverflow="ellipsis" vert="horz" wrap="square" anchor="ctr" anchorCtr="1"/>
+          <a:lstStyle/>
+          <a:p>
+            <a:pPr>
+              <a:defRPr sz="1197" b="0" i="0" u="none" strike="noStrike" kern="1200" cap="none" spc="0" normalizeH="0" baseline="0">
+                <a:solidFill>
+                  <a:schemeClr val="tx1">
+                    <a:lumMod val="65000"/>
+                    <a:lumOff val="35000"/>
+                  </a:schemeClr>
+                </a:solidFill>
+                <a:latin typeface="+mn-lt"/>
+                <a:ea typeface="+mn-ea"/>
+                <a:cs typeface="+mn-cs"/>
+              </a:defRPr>
+            </a:pPr>
+            <a:endParaRPr lang="en-US"/>
+          </a:p>
+        </c:txPr>
+        <c:crossAx val="411146480"/>
+        <c:crosses val="autoZero"/>
+        <c:auto val="1"/>
+        <c:lblAlgn val="ctr"/>
+        <c:lblOffset val="100"/>
+        <c:noMultiLvlLbl val="0"/>
+      </c:catAx>
+      <c:valAx>
+        <c:axId val="411146480"/>
+        <c:scaling>
+          <c:orientation val="minMax"/>
+        </c:scaling>
+        <c:delete val="0"/>
+        <c:axPos val="l"/>
+        <c:majorGridlines>
+          <c:spPr>
+            <a:ln w="9525" cap="flat" cmpd="sng" algn="ctr">
+              <a:solidFill>
+                <a:schemeClr val="tx1">
+                  <a:lumMod val="15000"/>
+                  <a:lumOff val="85000"/>
+                </a:schemeClr>
+              </a:solidFill>
+              <a:round/>
+            </a:ln>
+            <a:effectLst/>
+          </c:spPr>
+        </c:majorGridlines>
+        <c:minorGridlines>
+          <c:spPr>
+            <a:ln w="9525" cap="flat" cmpd="sng" algn="ctr">
+              <a:solidFill>
+                <a:schemeClr val="tx1">
+                  <a:lumMod val="5000"/>
+                  <a:lumOff val="95000"/>
+                </a:schemeClr>
+              </a:solidFill>
+              <a:round/>
+            </a:ln>
+            <a:effectLst/>
+          </c:spPr>
+        </c:minorGridlines>
+        <c:title>
+          <c:tx>
+            <c:rich>
+              <a:bodyPr rot="-5400000" spcFirstLastPara="1" vertOverflow="ellipsis" vert="horz" wrap="square" anchor="ctr" anchorCtr="1"/>
+              <a:lstStyle/>
+              <a:p>
+                <a:pPr>
+                  <a:defRPr sz="1197" b="0" i="0" u="none" strike="noStrike" kern="1200" cap="all" baseline="0">
+                    <a:solidFill>
+                      <a:schemeClr val="tx1">
+                        <a:lumMod val="65000"/>
+                        <a:lumOff val="35000"/>
+                      </a:schemeClr>
+                    </a:solidFill>
+                    <a:latin typeface="+mn-lt"/>
+                    <a:ea typeface="+mn-ea"/>
+                    <a:cs typeface="+mn-cs"/>
+                  </a:defRPr>
+                </a:pPr>
+                <a:r>
+                  <a:rPr lang="en-US" dirty="0"/>
+                  <a:t>Execution time in MILLISECONDS</a:t>
+                </a:r>
+              </a:p>
+            </c:rich>
+          </c:tx>
+          <c:overlay val="0"/>
+          <c:spPr>
+            <a:noFill/>
+            <a:ln>
+              <a:noFill/>
+            </a:ln>
+            <a:effectLst/>
+          </c:spPr>
+          <c:txPr>
+            <a:bodyPr rot="-5400000" spcFirstLastPara="1" vertOverflow="ellipsis" vert="horz" wrap="square" anchor="ctr" anchorCtr="1"/>
+            <a:lstStyle/>
+            <a:p>
+              <a:pPr>
+                <a:defRPr sz="1197" b="0" i="0" u="none" strike="noStrike" kern="1200" cap="all" baseline="0">
+                  <a:solidFill>
+                    <a:schemeClr val="tx1">
+                      <a:lumMod val="65000"/>
+                      <a:lumOff val="35000"/>
+                    </a:schemeClr>
+                  </a:solidFill>
+                  <a:latin typeface="+mn-lt"/>
+                  <a:ea typeface="+mn-ea"/>
+                  <a:cs typeface="+mn-cs"/>
+                </a:defRPr>
+              </a:pPr>
+              <a:endParaRPr lang="en-US"/>
+            </a:p>
+          </c:txPr>
+        </c:title>
+        <c:numFmt formatCode="General" sourceLinked="1"/>
+        <c:majorTickMark val="none"/>
+        <c:minorTickMark val="none"/>
+        <c:tickLblPos val="nextTo"/>
+        <c:spPr>
+          <a:noFill/>
+          <a:ln>
+            <a:noFill/>
+          </a:ln>
+          <a:effectLst/>
+        </c:spPr>
+        <c:txPr>
+          <a:bodyPr rot="-60000000" spcFirstLastPara="1" vertOverflow="ellipsis" vert="horz" wrap="square" anchor="ctr" anchorCtr="1"/>
+          <a:lstStyle/>
+          <a:p>
+            <a:pPr>
+              <a:defRPr sz="1197" b="0" i="0" u="none" strike="noStrike" kern="1200" baseline="0">
+                <a:solidFill>
+                  <a:schemeClr val="tx1">
+                    <a:lumMod val="65000"/>
+                    <a:lumOff val="35000"/>
+                  </a:schemeClr>
+                </a:solidFill>
+                <a:latin typeface="+mn-lt"/>
+                <a:ea typeface="+mn-ea"/>
+                <a:cs typeface="+mn-cs"/>
+              </a:defRPr>
+            </a:pPr>
+            <a:endParaRPr lang="en-US"/>
+          </a:p>
+        </c:txPr>
+        <c:crossAx val="411145520"/>
+        <c:crosses val="autoZero"/>
+        <c:crossBetween val="between"/>
+      </c:valAx>
+      <c:spPr>
+        <a:noFill/>
+        <a:ln>
+          <a:noFill/>
+        </a:ln>
+        <a:effectLst/>
+      </c:spPr>
+    </c:plotArea>
+    <c:legend>
+      <c:legendPos val="t"/>
+      <c:overlay val="0"/>
+      <c:spPr>
+        <a:noFill/>
+        <a:ln>
+          <a:noFill/>
+        </a:ln>
+        <a:effectLst/>
+      </c:spPr>
+      <c:txPr>
+        <a:bodyPr rot="0" spcFirstLastPara="1" vertOverflow="ellipsis" vert="horz" wrap="square" anchor="ctr" anchorCtr="1"/>
+        <a:lstStyle/>
+        <a:p>
+          <a:pPr>
+            <a:defRPr sz="1197" b="0" i="0" u="none" strike="noStrike" kern="1200" baseline="0">
+              <a:solidFill>
+                <a:schemeClr val="tx1">
+                  <a:lumMod val="65000"/>
+                  <a:lumOff val="35000"/>
+                </a:schemeClr>
+              </a:solidFill>
+              <a:latin typeface="+mn-lt"/>
+              <a:ea typeface="+mn-ea"/>
+              <a:cs typeface="+mn-cs"/>
+            </a:defRPr>
+          </a:pPr>
+          <a:endParaRPr lang="en-US"/>
+        </a:p>
+      </c:txPr>
+    </c:legend>
+    <c:plotVisOnly val="1"/>
+    <c:dispBlanksAs val="gap"/>
+    <c:extLst>
+      <c:ext xmlns:c16r3="http://schemas.microsoft.com/office/drawing/2017/03/chart" uri="{56B9EC1D-385E-4148-901F-78D8002777C0}">
+        <c16r3:dataDisplayOptions16>
+          <c16r3:dispNaAsBlank val="1"/>
+        </c16r3:dataDisplayOptions16>
+      </c:ext>
+    </c:extLst>
+    <c:showDLblsOverMax val="0"/>
+  </c:chart>
+  <c:spPr>
+    <a:noFill/>
+    <a:ln>
+      <a:noFill/>
+    </a:ln>
+    <a:effectLst/>
+  </c:spPr>
+  <c:txPr>
+    <a:bodyPr/>
+    <a:lstStyle/>
+    <a:p>
+      <a:pPr>
+        <a:defRPr/>
+      </a:pPr>
+      <a:endParaRPr lang="en-US"/>
+    </a:p>
+  </c:txPr>
+  <c:externalData r:id="rId3">
+    <c:autoUpdate val="0"/>
+  </c:externalData>
+</c:chartSpace>
+</file>
+
+<file path=ppt/charts/colors1.xml><?xml version="1.0" encoding="utf-8"?>
+<cs:colorStyle xmlns:cs="http://schemas.microsoft.com/office/drawing/2012/chartStyle" xmlns:a="http://schemas.openxmlformats.org/drawingml/2006/main" meth="cycle" id="10">
+  <a:schemeClr val="accent1"/>
+  <a:schemeClr val="accent2"/>
+  <a:schemeClr val="accent3"/>
+  <a:schemeClr val="accent4"/>
+  <a:schemeClr val="accent5"/>
+  <a:schemeClr val="accent6"/>
+  <cs:variation/>
+  <cs:variation>
+    <a:lumMod val="60000"/>
+  </cs:variation>
+  <cs:variation>
+    <a:lumMod val="80000"/>
+    <a:lumOff val="20000"/>
+  </cs:variation>
+  <cs:variation>
+    <a:lumMod val="80000"/>
+  </cs:variation>
+  <cs:variation>
+    <a:lumMod val="60000"/>
+    <a:lumOff val="40000"/>
+  </cs:variation>
+  <cs:variation>
+    <a:lumMod val="50000"/>
+  </cs:variation>
+  <cs:variation>
+    <a:lumMod val="70000"/>
+    <a:lumOff val="30000"/>
+  </cs:variation>
+  <cs:variation>
+    <a:lumMod val="70000"/>
+  </cs:variation>
+  <cs:variation>
+    <a:lumMod val="50000"/>
+    <a:lumOff val="50000"/>
+  </cs:variation>
+</cs:colorStyle>
+</file>
+
+<file path=ppt/charts/colors2.xml><?xml version="1.0" encoding="utf-8"?>
+<cs:colorStyle xmlns:cs="http://schemas.microsoft.com/office/drawing/2012/chartStyle" xmlns:a="http://schemas.openxmlformats.org/drawingml/2006/main" meth="cycle" id="10">
+  <a:schemeClr val="accent1"/>
+  <a:schemeClr val="accent2"/>
+  <a:schemeClr val="accent3"/>
+  <a:schemeClr val="accent4"/>
+  <a:schemeClr val="accent5"/>
+  <a:schemeClr val="accent6"/>
+  <cs:variation/>
+  <cs:variation>
+    <a:lumMod val="60000"/>
+  </cs:variation>
+  <cs:variation>
+    <a:lumMod val="80000"/>
+    <a:lumOff val="20000"/>
+  </cs:variation>
+  <cs:variation>
+    <a:lumMod val="80000"/>
+  </cs:variation>
+  <cs:variation>
+    <a:lumMod val="60000"/>
+    <a:lumOff val="40000"/>
+  </cs:variation>
+  <cs:variation>
+    <a:lumMod val="50000"/>
+  </cs:variation>
+  <cs:variation>
+    <a:lumMod val="70000"/>
+    <a:lumOff val="30000"/>
+  </cs:variation>
+  <cs:variation>
+    <a:lumMod val="70000"/>
+  </cs:variation>
+  <cs:variation>
+    <a:lumMod val="50000"/>
+    <a:lumOff val="50000"/>
+  </cs:variation>
+</cs:colorStyle>
+</file>
+
+<file path=ppt/charts/colors3.xml><?xml version="1.0" encoding="utf-8"?>
+<cs:colorStyle xmlns:cs="http://schemas.microsoft.com/office/drawing/2012/chartStyle" xmlns:a="http://schemas.openxmlformats.org/drawingml/2006/main" meth="cycle" id="10">
+  <a:schemeClr val="accent1"/>
+  <a:schemeClr val="accent2"/>
+  <a:schemeClr val="accent3"/>
+  <a:schemeClr val="accent4"/>
+  <a:schemeClr val="accent5"/>
+  <a:schemeClr val="accent6"/>
+  <cs:variation/>
+  <cs:variation>
+    <a:lumMod val="60000"/>
+  </cs:variation>
+  <cs:variation>
+    <a:lumMod val="80000"/>
+    <a:lumOff val="20000"/>
+  </cs:variation>
+  <cs:variation>
+    <a:lumMod val="80000"/>
+  </cs:variation>
+  <cs:variation>
+    <a:lumMod val="60000"/>
+    <a:lumOff val="40000"/>
+  </cs:variation>
+  <cs:variation>
+    <a:lumMod val="50000"/>
+  </cs:variation>
+  <cs:variation>
+    <a:lumMod val="70000"/>
+    <a:lumOff val="30000"/>
+  </cs:variation>
+  <cs:variation>
+    <a:lumMod val="70000"/>
+  </cs:variation>
+  <cs:variation>
+    <a:lumMod val="50000"/>
+    <a:lumOff val="50000"/>
+  </cs:variation>
+</cs:colorStyle>
+</file>
+
+<file path=ppt/charts/colors4.xml><?xml version="1.0" encoding="utf-8"?>
+<cs:colorStyle xmlns:cs="http://schemas.microsoft.com/office/drawing/2012/chartStyle" xmlns:a="http://schemas.openxmlformats.org/drawingml/2006/main" meth="cycle" id="10">
+  <a:schemeClr val="accent1"/>
+  <a:schemeClr val="accent2"/>
+  <a:schemeClr val="accent3"/>
+  <a:schemeClr val="accent4"/>
+  <a:schemeClr val="accent5"/>
+  <a:schemeClr val="accent6"/>
+  <cs:variation/>
+  <cs:variation>
+    <a:lumMod val="60000"/>
+  </cs:variation>
+  <cs:variation>
+    <a:lumMod val="80000"/>
+    <a:lumOff val="20000"/>
+  </cs:variation>
+  <cs:variation>
+    <a:lumMod val="80000"/>
+  </cs:variation>
+  <cs:variation>
+    <a:lumMod val="60000"/>
+    <a:lumOff val="40000"/>
+  </cs:variation>
+  <cs:variation>
+    <a:lumMod val="50000"/>
+  </cs:variation>
+  <cs:variation>
+    <a:lumMod val="70000"/>
+    <a:lumOff val="30000"/>
+  </cs:variation>
+  <cs:variation>
+    <a:lumMod val="70000"/>
+  </cs:variation>
+  <cs:variation>
+    <a:lumMod val="50000"/>
+    <a:lumOff val="50000"/>
+  </cs:variation>
+</cs:colorStyle>
+</file>
+
+<file path=ppt/charts/style1.xml><?xml version="1.0" encoding="utf-8"?>
+<cs:chartStyle xmlns:cs="http://schemas.microsoft.com/office/drawing/2012/chartStyle" xmlns:a="http://schemas.openxmlformats.org/drawingml/2006/main" id="235">
+  <cs:axisTitle>
+    <cs:lnRef idx="0"/>
+    <cs:fillRef idx="0"/>
+    <cs:effectRef idx="0"/>
+    <cs:fontRef idx="minor">
+      <a:schemeClr val="tx1">
+        <a:lumMod val="65000"/>
+        <a:lumOff val="35000"/>
+      </a:schemeClr>
+    </cs:fontRef>
+    <cs:defRPr sz="1197" kern="1200" cap="all"/>
+  </cs:axisTitle>
+  <cs:categoryAxis>
+    <cs:lnRef idx="0"/>
+    <cs:fillRef idx="0"/>
+    <cs:effectRef idx="0"/>
+    <cs:fontRef idx="minor">
+      <a:schemeClr val="tx1">
+        <a:lumMod val="65000"/>
+        <a:lumOff val="35000"/>
+      </a:schemeClr>
+    </cs:fontRef>
+    <cs:spPr>
+      <a:ln w="9525" cap="flat" cmpd="sng" algn="ctr">
+        <a:solidFill>
+          <a:schemeClr val="tx1">
+            <a:lumMod val="15000"/>
+            <a:lumOff val="85000"/>
+          </a:schemeClr>
+        </a:solidFill>
+        <a:round/>
+      </a:ln>
+    </cs:spPr>
+    <cs:defRPr sz="1197" b="0" kern="1200" cap="none" spc="0" normalizeH="0" baseline="0"/>
+  </cs:categoryAxis>
+  <cs:chartArea mods="allowNoFillOverride allowNoLineOverride">
+    <cs:lnRef idx="0"/>
+    <cs:fillRef idx="0"/>
+    <cs:effectRef idx="0"/>
+    <cs:fontRef idx="minor">
+      <a:schemeClr val="dk1"/>
+    </cs:fontRef>
+    <cs:spPr>
+      <a:solidFill>
+        <a:schemeClr val="bg1"/>
+      </a:solidFill>
+      <a:ln w="9525" cap="flat" cmpd="sng" algn="ctr">
+        <a:solidFill>
+          <a:schemeClr val="tx1">
+            <a:lumMod val="15000"/>
+            <a:lumOff val="85000"/>
+          </a:schemeClr>
+        </a:solidFill>
+        <a:round/>
+      </a:ln>
+    </cs:spPr>
+    <cs:defRPr sz="1197" kern="1200"/>
+  </cs:chartArea>
+  <cs:dataLabel>
+    <cs:lnRef idx="0"/>
+    <cs:fillRef idx="0"/>
+    <cs:effectRef idx="0"/>
+    <cs:fontRef idx="minor">
+      <a:schemeClr val="tx1">
+        <a:lumMod val="75000"/>
+        <a:lumOff val="25000"/>
+      </a:schemeClr>
+    </cs:fontRef>
+    <cs:defRPr sz="1197" kern="1200"/>
+  </cs:dataLabel>
+  <cs:dataLabelCallout>
+    <cs:lnRef idx="0"/>
+    <cs:fillRef idx="0"/>
+    <cs:effectRef idx="0"/>
+    <cs:fontRef idx="minor">
+      <a:schemeClr val="dk1">
+        <a:lumMod val="75000"/>
+        <a:lumOff val="25000"/>
+      </a:schemeClr>
+    </cs:fontRef>
+    <cs:spPr>
+      <a:solidFill>
+        <a:schemeClr val="dk1">
+          <a:lumMod val="15000"/>
+          <a:lumOff val="85000"/>
+        </a:schemeClr>
+      </a:solidFill>
+    </cs:spPr>
+    <cs:defRPr sz="1197" kern="1200"/>
+    <cs:bodyPr rot="0" spcFirstLastPara="1" vertOverflow="clip" horzOverflow="clip" vert="horz" wrap="square" lIns="36576" tIns="18288" rIns="36576" bIns="18288" anchor="ctr" anchorCtr="1">
+      <a:spAutoFit/>
+    </cs:bodyPr>
+  </cs:dataLabelCallout>
+  <cs:dataPoint>
+    <cs:lnRef idx="0"/>
+    <cs:fillRef idx="0">
+      <cs:styleClr val="auto"/>
+    </cs:fillRef>
+    <cs:effectRef idx="0"/>
+    <cs:fontRef idx="minor">
+      <a:schemeClr val="dk1"/>
+    </cs:fontRef>
+    <cs:spPr>
+      <a:solidFill>
+        <a:schemeClr val="phClr"/>
+      </a:solidFill>
+    </cs:spPr>
+  </cs:dataPoint>
+  <cs:dataPoint3D>
+    <cs:lnRef idx="0"/>
+    <cs:fillRef idx="0">
+      <cs:styleClr val="auto"/>
+    </cs:fillRef>
+    <cs:effectRef idx="0"/>
+    <cs:fontRef idx="minor">
+      <a:schemeClr val="dk1"/>
+    </cs:fontRef>
+    <cs:spPr>
+      <a:solidFill>
+        <a:schemeClr val="phClr"/>
+      </a:solidFill>
+    </cs:spPr>
+  </cs:dataPoint3D>
+  <cs:dataPointLine>
+    <cs:lnRef idx="0">
+      <cs:styleClr val="auto"/>
+    </cs:lnRef>
+    <cs:fillRef idx="0"/>
+    <cs:effectRef idx="0"/>
+    <cs:fontRef idx="minor">
+      <a:schemeClr val="dk1"/>
+    </cs:fontRef>
+    <cs:spPr>
+      <a:ln w="38100" cap="rnd">
+        <a:solidFill>
+          <a:schemeClr val="phClr"/>
+        </a:solidFill>
+        <a:round/>
+      </a:ln>
+    </cs:spPr>
+  </cs:dataPointLine>
+  <cs:dataPointMarker>
+    <cs:lnRef idx="0"/>
+    <cs:fillRef idx="0">
+      <cs:styleClr val="auto"/>
+    </cs:fillRef>
+    <cs:effectRef idx="0"/>
+    <cs:fontRef idx="minor">
+      <a:schemeClr val="dk1"/>
+    </cs:fontRef>
+    <cs:spPr>
+      <a:solidFill>
+        <a:schemeClr val="phClr"/>
+      </a:solidFill>
+    </cs:spPr>
+  </cs:dataPointMarker>
+  <cs:dataPointMarkerLayout symbol="circle" size="8"/>
+  <cs:dataPointWireframe>
+    <cs:lnRef idx="0">
+      <cs:styleClr val="auto"/>
+    </cs:lnRef>
+    <cs:fillRef idx="0"/>
+    <cs:effectRef idx="0"/>
+    <cs:fontRef idx="minor">
+      <a:schemeClr val="dk1"/>
+    </cs:fontRef>
+    <cs:spPr>
+      <a:ln w="9525" cap="rnd">
+        <a:solidFill>
+          <a:schemeClr val="phClr"/>
+        </a:solidFill>
+        <a:round/>
+      </a:ln>
+    </cs:spPr>
+  </cs:dataPointWireframe>
+  <cs:dataTable>
+    <cs:lnRef idx="0"/>
+    <cs:fillRef idx="0"/>
+    <cs:effectRef idx="0"/>
+    <cs:fontRef idx="minor">
+      <a:schemeClr val="tx1">
+        <a:lumMod val="65000"/>
+        <a:lumOff val="35000"/>
+      </a:schemeClr>
+    </cs:fontRef>
+    <cs:spPr>
+      <a:ln w="9525">
+        <a:solidFill>
+          <a:schemeClr val="tx1">
+            <a:lumMod val="15000"/>
+            <a:lumOff val="85000"/>
+          </a:schemeClr>
+        </a:solidFill>
+      </a:ln>
+    </cs:spPr>
+    <cs:defRPr sz="1197" kern="1200"/>
+  </cs:dataTable>
+  <cs:downBar>
+    <cs:lnRef idx="0"/>
+    <cs:fillRef idx="0"/>
+    <cs:effectRef idx="0"/>
+    <cs:fontRef idx="minor">
+      <a:schemeClr val="dk1"/>
+    </cs:fontRef>
+    <cs:spPr>
+      <a:solidFill>
+        <a:schemeClr val="dk1">
+          <a:lumMod val="75000"/>
+          <a:lumOff val="25000"/>
+        </a:schemeClr>
+      </a:solidFill>
+      <a:ln w="9525">
+        <a:solidFill>
+          <a:schemeClr val="tx1">
+            <a:lumMod val="50000"/>
+            <a:lumOff val="50000"/>
+          </a:schemeClr>
+        </a:solidFill>
+      </a:ln>
+    </cs:spPr>
+  </cs:downBar>
+  <cs:dropLine>
+    <cs:lnRef idx="0"/>
+    <cs:fillRef idx="0"/>
+    <cs:effectRef idx="0"/>
+    <cs:fontRef idx="minor">
+      <a:schemeClr val="dk1"/>
+    </cs:fontRef>
+    <cs:spPr>
+      <a:ln w="9525">
+        <a:solidFill>
+          <a:schemeClr val="tx1">
+            <a:lumMod val="50000"/>
+            <a:lumOff val="50000"/>
+          </a:schemeClr>
+        </a:solidFill>
+        <a:prstDash val="dash"/>
+      </a:ln>
+    </cs:spPr>
+  </cs:dropLine>
+  <cs:errorBar>
+    <cs:lnRef idx="0"/>
+    <cs:fillRef idx="0"/>
+    <cs:effectRef idx="0"/>
+    <cs:fontRef idx="minor">
+      <a:schemeClr val="dk1"/>
+    </cs:fontRef>
+    <cs:spPr>
+      <a:ln w="9525">
+        <a:solidFill>
+          <a:schemeClr val="tx1">
+            <a:lumMod val="50000"/>
+            <a:lumOff val="50000"/>
+          </a:schemeClr>
+        </a:solidFill>
+        <a:round/>
+      </a:ln>
+    </cs:spPr>
+  </cs:errorBar>
+  <cs:floor>
+    <cs:lnRef idx="0"/>
+    <cs:fillRef idx="0"/>
+    <cs:effectRef idx="0"/>
+    <cs:fontRef idx="minor">
+      <a:schemeClr val="dk1"/>
+    </cs:fontRef>
+  </cs:floor>
+  <cs:gridlineMajor>
+    <cs:lnRef idx="0"/>
+    <cs:fillRef idx="0"/>
+    <cs:effectRef idx="0"/>
+    <cs:fontRef idx="minor">
+      <a:schemeClr val="dk1"/>
+    </cs:fontRef>
+    <cs:spPr>
+      <a:ln w="9525" cap="flat" cmpd="sng" algn="ctr">
+        <a:solidFill>
+          <a:schemeClr val="tx1">
+            <a:lumMod val="15000"/>
+            <a:lumOff val="85000"/>
+          </a:schemeClr>
+        </a:solidFill>
+        <a:round/>
+      </a:ln>
+    </cs:spPr>
+  </cs:gridlineMajor>
+  <cs:gridlineMinor>
+    <cs:lnRef idx="0"/>
+    <cs:fillRef idx="0"/>
+    <cs:effectRef idx="0"/>
+    <cs:fontRef idx="minor">
+      <a:schemeClr val="dk1"/>
+    </cs:fontRef>
+    <cs:spPr>
+      <a:ln w="9525" cap="flat" cmpd="sng" algn="ctr">
+        <a:solidFill>
+          <a:schemeClr val="tx1">
+            <a:lumMod val="5000"/>
+            <a:lumOff val="95000"/>
+          </a:schemeClr>
+        </a:solidFill>
+        <a:round/>
+      </a:ln>
+    </cs:spPr>
+  </cs:gridlineMinor>
+  <cs:hiLoLine>
+    <cs:lnRef idx="0"/>
+    <cs:fillRef idx="0"/>
+    <cs:effectRef idx="0"/>
+    <cs:fontRef idx="minor">
+      <a:schemeClr val="dk1"/>
+    </cs:fontRef>
+    <cs:spPr>
+      <a:ln w="9525">
+        <a:solidFill>
+          <a:schemeClr val="tx1">
+            <a:lumMod val="50000"/>
+            <a:lumOff val="50000"/>
+          </a:schemeClr>
+        </a:solidFill>
+        <a:prstDash val="dash"/>
+      </a:ln>
+    </cs:spPr>
+  </cs:hiLoLine>
+  <cs:leaderLine>
+    <cs:lnRef idx="0"/>
+    <cs:fillRef idx="0"/>
+    <cs:effectRef idx="0"/>
+    <cs:fontRef idx="minor">
+      <a:schemeClr val="dk1"/>
+    </cs:fontRef>
+    <cs:spPr>
+      <a:ln w="9525">
+        <a:solidFill>
+          <a:schemeClr val="tx1">
+            <a:lumMod val="35000"/>
+            <a:lumOff val="65000"/>
+          </a:schemeClr>
+        </a:solidFill>
+      </a:ln>
+    </cs:spPr>
+  </cs:leaderLine>
+  <cs:legend>
+    <cs:lnRef idx="0"/>
+    <cs:fillRef idx="0"/>
+    <cs:effectRef idx="0"/>
+    <cs:fontRef idx="minor">
+      <a:schemeClr val="tx1">
+        <a:lumMod val="65000"/>
+        <a:lumOff val="35000"/>
+      </a:schemeClr>
+    </cs:fontRef>
+    <cs:defRPr sz="1197" kern="1200"/>
+  </cs:legend>
+  <cs:plotArea mods="allowNoFillOverride allowNoLineOverride">
+    <cs:lnRef idx="0"/>
+    <cs:fillRef idx="0"/>
+    <cs:effectRef idx="0"/>
+    <cs:fontRef idx="minor">
+      <a:schemeClr val="dk1"/>
+    </cs:fontRef>
+  </cs:plotArea>
+  <cs:plotArea3D mods="allowNoFillOverride allowNoLineOverride">
+    <cs:lnRef idx="0"/>
+    <cs:fillRef idx="0"/>
+    <cs:effectRef idx="0"/>
+    <cs:fontRef idx="minor">
+      <a:schemeClr val="dk1"/>
+    </cs:fontRef>
+  </cs:plotArea3D>
+  <cs:seriesAxis>
+    <cs:lnRef idx="0"/>
+    <cs:fillRef idx="0"/>
+    <cs:effectRef idx="0"/>
+    <cs:fontRef idx="minor">
+      <a:schemeClr val="tx1">
+        <a:lumMod val="65000"/>
+        <a:lumOff val="35000"/>
+      </a:schemeClr>
+    </cs:fontRef>
+    <cs:spPr>
+      <a:ln w="9525" cap="flat" cmpd="sng" algn="ctr">
+        <a:solidFill>
+          <a:schemeClr val="tx1">
+            <a:lumMod val="15000"/>
+            <a:lumOff val="85000"/>
+          </a:schemeClr>
+        </a:solidFill>
+        <a:round/>
+      </a:ln>
+    </cs:spPr>
+    <cs:defRPr sz="1197" kern="1200"/>
+  </cs:seriesAxis>
+  <cs:seriesLine>
+    <cs:lnRef idx="0"/>
+    <cs:fillRef idx="0"/>
+    <cs:effectRef idx="0"/>
+    <cs:fontRef idx="minor">
+      <a:schemeClr val="dk1"/>
+    </cs:fontRef>
+    <cs:spPr>
+      <a:ln w="9525">
+        <a:solidFill>
+          <a:schemeClr val="tx1">
+            <a:lumMod val="35000"/>
+            <a:lumOff val="65000"/>
+          </a:schemeClr>
+        </a:solidFill>
+        <a:round/>
+      </a:ln>
+    </cs:spPr>
+  </cs:seriesLine>
+  <cs:title>
+    <cs:lnRef idx="0"/>
+    <cs:fillRef idx="0"/>
+    <cs:effectRef idx="0"/>
+    <cs:fontRef idx="major">
+      <a:schemeClr val="tx1">
+        <a:lumMod val="65000"/>
+        <a:lumOff val="35000"/>
+      </a:schemeClr>
+    </cs:fontRef>
+    <cs:defRPr sz="2200" b="0" kern="1200" cap="none" spc="0" normalizeH="0" baseline="0"/>
+  </cs:title>
+  <cs:trendline>
+    <cs:lnRef idx="0">
+      <cs:styleClr val="auto"/>
+    </cs:lnRef>
+    <cs:fillRef idx="0"/>
+    <cs:effectRef idx="0"/>
+    <cs:fontRef idx="minor">
+      <a:schemeClr val="dk1"/>
+    </cs:fontRef>
+    <cs:spPr>
+      <a:ln w="19050" cap="rnd">
+        <a:solidFill>
+          <a:schemeClr val="phClr"/>
+        </a:solidFill>
+        <a:round/>
+      </a:ln>
+    </cs:spPr>
+  </cs:trendline>
+  <cs:trendlineLabel>
+    <cs:lnRef idx="0"/>
+    <cs:fillRef idx="0"/>
+    <cs:effectRef idx="0"/>
+    <cs:fontRef idx="minor">
+      <a:schemeClr val="tx1">
+        <a:lumMod val="65000"/>
+        <a:lumOff val="35000"/>
+      </a:schemeClr>
+    </cs:fontRef>
+    <cs:defRPr sz="1197" kern="1200"/>
+  </cs:trendlineLabel>
+  <cs:upBar>
+    <cs:lnRef idx="0"/>
+    <cs:fillRef idx="0"/>
+    <cs:effectRef idx="0"/>
+    <cs:fontRef idx="minor">
+      <a:schemeClr val="dk1"/>
+    </cs:fontRef>
+    <cs:spPr>
+      <a:solidFill>
+        <a:schemeClr val="lt1"/>
+      </a:solidFill>
+      <a:ln w="9525">
+        <a:solidFill>
+          <a:schemeClr val="tx1">
+            <a:lumMod val="50000"/>
+            <a:lumOff val="50000"/>
+          </a:schemeClr>
+        </a:solidFill>
+      </a:ln>
+    </cs:spPr>
+  </cs:upBar>
+  <cs:valueAxis>
+    <cs:lnRef idx="0"/>
+    <cs:fillRef idx="0"/>
+    <cs:effectRef idx="0"/>
+    <cs:fontRef idx="minor">
+      <a:schemeClr val="tx1">
+        <a:lumMod val="65000"/>
+        <a:lumOff val="35000"/>
+      </a:schemeClr>
+    </cs:fontRef>
+    <cs:defRPr sz="1197" kern="1200"/>
+  </cs:valueAxis>
+  <cs:wall>
+    <cs:lnRef idx="0"/>
+    <cs:fillRef idx="0"/>
+    <cs:effectRef idx="0"/>
+    <cs:fontRef idx="minor">
+      <a:schemeClr val="dk1"/>
+    </cs:fontRef>
+  </cs:wall>
+</cs:chartStyle>
+</file>
+
+<file path=ppt/charts/style2.xml><?xml version="1.0" encoding="utf-8"?>
+<cs:chartStyle xmlns:cs="http://schemas.microsoft.com/office/drawing/2012/chartStyle" xmlns:a="http://schemas.openxmlformats.org/drawingml/2006/main" id="235">
+  <cs:axisTitle>
+    <cs:lnRef idx="0"/>
+    <cs:fillRef idx="0"/>
+    <cs:effectRef idx="0"/>
+    <cs:fontRef idx="minor">
+      <a:schemeClr val="tx1">
+        <a:lumMod val="65000"/>
+        <a:lumOff val="35000"/>
+      </a:schemeClr>
+    </cs:fontRef>
+    <cs:defRPr sz="1197" kern="1200" cap="all"/>
+  </cs:axisTitle>
+  <cs:categoryAxis>
+    <cs:lnRef idx="0"/>
+    <cs:fillRef idx="0"/>
+    <cs:effectRef idx="0"/>
+    <cs:fontRef idx="minor">
+      <a:schemeClr val="tx1">
+        <a:lumMod val="65000"/>
+        <a:lumOff val="35000"/>
+      </a:schemeClr>
+    </cs:fontRef>
+    <cs:spPr>
+      <a:ln w="9525" cap="flat" cmpd="sng" algn="ctr">
+        <a:solidFill>
+          <a:schemeClr val="tx1">
+            <a:lumMod val="15000"/>
+            <a:lumOff val="85000"/>
+          </a:schemeClr>
+        </a:solidFill>
+        <a:round/>
+      </a:ln>
+    </cs:spPr>
+    <cs:defRPr sz="1197" b="0" kern="1200" cap="none" spc="0" normalizeH="0" baseline="0"/>
+  </cs:categoryAxis>
+  <cs:chartArea mods="allowNoFillOverride allowNoLineOverride">
+    <cs:lnRef idx="0"/>
+    <cs:fillRef idx="0"/>
+    <cs:effectRef idx="0"/>
+    <cs:fontRef idx="minor">
+      <a:schemeClr val="dk1"/>
+    </cs:fontRef>
+    <cs:spPr>
+      <a:solidFill>
+        <a:schemeClr val="bg1"/>
+      </a:solidFill>
+      <a:ln w="9525" cap="flat" cmpd="sng" algn="ctr">
+        <a:solidFill>
+          <a:schemeClr val="tx1">
+            <a:lumMod val="15000"/>
+            <a:lumOff val="85000"/>
+          </a:schemeClr>
+        </a:solidFill>
+        <a:round/>
+      </a:ln>
+    </cs:spPr>
+    <cs:defRPr sz="1197" kern="1200"/>
+  </cs:chartArea>
+  <cs:dataLabel>
+    <cs:lnRef idx="0"/>
+    <cs:fillRef idx="0"/>
+    <cs:effectRef idx="0"/>
+    <cs:fontRef idx="minor">
+      <a:schemeClr val="tx1">
+        <a:lumMod val="75000"/>
+        <a:lumOff val="25000"/>
+      </a:schemeClr>
+    </cs:fontRef>
+    <cs:defRPr sz="1197" kern="1200"/>
+  </cs:dataLabel>
+  <cs:dataLabelCallout>
+    <cs:lnRef idx="0"/>
+    <cs:fillRef idx="0"/>
+    <cs:effectRef idx="0"/>
+    <cs:fontRef idx="minor">
+      <a:schemeClr val="dk1">
+        <a:lumMod val="75000"/>
+        <a:lumOff val="25000"/>
+      </a:schemeClr>
+    </cs:fontRef>
+    <cs:spPr>
+      <a:solidFill>
+        <a:schemeClr val="dk1">
+          <a:lumMod val="15000"/>
+          <a:lumOff val="85000"/>
+        </a:schemeClr>
+      </a:solidFill>
+    </cs:spPr>
+    <cs:defRPr sz="1197" kern="1200"/>
+    <cs:bodyPr rot="0" spcFirstLastPara="1" vertOverflow="clip" horzOverflow="clip" vert="horz" wrap="square" lIns="36576" tIns="18288" rIns="36576" bIns="18288" anchor="ctr" anchorCtr="1">
+      <a:spAutoFit/>
+    </cs:bodyPr>
+  </cs:dataLabelCallout>
+  <cs:dataPoint>
+    <cs:lnRef idx="0"/>
+    <cs:fillRef idx="0">
+      <cs:styleClr val="auto"/>
+    </cs:fillRef>
+    <cs:effectRef idx="0"/>
+    <cs:fontRef idx="minor">
+      <a:schemeClr val="dk1"/>
+    </cs:fontRef>
+    <cs:spPr>
+      <a:solidFill>
+        <a:schemeClr val="phClr"/>
+      </a:solidFill>
+    </cs:spPr>
+  </cs:dataPoint>
+  <cs:dataPoint3D>
+    <cs:lnRef idx="0"/>
+    <cs:fillRef idx="0">
+      <cs:styleClr val="auto"/>
+    </cs:fillRef>
+    <cs:effectRef idx="0"/>
+    <cs:fontRef idx="minor">
+      <a:schemeClr val="dk1"/>
+    </cs:fontRef>
+    <cs:spPr>
+      <a:solidFill>
+        <a:schemeClr val="phClr"/>
+      </a:solidFill>
+    </cs:spPr>
+  </cs:dataPoint3D>
+  <cs:dataPointLine>
+    <cs:lnRef idx="0">
+      <cs:styleClr val="auto"/>
+    </cs:lnRef>
+    <cs:fillRef idx="0"/>
+    <cs:effectRef idx="0"/>
+    <cs:fontRef idx="minor">
+      <a:schemeClr val="dk1"/>
+    </cs:fontRef>
+    <cs:spPr>
+      <a:ln w="38100" cap="rnd">
+        <a:solidFill>
+          <a:schemeClr val="phClr"/>
+        </a:solidFill>
+        <a:round/>
+      </a:ln>
+    </cs:spPr>
+  </cs:dataPointLine>
+  <cs:dataPointMarker>
+    <cs:lnRef idx="0"/>
+    <cs:fillRef idx="0">
+      <cs:styleClr val="auto"/>
+    </cs:fillRef>
+    <cs:effectRef idx="0"/>
+    <cs:fontRef idx="minor">
+      <a:schemeClr val="dk1"/>
+    </cs:fontRef>
+    <cs:spPr>
+      <a:solidFill>
+        <a:schemeClr val="phClr"/>
+      </a:solidFill>
+    </cs:spPr>
+  </cs:dataPointMarker>
+  <cs:dataPointMarkerLayout symbol="circle" size="8"/>
+  <cs:dataPointWireframe>
+    <cs:lnRef idx="0">
+      <cs:styleClr val="auto"/>
+    </cs:lnRef>
+    <cs:fillRef idx="0"/>
+    <cs:effectRef idx="0"/>
+    <cs:fontRef idx="minor">
+      <a:schemeClr val="dk1"/>
+    </cs:fontRef>
+    <cs:spPr>
+      <a:ln w="9525" cap="rnd">
+        <a:solidFill>
+          <a:schemeClr val="phClr"/>
+        </a:solidFill>
+        <a:round/>
+      </a:ln>
+    </cs:spPr>
+  </cs:dataPointWireframe>
+  <cs:dataTable>
+    <cs:lnRef idx="0"/>
+    <cs:fillRef idx="0"/>
+    <cs:effectRef idx="0"/>
+    <cs:fontRef idx="minor">
+      <a:schemeClr val="tx1">
+        <a:lumMod val="65000"/>
+        <a:lumOff val="35000"/>
+      </a:schemeClr>
+    </cs:fontRef>
+    <cs:spPr>
+      <a:ln w="9525">
+        <a:solidFill>
+          <a:schemeClr val="tx1">
+            <a:lumMod val="15000"/>
+            <a:lumOff val="85000"/>
+          </a:schemeClr>
+        </a:solidFill>
+      </a:ln>
+    </cs:spPr>
+    <cs:defRPr sz="1197" kern="1200"/>
+  </cs:dataTable>
+  <cs:downBar>
+    <cs:lnRef idx="0"/>
+    <cs:fillRef idx="0"/>
+    <cs:effectRef idx="0"/>
+    <cs:fontRef idx="minor">
+      <a:schemeClr val="dk1"/>
+    </cs:fontRef>
+    <cs:spPr>
+      <a:solidFill>
+        <a:schemeClr val="dk1">
+          <a:lumMod val="75000"/>
+          <a:lumOff val="25000"/>
+        </a:schemeClr>
+      </a:solidFill>
+      <a:ln w="9525">
+        <a:solidFill>
+          <a:schemeClr val="tx1">
+            <a:lumMod val="50000"/>
+            <a:lumOff val="50000"/>
+          </a:schemeClr>
+        </a:solidFill>
+      </a:ln>
+    </cs:spPr>
+  </cs:downBar>
+  <cs:dropLine>
+    <cs:lnRef idx="0"/>
+    <cs:fillRef idx="0"/>
+    <cs:effectRef idx="0"/>
+    <cs:fontRef idx="minor">
+      <a:schemeClr val="dk1"/>
+    </cs:fontRef>
+    <cs:spPr>
+      <a:ln w="9525">
+        <a:solidFill>
+          <a:schemeClr val="tx1">
+            <a:lumMod val="50000"/>
+            <a:lumOff val="50000"/>
+          </a:schemeClr>
+        </a:solidFill>
+        <a:prstDash val="dash"/>
+      </a:ln>
+    </cs:spPr>
+  </cs:dropLine>
+  <cs:errorBar>
+    <cs:lnRef idx="0"/>
+    <cs:fillRef idx="0"/>
+    <cs:effectRef idx="0"/>
+    <cs:fontRef idx="minor">
+      <a:schemeClr val="dk1"/>
+    </cs:fontRef>
+    <cs:spPr>
+      <a:ln w="9525">
+        <a:solidFill>
+          <a:schemeClr val="tx1">
+            <a:lumMod val="50000"/>
+            <a:lumOff val="50000"/>
+          </a:schemeClr>
+        </a:solidFill>
+        <a:round/>
+      </a:ln>
+    </cs:spPr>
+  </cs:errorBar>
+  <cs:floor>
+    <cs:lnRef idx="0"/>
+    <cs:fillRef idx="0"/>
+    <cs:effectRef idx="0"/>
+    <cs:fontRef idx="minor">
+      <a:schemeClr val="dk1"/>
+    </cs:fontRef>
+  </cs:floor>
+  <cs:gridlineMajor>
+    <cs:lnRef idx="0"/>
+    <cs:fillRef idx="0"/>
+    <cs:effectRef idx="0"/>
+    <cs:fontRef idx="minor">
+      <a:schemeClr val="dk1"/>
+    </cs:fontRef>
+    <cs:spPr>
+      <a:ln w="9525" cap="flat" cmpd="sng" algn="ctr">
+        <a:solidFill>
+          <a:schemeClr val="tx1">
+            <a:lumMod val="15000"/>
+            <a:lumOff val="85000"/>
+          </a:schemeClr>
+        </a:solidFill>
+        <a:round/>
+      </a:ln>
+    </cs:spPr>
+  </cs:gridlineMajor>
+  <cs:gridlineMinor>
+    <cs:lnRef idx="0"/>
+    <cs:fillRef idx="0"/>
+    <cs:effectRef idx="0"/>
+    <cs:fontRef idx="minor">
+      <a:schemeClr val="dk1"/>
+    </cs:fontRef>
+    <cs:spPr>
+      <a:ln w="9525" cap="flat" cmpd="sng" algn="ctr">
+        <a:solidFill>
+          <a:schemeClr val="tx1">
+            <a:lumMod val="5000"/>
+            <a:lumOff val="95000"/>
+          </a:schemeClr>
+        </a:solidFill>
+        <a:round/>
+      </a:ln>
+    </cs:spPr>
+  </cs:gridlineMinor>
+  <cs:hiLoLine>
+    <cs:lnRef idx="0"/>
+    <cs:fillRef idx="0"/>
+    <cs:effectRef idx="0"/>
+    <cs:fontRef idx="minor">
+      <a:schemeClr val="dk1"/>
+    </cs:fontRef>
+    <cs:spPr>
+      <a:ln w="9525">
+        <a:solidFill>
+          <a:schemeClr val="tx1">
+            <a:lumMod val="50000"/>
+            <a:lumOff val="50000"/>
+          </a:schemeClr>
+        </a:solidFill>
+        <a:prstDash val="dash"/>
+      </a:ln>
+    </cs:spPr>
+  </cs:hiLoLine>
+  <cs:leaderLine>
+    <cs:lnRef idx="0"/>
+    <cs:fillRef idx="0"/>
+    <cs:effectRef idx="0"/>
+    <cs:fontRef idx="minor">
+      <a:schemeClr val="dk1"/>
+    </cs:fontRef>
+    <cs:spPr>
+      <a:ln w="9525">
+        <a:solidFill>
+          <a:schemeClr val="tx1">
+            <a:lumMod val="35000"/>
+            <a:lumOff val="65000"/>
+          </a:schemeClr>
+        </a:solidFill>
+      </a:ln>
+    </cs:spPr>
+  </cs:leaderLine>
+  <cs:legend>
+    <cs:lnRef idx="0"/>
+    <cs:fillRef idx="0"/>
+    <cs:effectRef idx="0"/>
+    <cs:fontRef idx="minor">
+      <a:schemeClr val="tx1">
+        <a:lumMod val="65000"/>
+        <a:lumOff val="35000"/>
+      </a:schemeClr>
+    </cs:fontRef>
+    <cs:defRPr sz="1197" kern="1200"/>
+  </cs:legend>
+  <cs:plotArea mods="allowNoFillOverride allowNoLineOverride">
+    <cs:lnRef idx="0"/>
+    <cs:fillRef idx="0"/>
+    <cs:effectRef idx="0"/>
+    <cs:fontRef idx="minor">
+      <a:schemeClr val="dk1"/>
+    </cs:fontRef>
+  </cs:plotArea>
+  <cs:plotArea3D mods="allowNoFillOverride allowNoLineOverride">
+    <cs:lnRef idx="0"/>
+    <cs:fillRef idx="0"/>
+    <cs:effectRef idx="0"/>
+    <cs:fontRef idx="minor">
+      <a:schemeClr val="dk1"/>
+    </cs:fontRef>
+  </cs:plotArea3D>
+  <cs:seriesAxis>
+    <cs:lnRef idx="0"/>
+    <cs:fillRef idx="0"/>
+    <cs:effectRef idx="0"/>
+    <cs:fontRef idx="minor">
+      <a:schemeClr val="tx1">
+        <a:lumMod val="65000"/>
+        <a:lumOff val="35000"/>
+      </a:schemeClr>
+    </cs:fontRef>
+    <cs:spPr>
+      <a:ln w="9525" cap="flat" cmpd="sng" algn="ctr">
+        <a:solidFill>
+          <a:schemeClr val="tx1">
+            <a:lumMod val="15000"/>
+            <a:lumOff val="85000"/>
+          </a:schemeClr>
+        </a:solidFill>
+        <a:round/>
+      </a:ln>
+    </cs:spPr>
+    <cs:defRPr sz="1197" kern="1200"/>
+  </cs:seriesAxis>
+  <cs:seriesLine>
+    <cs:lnRef idx="0"/>
+    <cs:fillRef idx="0"/>
+    <cs:effectRef idx="0"/>
+    <cs:fontRef idx="minor">
+      <a:schemeClr val="dk1"/>
+    </cs:fontRef>
+    <cs:spPr>
+      <a:ln w="9525">
+        <a:solidFill>
+          <a:schemeClr val="tx1">
+            <a:lumMod val="35000"/>
+            <a:lumOff val="65000"/>
+          </a:schemeClr>
+        </a:solidFill>
+        <a:round/>
+      </a:ln>
+    </cs:spPr>
+  </cs:seriesLine>
+  <cs:title>
+    <cs:lnRef idx="0"/>
+    <cs:fillRef idx="0"/>
+    <cs:effectRef idx="0"/>
+    <cs:fontRef idx="major">
+      <a:schemeClr val="tx1">
+        <a:lumMod val="65000"/>
+        <a:lumOff val="35000"/>
+      </a:schemeClr>
+    </cs:fontRef>
+    <cs:defRPr sz="2200" b="0" kern="1200" cap="none" spc="0" normalizeH="0" baseline="0"/>
+  </cs:title>
+  <cs:trendline>
+    <cs:lnRef idx="0">
+      <cs:styleClr val="auto"/>
+    </cs:lnRef>
+    <cs:fillRef idx="0"/>
+    <cs:effectRef idx="0"/>
+    <cs:fontRef idx="minor">
+      <a:schemeClr val="dk1"/>
+    </cs:fontRef>
+    <cs:spPr>
+      <a:ln w="19050" cap="rnd">
+        <a:solidFill>
+          <a:schemeClr val="phClr"/>
+        </a:solidFill>
+        <a:round/>
+      </a:ln>
+    </cs:spPr>
+  </cs:trendline>
+  <cs:trendlineLabel>
+    <cs:lnRef idx="0"/>
+    <cs:fillRef idx="0"/>
+    <cs:effectRef idx="0"/>
+    <cs:fontRef idx="minor">
+      <a:schemeClr val="tx1">
+        <a:lumMod val="65000"/>
+        <a:lumOff val="35000"/>
+      </a:schemeClr>
+    </cs:fontRef>
+    <cs:defRPr sz="1197" kern="1200"/>
+  </cs:trendlineLabel>
+  <cs:upBar>
+    <cs:lnRef idx="0"/>
+    <cs:fillRef idx="0"/>
+    <cs:effectRef idx="0"/>
+    <cs:fontRef idx="minor">
+      <a:schemeClr val="dk1"/>
+    </cs:fontRef>
+    <cs:spPr>
+      <a:solidFill>
+        <a:schemeClr val="lt1"/>
+      </a:solidFill>
+      <a:ln w="9525">
+        <a:solidFill>
+          <a:schemeClr val="tx1">
+            <a:lumMod val="50000"/>
+            <a:lumOff val="50000"/>
+          </a:schemeClr>
+        </a:solidFill>
+      </a:ln>
+    </cs:spPr>
+  </cs:upBar>
+  <cs:valueAxis>
+    <cs:lnRef idx="0"/>
+    <cs:fillRef idx="0"/>
+    <cs:effectRef idx="0"/>
+    <cs:fontRef idx="minor">
+      <a:schemeClr val="tx1">
+        <a:lumMod val="65000"/>
+        <a:lumOff val="35000"/>
+      </a:schemeClr>
+    </cs:fontRef>
+    <cs:defRPr sz="1197" kern="1200"/>
+  </cs:valueAxis>
+  <cs:wall>
+    <cs:lnRef idx="0"/>
+    <cs:fillRef idx="0"/>
+    <cs:effectRef idx="0"/>
+    <cs:fontRef idx="minor">
+      <a:schemeClr val="dk1"/>
+    </cs:fontRef>
+  </cs:wall>
+</cs:chartStyle>
+</file>
+
+<file path=ppt/charts/style3.xml><?xml version="1.0" encoding="utf-8"?>
+<cs:chartStyle xmlns:cs="http://schemas.microsoft.com/office/drawing/2012/chartStyle" xmlns:a="http://schemas.openxmlformats.org/drawingml/2006/main" id="235">
+  <cs:axisTitle>
+    <cs:lnRef idx="0"/>
+    <cs:fillRef idx="0"/>
+    <cs:effectRef idx="0"/>
+    <cs:fontRef idx="minor">
+      <a:schemeClr val="tx1">
+        <a:lumMod val="65000"/>
+        <a:lumOff val="35000"/>
+      </a:schemeClr>
+    </cs:fontRef>
+    <cs:defRPr sz="1197" kern="1200" cap="all"/>
+  </cs:axisTitle>
+  <cs:categoryAxis>
+    <cs:lnRef idx="0"/>
+    <cs:fillRef idx="0"/>
+    <cs:effectRef idx="0"/>
+    <cs:fontRef idx="minor">
+      <a:schemeClr val="tx1">
+        <a:lumMod val="65000"/>
+        <a:lumOff val="35000"/>
+      </a:schemeClr>
+    </cs:fontRef>
+    <cs:spPr>
+      <a:ln w="9525" cap="flat" cmpd="sng" algn="ctr">
+        <a:solidFill>
+          <a:schemeClr val="tx1">
+            <a:lumMod val="15000"/>
+            <a:lumOff val="85000"/>
+          </a:schemeClr>
+        </a:solidFill>
+        <a:round/>
+      </a:ln>
+    </cs:spPr>
+    <cs:defRPr sz="1197" b="0" kern="1200" cap="none" spc="0" normalizeH="0" baseline="0"/>
+  </cs:categoryAxis>
+  <cs:chartArea mods="allowNoFillOverride allowNoLineOverride">
+    <cs:lnRef idx="0"/>
+    <cs:fillRef idx="0"/>
+    <cs:effectRef idx="0"/>
+    <cs:fontRef idx="minor">
+      <a:schemeClr val="dk1"/>
+    </cs:fontRef>
+    <cs:spPr>
+      <a:solidFill>
+        <a:schemeClr val="bg1"/>
+      </a:solidFill>
+      <a:ln w="9525" cap="flat" cmpd="sng" algn="ctr">
+        <a:solidFill>
+          <a:schemeClr val="tx1">
+            <a:lumMod val="15000"/>
+            <a:lumOff val="85000"/>
+          </a:schemeClr>
+        </a:solidFill>
+        <a:round/>
+      </a:ln>
+    </cs:spPr>
+    <cs:defRPr sz="1197" kern="1200"/>
+  </cs:chartArea>
+  <cs:dataLabel>
+    <cs:lnRef idx="0"/>
+    <cs:fillRef idx="0"/>
+    <cs:effectRef idx="0"/>
+    <cs:fontRef idx="minor">
+      <a:schemeClr val="tx1">
+        <a:lumMod val="75000"/>
+        <a:lumOff val="25000"/>
+      </a:schemeClr>
+    </cs:fontRef>
+    <cs:defRPr sz="1197" kern="1200"/>
+  </cs:dataLabel>
+  <cs:dataLabelCallout>
+    <cs:lnRef idx="0"/>
+    <cs:fillRef idx="0"/>
+    <cs:effectRef idx="0"/>
+    <cs:fontRef idx="minor">
+      <a:schemeClr val="dk1">
+        <a:lumMod val="75000"/>
+        <a:lumOff val="25000"/>
+      </a:schemeClr>
+    </cs:fontRef>
+    <cs:spPr>
+      <a:solidFill>
+        <a:schemeClr val="dk1">
+          <a:lumMod val="15000"/>
+          <a:lumOff val="85000"/>
+        </a:schemeClr>
+      </a:solidFill>
+    </cs:spPr>
+    <cs:defRPr sz="1197" kern="1200"/>
+    <cs:bodyPr rot="0" spcFirstLastPara="1" vertOverflow="clip" horzOverflow="clip" vert="horz" wrap="square" lIns="36576" tIns="18288" rIns="36576" bIns="18288" anchor="ctr" anchorCtr="1">
+      <a:spAutoFit/>
+    </cs:bodyPr>
+  </cs:dataLabelCallout>
+  <cs:dataPoint>
+    <cs:lnRef idx="0"/>
+    <cs:fillRef idx="0">
+      <cs:styleClr val="auto"/>
+    </cs:fillRef>
+    <cs:effectRef idx="0"/>
+    <cs:fontRef idx="minor">
+      <a:schemeClr val="dk1"/>
+    </cs:fontRef>
+    <cs:spPr>
+      <a:solidFill>
+        <a:schemeClr val="phClr"/>
+      </a:solidFill>
+    </cs:spPr>
+  </cs:dataPoint>
+  <cs:dataPoint3D>
+    <cs:lnRef idx="0"/>
+    <cs:fillRef idx="0">
+      <cs:styleClr val="auto"/>
+    </cs:fillRef>
+    <cs:effectRef idx="0"/>
+    <cs:fontRef idx="minor">
+      <a:schemeClr val="dk1"/>
+    </cs:fontRef>
+    <cs:spPr>
+      <a:solidFill>
+        <a:schemeClr val="phClr"/>
+      </a:solidFill>
+    </cs:spPr>
+  </cs:dataPoint3D>
+  <cs:dataPointLine>
+    <cs:lnRef idx="0">
+      <cs:styleClr val="auto"/>
+    </cs:lnRef>
+    <cs:fillRef idx="0"/>
+    <cs:effectRef idx="0"/>
+    <cs:fontRef idx="minor">
+      <a:schemeClr val="dk1"/>
+    </cs:fontRef>
+    <cs:spPr>
+      <a:ln w="38100" cap="rnd">
+        <a:solidFill>
+          <a:schemeClr val="phClr"/>
+        </a:solidFill>
+        <a:round/>
+      </a:ln>
+    </cs:spPr>
+  </cs:dataPointLine>
+  <cs:dataPointMarker>
+    <cs:lnRef idx="0"/>
+    <cs:fillRef idx="0">
+      <cs:styleClr val="auto"/>
+    </cs:fillRef>
+    <cs:effectRef idx="0"/>
+    <cs:fontRef idx="minor">
+      <a:schemeClr val="dk1"/>
+    </cs:fontRef>
+    <cs:spPr>
+      <a:solidFill>
+        <a:schemeClr val="phClr"/>
+      </a:solidFill>
+    </cs:spPr>
+  </cs:dataPointMarker>
+  <cs:dataPointMarkerLayout symbol="circle" size="8"/>
+  <cs:dataPointWireframe>
+    <cs:lnRef idx="0">
+      <cs:styleClr val="auto"/>
+    </cs:lnRef>
+    <cs:fillRef idx="0"/>
+    <cs:effectRef idx="0"/>
+    <cs:fontRef idx="minor">
+      <a:schemeClr val="dk1"/>
+    </cs:fontRef>
+    <cs:spPr>
+      <a:ln w="9525" cap="rnd">
+        <a:solidFill>
+          <a:schemeClr val="phClr"/>
+        </a:solidFill>
+        <a:round/>
+      </a:ln>
+    </cs:spPr>
+  </cs:dataPointWireframe>
+  <cs:dataTable>
+    <cs:lnRef idx="0"/>
+    <cs:fillRef idx="0"/>
+    <cs:effectRef idx="0"/>
+    <cs:fontRef idx="minor">
+      <a:schemeClr val="tx1">
+        <a:lumMod val="65000"/>
+        <a:lumOff val="35000"/>
+      </a:schemeClr>
+    </cs:fontRef>
+    <cs:spPr>
+      <a:ln w="9525">
+        <a:solidFill>
+          <a:schemeClr val="tx1">
+            <a:lumMod val="15000"/>
+            <a:lumOff val="85000"/>
+          </a:schemeClr>
+        </a:solidFill>
+      </a:ln>
+    </cs:spPr>
+    <cs:defRPr sz="1197" kern="1200"/>
+  </cs:dataTable>
+  <cs:downBar>
+    <cs:lnRef idx="0"/>
+    <cs:fillRef idx="0"/>
+    <cs:effectRef idx="0"/>
+    <cs:fontRef idx="minor">
+      <a:schemeClr val="dk1"/>
+    </cs:fontRef>
+    <cs:spPr>
+      <a:solidFill>
+        <a:schemeClr val="dk1">
+          <a:lumMod val="75000"/>
+          <a:lumOff val="25000"/>
+        </a:schemeClr>
+      </a:solidFill>
+      <a:ln w="9525">
+        <a:solidFill>
+          <a:schemeClr val="tx1">
+            <a:lumMod val="50000"/>
+            <a:lumOff val="50000"/>
+          </a:schemeClr>
+        </a:solidFill>
+      </a:ln>
+    </cs:spPr>
+  </cs:downBar>
+  <cs:dropLine>
+    <cs:lnRef idx="0"/>
+    <cs:fillRef idx="0"/>
+    <cs:effectRef idx="0"/>
+    <cs:fontRef idx="minor">
+      <a:schemeClr val="dk1"/>
+    </cs:fontRef>
+    <cs:spPr>
+      <a:ln w="9525">
+        <a:solidFill>
+          <a:schemeClr val="tx1">
+            <a:lumMod val="50000"/>
+            <a:lumOff val="50000"/>
+          </a:schemeClr>
+        </a:solidFill>
+        <a:prstDash val="dash"/>
+      </a:ln>
+    </cs:spPr>
+  </cs:dropLine>
+  <cs:errorBar>
+    <cs:lnRef idx="0"/>
+    <cs:fillRef idx="0"/>
+    <cs:effectRef idx="0"/>
+    <cs:fontRef idx="minor">
+      <a:schemeClr val="dk1"/>
+    </cs:fontRef>
+    <cs:spPr>
+      <a:ln w="9525">
+        <a:solidFill>
+          <a:schemeClr val="tx1">
+            <a:lumMod val="50000"/>
+            <a:lumOff val="50000"/>
+          </a:schemeClr>
+        </a:solidFill>
+        <a:round/>
+      </a:ln>
+    </cs:spPr>
+  </cs:errorBar>
+  <cs:floor>
+    <cs:lnRef idx="0"/>
+    <cs:fillRef idx="0"/>
+    <cs:effectRef idx="0"/>
+    <cs:fontRef idx="minor">
+      <a:schemeClr val="dk1"/>
+    </cs:fontRef>
+  </cs:floor>
+  <cs:gridlineMajor>
+    <cs:lnRef idx="0"/>
+    <cs:fillRef idx="0"/>
+    <cs:effectRef idx="0"/>
+    <cs:fontRef idx="minor">
+      <a:schemeClr val="dk1"/>
+    </cs:fontRef>
+    <cs:spPr>
+      <a:ln w="9525" cap="flat" cmpd="sng" algn="ctr">
+        <a:solidFill>
+          <a:schemeClr val="tx1">
+            <a:lumMod val="15000"/>
+            <a:lumOff val="85000"/>
+          </a:schemeClr>
+        </a:solidFill>
+        <a:round/>
+      </a:ln>
+    </cs:spPr>
+  </cs:gridlineMajor>
+  <cs:gridlineMinor>
+    <cs:lnRef idx="0"/>
+    <cs:fillRef idx="0"/>
+    <cs:effectRef idx="0"/>
+    <cs:fontRef idx="minor">
+      <a:schemeClr val="dk1"/>
+    </cs:fontRef>
+    <cs:spPr>
+      <a:ln w="9525" cap="flat" cmpd="sng" algn="ctr">
+        <a:solidFill>
+          <a:schemeClr val="tx1">
+            <a:lumMod val="5000"/>
+            <a:lumOff val="95000"/>
+          </a:schemeClr>
+        </a:solidFill>
+        <a:round/>
+      </a:ln>
+    </cs:spPr>
+  </cs:gridlineMinor>
+  <cs:hiLoLine>
+    <cs:lnRef idx="0"/>
+    <cs:fillRef idx="0"/>
+    <cs:effectRef idx="0"/>
+    <cs:fontRef idx="minor">
+      <a:schemeClr val="dk1"/>
+    </cs:fontRef>
+    <cs:spPr>
+      <a:ln w="9525">
+        <a:solidFill>
+          <a:schemeClr val="tx1">
+            <a:lumMod val="50000"/>
+            <a:lumOff val="50000"/>
+          </a:schemeClr>
+        </a:solidFill>
+        <a:prstDash val="dash"/>
+      </a:ln>
+    </cs:spPr>
+  </cs:hiLoLine>
+  <cs:leaderLine>
+    <cs:lnRef idx="0"/>
+    <cs:fillRef idx="0"/>
+    <cs:effectRef idx="0"/>
+    <cs:fontRef idx="minor">
+      <a:schemeClr val="dk1"/>
+    </cs:fontRef>
+    <cs:spPr>
+      <a:ln w="9525">
+        <a:solidFill>
+          <a:schemeClr val="tx1">
+            <a:lumMod val="35000"/>
+            <a:lumOff val="65000"/>
+          </a:schemeClr>
+        </a:solidFill>
+      </a:ln>
+    </cs:spPr>
+  </cs:leaderLine>
+  <cs:legend>
+    <cs:lnRef idx="0"/>
+    <cs:fillRef idx="0"/>
+    <cs:effectRef idx="0"/>
+    <cs:fontRef idx="minor">
+      <a:schemeClr val="tx1">
+        <a:lumMod val="65000"/>
+        <a:lumOff val="35000"/>
+      </a:schemeClr>
+    </cs:fontRef>
+    <cs:defRPr sz="1197" kern="1200"/>
+  </cs:legend>
+  <cs:plotArea mods="allowNoFillOverride allowNoLineOverride">
+    <cs:lnRef idx="0"/>
+    <cs:fillRef idx="0"/>
+    <cs:effectRef idx="0"/>
+    <cs:fontRef idx="minor">
+      <a:schemeClr val="dk1"/>
+    </cs:fontRef>
+  </cs:plotArea>
+  <cs:plotArea3D mods="allowNoFillOverride allowNoLineOverride">
+    <cs:lnRef idx="0"/>
+    <cs:fillRef idx="0"/>
+    <cs:effectRef idx="0"/>
+    <cs:fontRef idx="minor">
+      <a:schemeClr val="dk1"/>
+    </cs:fontRef>
+  </cs:plotArea3D>
+  <cs:seriesAxis>
+    <cs:lnRef idx="0"/>
+    <cs:fillRef idx="0"/>
+    <cs:effectRef idx="0"/>
+    <cs:fontRef idx="minor">
+      <a:schemeClr val="tx1">
+        <a:lumMod val="65000"/>
+        <a:lumOff val="35000"/>
+      </a:schemeClr>
+    </cs:fontRef>
+    <cs:spPr>
+      <a:ln w="9525" cap="flat" cmpd="sng" algn="ctr">
+        <a:solidFill>
+          <a:schemeClr val="tx1">
+            <a:lumMod val="15000"/>
+            <a:lumOff val="85000"/>
+          </a:schemeClr>
+        </a:solidFill>
+        <a:round/>
+      </a:ln>
+    </cs:spPr>
+    <cs:defRPr sz="1197" kern="1200"/>
+  </cs:seriesAxis>
+  <cs:seriesLine>
+    <cs:lnRef idx="0"/>
+    <cs:fillRef idx="0"/>
+    <cs:effectRef idx="0"/>
+    <cs:fontRef idx="minor">
+      <a:schemeClr val="dk1"/>
+    </cs:fontRef>
+    <cs:spPr>
+      <a:ln w="9525">
+        <a:solidFill>
+          <a:schemeClr val="tx1">
+            <a:lumMod val="35000"/>
+            <a:lumOff val="65000"/>
+          </a:schemeClr>
+        </a:solidFill>
+        <a:round/>
+      </a:ln>
+    </cs:spPr>
+  </cs:seriesLine>
+  <cs:title>
+    <cs:lnRef idx="0"/>
+    <cs:fillRef idx="0"/>
+    <cs:effectRef idx="0"/>
+    <cs:fontRef idx="major">
+      <a:schemeClr val="tx1">
+        <a:lumMod val="65000"/>
+        <a:lumOff val="35000"/>
+      </a:schemeClr>
+    </cs:fontRef>
+    <cs:defRPr sz="2200" b="0" kern="1200" cap="none" spc="0" normalizeH="0" baseline="0"/>
+  </cs:title>
+  <cs:trendline>
+    <cs:lnRef idx="0">
+      <cs:styleClr val="auto"/>
+    </cs:lnRef>
+    <cs:fillRef idx="0"/>
+    <cs:effectRef idx="0"/>
+    <cs:fontRef idx="minor">
+      <a:schemeClr val="dk1"/>
+    </cs:fontRef>
+    <cs:spPr>
+      <a:ln w="19050" cap="rnd">
+        <a:solidFill>
+          <a:schemeClr val="phClr"/>
+        </a:solidFill>
+        <a:round/>
+      </a:ln>
+    </cs:spPr>
+  </cs:trendline>
+  <cs:trendlineLabel>
+    <cs:lnRef idx="0"/>
+    <cs:fillRef idx="0"/>
+    <cs:effectRef idx="0"/>
+    <cs:fontRef idx="minor">
+      <a:schemeClr val="tx1">
+        <a:lumMod val="65000"/>
+        <a:lumOff val="35000"/>
+      </a:schemeClr>
+    </cs:fontRef>
+    <cs:defRPr sz="1197" kern="1200"/>
+  </cs:trendlineLabel>
+  <cs:upBar>
+    <cs:lnRef idx="0"/>
+    <cs:fillRef idx="0"/>
+    <cs:effectRef idx="0"/>
+    <cs:fontRef idx="minor">
+      <a:schemeClr val="dk1"/>
+    </cs:fontRef>
+    <cs:spPr>
+      <a:solidFill>
+        <a:schemeClr val="lt1"/>
+      </a:solidFill>
+      <a:ln w="9525">
+        <a:solidFill>
+          <a:schemeClr val="tx1">
+            <a:lumMod val="50000"/>
+            <a:lumOff val="50000"/>
+          </a:schemeClr>
+        </a:solidFill>
+      </a:ln>
+    </cs:spPr>
+  </cs:upBar>
+  <cs:valueAxis>
+    <cs:lnRef idx="0"/>
+    <cs:fillRef idx="0"/>
+    <cs:effectRef idx="0"/>
+    <cs:fontRef idx="minor">
+      <a:schemeClr val="tx1">
+        <a:lumMod val="65000"/>
+        <a:lumOff val="35000"/>
+      </a:schemeClr>
+    </cs:fontRef>
+    <cs:defRPr sz="1197" kern="1200"/>
+  </cs:valueAxis>
+  <cs:wall>
+    <cs:lnRef idx="0"/>
+    <cs:fillRef idx="0"/>
+    <cs:effectRef idx="0"/>
+    <cs:fontRef idx="minor">
+      <a:schemeClr val="dk1"/>
+    </cs:fontRef>
+  </cs:wall>
+</cs:chartStyle>
+</file>
+
+<file path=ppt/charts/style4.xml><?xml version="1.0" encoding="utf-8"?>
+<cs:chartStyle xmlns:cs="http://schemas.microsoft.com/office/drawing/2012/chartStyle" xmlns:a="http://schemas.openxmlformats.org/drawingml/2006/main" id="235">
+  <cs:axisTitle>
+    <cs:lnRef idx="0"/>
+    <cs:fillRef idx="0"/>
+    <cs:effectRef idx="0"/>
+    <cs:fontRef idx="minor">
+      <a:schemeClr val="tx1">
+        <a:lumMod val="65000"/>
+        <a:lumOff val="35000"/>
+      </a:schemeClr>
+    </cs:fontRef>
+    <cs:defRPr sz="1197" kern="1200" cap="all"/>
+  </cs:axisTitle>
+  <cs:categoryAxis>
+    <cs:lnRef idx="0"/>
+    <cs:fillRef idx="0"/>
+    <cs:effectRef idx="0"/>
+    <cs:fontRef idx="minor">
+      <a:schemeClr val="tx1">
+        <a:lumMod val="65000"/>
+        <a:lumOff val="35000"/>
+      </a:schemeClr>
+    </cs:fontRef>
+    <cs:spPr>
+      <a:ln w="9525" cap="flat" cmpd="sng" algn="ctr">
+        <a:solidFill>
+          <a:schemeClr val="tx1">
+            <a:lumMod val="15000"/>
+            <a:lumOff val="85000"/>
+          </a:schemeClr>
+        </a:solidFill>
+        <a:round/>
+      </a:ln>
+    </cs:spPr>
+    <cs:defRPr sz="1197" b="0" kern="1200" cap="none" spc="0" normalizeH="0" baseline="0"/>
+  </cs:categoryAxis>
+  <cs:chartArea mods="allowNoFillOverride allowNoLineOverride">
+    <cs:lnRef idx="0"/>
+    <cs:fillRef idx="0"/>
+    <cs:effectRef idx="0"/>
+    <cs:fontRef idx="minor">
+      <a:schemeClr val="dk1"/>
+    </cs:fontRef>
+    <cs:spPr>
+      <a:solidFill>
+        <a:schemeClr val="bg1"/>
+      </a:solidFill>
+      <a:ln w="9525" cap="flat" cmpd="sng" algn="ctr">
+        <a:solidFill>
+          <a:schemeClr val="tx1">
+            <a:lumMod val="15000"/>
+            <a:lumOff val="85000"/>
+          </a:schemeClr>
+        </a:solidFill>
+        <a:round/>
+      </a:ln>
+    </cs:spPr>
+    <cs:defRPr sz="1197" kern="1200"/>
+  </cs:chartArea>
+  <cs:dataLabel>
+    <cs:lnRef idx="0"/>
+    <cs:fillRef idx="0"/>
+    <cs:effectRef idx="0"/>
+    <cs:fontRef idx="minor">
+      <a:schemeClr val="tx1">
+        <a:lumMod val="75000"/>
+        <a:lumOff val="25000"/>
+      </a:schemeClr>
+    </cs:fontRef>
+    <cs:defRPr sz="1197" kern="1200"/>
+  </cs:dataLabel>
+  <cs:dataLabelCallout>
+    <cs:lnRef idx="0"/>
+    <cs:fillRef idx="0"/>
+    <cs:effectRef idx="0"/>
+    <cs:fontRef idx="minor">
+      <a:schemeClr val="dk1">
+        <a:lumMod val="75000"/>
+        <a:lumOff val="25000"/>
+      </a:schemeClr>
+    </cs:fontRef>
+    <cs:spPr>
+      <a:solidFill>
+        <a:schemeClr val="dk1">
+          <a:lumMod val="15000"/>
+          <a:lumOff val="85000"/>
+        </a:schemeClr>
+      </a:solidFill>
+    </cs:spPr>
+    <cs:defRPr sz="1197" kern="1200"/>
+    <cs:bodyPr rot="0" spcFirstLastPara="1" vertOverflow="clip" horzOverflow="clip" vert="horz" wrap="square" lIns="36576" tIns="18288" rIns="36576" bIns="18288" anchor="ctr" anchorCtr="1">
+      <a:spAutoFit/>
+    </cs:bodyPr>
+  </cs:dataLabelCallout>
+  <cs:dataPoint>
+    <cs:lnRef idx="0"/>
+    <cs:fillRef idx="0">
+      <cs:styleClr val="auto"/>
+    </cs:fillRef>
+    <cs:effectRef idx="0"/>
+    <cs:fontRef idx="minor">
+      <a:schemeClr val="dk1"/>
+    </cs:fontRef>
+    <cs:spPr>
+      <a:solidFill>
+        <a:schemeClr val="phClr"/>
+      </a:solidFill>
+    </cs:spPr>
+  </cs:dataPoint>
+  <cs:dataPoint3D>
+    <cs:lnRef idx="0"/>
+    <cs:fillRef idx="0">
+      <cs:styleClr val="auto"/>
+    </cs:fillRef>
+    <cs:effectRef idx="0"/>
+    <cs:fontRef idx="minor">
+      <a:schemeClr val="dk1"/>
+    </cs:fontRef>
+    <cs:spPr>
+      <a:solidFill>
+        <a:schemeClr val="phClr"/>
+      </a:solidFill>
+    </cs:spPr>
+  </cs:dataPoint3D>
+  <cs:dataPointLine>
+    <cs:lnRef idx="0">
+      <cs:styleClr val="auto"/>
+    </cs:lnRef>
+    <cs:fillRef idx="0"/>
+    <cs:effectRef idx="0"/>
+    <cs:fontRef idx="minor">
+      <a:schemeClr val="dk1"/>
+    </cs:fontRef>
+    <cs:spPr>
+      <a:ln w="38100" cap="rnd">
+        <a:solidFill>
+          <a:schemeClr val="phClr"/>
+        </a:solidFill>
+        <a:round/>
+      </a:ln>
+    </cs:spPr>
+  </cs:dataPointLine>
+  <cs:dataPointMarker>
+    <cs:lnRef idx="0"/>
+    <cs:fillRef idx="0">
+      <cs:styleClr val="auto"/>
+    </cs:fillRef>
+    <cs:effectRef idx="0"/>
+    <cs:fontRef idx="minor">
+      <a:schemeClr val="dk1"/>
+    </cs:fontRef>
+    <cs:spPr>
+      <a:solidFill>
+        <a:schemeClr val="phClr"/>
+      </a:solidFill>
+    </cs:spPr>
+  </cs:dataPointMarker>
+  <cs:dataPointMarkerLayout symbol="circle" size="8"/>
+  <cs:dataPointWireframe>
+    <cs:lnRef idx="0">
+      <cs:styleClr val="auto"/>
+    </cs:lnRef>
+    <cs:fillRef idx="0"/>
+    <cs:effectRef idx="0"/>
+    <cs:fontRef idx="minor">
+      <a:schemeClr val="dk1"/>
+    </cs:fontRef>
+    <cs:spPr>
+      <a:ln w="9525" cap="rnd">
+        <a:solidFill>
+          <a:schemeClr val="phClr"/>
+        </a:solidFill>
+        <a:round/>
+      </a:ln>
+    </cs:spPr>
+  </cs:dataPointWireframe>
+  <cs:dataTable>
+    <cs:lnRef idx="0"/>
+    <cs:fillRef idx="0"/>
+    <cs:effectRef idx="0"/>
+    <cs:fontRef idx="minor">
+      <a:schemeClr val="tx1">
+        <a:lumMod val="65000"/>
+        <a:lumOff val="35000"/>
+      </a:schemeClr>
+    </cs:fontRef>
+    <cs:spPr>
+      <a:ln w="9525">
+        <a:solidFill>
+          <a:schemeClr val="tx1">
+            <a:lumMod val="15000"/>
+            <a:lumOff val="85000"/>
+          </a:schemeClr>
+        </a:solidFill>
+      </a:ln>
+    </cs:spPr>
+    <cs:defRPr sz="1197" kern="1200"/>
+  </cs:dataTable>
+  <cs:downBar>
+    <cs:lnRef idx="0"/>
+    <cs:fillRef idx="0"/>
+    <cs:effectRef idx="0"/>
+    <cs:fontRef idx="minor">
+      <a:schemeClr val="dk1"/>
+    </cs:fontRef>
+    <cs:spPr>
+      <a:solidFill>
+        <a:schemeClr val="dk1">
+          <a:lumMod val="75000"/>
+          <a:lumOff val="25000"/>
+        </a:schemeClr>
+      </a:solidFill>
+      <a:ln w="9525">
+        <a:solidFill>
+          <a:schemeClr val="tx1">
+            <a:lumMod val="50000"/>
+            <a:lumOff val="50000"/>
+          </a:schemeClr>
+        </a:solidFill>
+      </a:ln>
+    </cs:spPr>
+  </cs:downBar>
+  <cs:dropLine>
+    <cs:lnRef idx="0"/>
+    <cs:fillRef idx="0"/>
+    <cs:effectRef idx="0"/>
+    <cs:fontRef idx="minor">
+      <a:schemeClr val="dk1"/>
+    </cs:fontRef>
+    <cs:spPr>
+      <a:ln w="9525">
+        <a:solidFill>
+          <a:schemeClr val="tx1">
+            <a:lumMod val="50000"/>
+            <a:lumOff val="50000"/>
+          </a:schemeClr>
+        </a:solidFill>
+        <a:prstDash val="dash"/>
+      </a:ln>
+    </cs:spPr>
+  </cs:dropLine>
+  <cs:errorBar>
+    <cs:lnRef idx="0"/>
+    <cs:fillRef idx="0"/>
+    <cs:effectRef idx="0"/>
+    <cs:fontRef idx="minor">
+      <a:schemeClr val="dk1"/>
+    </cs:fontRef>
+    <cs:spPr>
+      <a:ln w="9525">
+        <a:solidFill>
+          <a:schemeClr val="tx1">
+            <a:lumMod val="50000"/>
+            <a:lumOff val="50000"/>
+          </a:schemeClr>
+        </a:solidFill>
+        <a:round/>
+      </a:ln>
+    </cs:spPr>
+  </cs:errorBar>
+  <cs:floor>
+    <cs:lnRef idx="0"/>
+    <cs:fillRef idx="0"/>
+    <cs:effectRef idx="0"/>
+    <cs:fontRef idx="minor">
+      <a:schemeClr val="dk1"/>
+    </cs:fontRef>
+  </cs:floor>
+  <cs:gridlineMajor>
+    <cs:lnRef idx="0"/>
+    <cs:fillRef idx="0"/>
+    <cs:effectRef idx="0"/>
+    <cs:fontRef idx="minor">
+      <a:schemeClr val="dk1"/>
+    </cs:fontRef>
+    <cs:spPr>
+      <a:ln w="9525" cap="flat" cmpd="sng" algn="ctr">
+        <a:solidFill>
+          <a:schemeClr val="tx1">
+            <a:lumMod val="15000"/>
+            <a:lumOff val="85000"/>
+          </a:schemeClr>
+        </a:solidFill>
+        <a:round/>
+      </a:ln>
+    </cs:spPr>
+  </cs:gridlineMajor>
+  <cs:gridlineMinor>
+    <cs:lnRef idx="0"/>
+    <cs:fillRef idx="0"/>
+    <cs:effectRef idx="0"/>
+    <cs:fontRef idx="minor">
+      <a:schemeClr val="dk1"/>
+    </cs:fontRef>
+    <cs:spPr>
+      <a:ln w="9525" cap="flat" cmpd="sng" algn="ctr">
+        <a:solidFill>
+          <a:schemeClr val="tx1">
+            <a:lumMod val="5000"/>
+            <a:lumOff val="95000"/>
+          </a:schemeClr>
+        </a:solidFill>
+        <a:round/>
+      </a:ln>
+    </cs:spPr>
+  </cs:gridlineMinor>
+  <cs:hiLoLine>
+    <cs:lnRef idx="0"/>
+    <cs:fillRef idx="0"/>
+    <cs:effectRef idx="0"/>
+    <cs:fontRef idx="minor">
+      <a:schemeClr val="dk1"/>
+    </cs:fontRef>
+    <cs:spPr>
+      <a:ln w="9525">
+        <a:solidFill>
+          <a:schemeClr val="tx1">
+            <a:lumMod val="50000"/>
+            <a:lumOff val="50000"/>
+          </a:schemeClr>
+        </a:solidFill>
+        <a:prstDash val="dash"/>
+      </a:ln>
+    </cs:spPr>
+  </cs:hiLoLine>
+  <cs:leaderLine>
+    <cs:lnRef idx="0"/>
+    <cs:fillRef idx="0"/>
+    <cs:effectRef idx="0"/>
+    <cs:fontRef idx="minor">
+      <a:schemeClr val="dk1"/>
+    </cs:fontRef>
+    <cs:spPr>
+      <a:ln w="9525">
+        <a:solidFill>
+          <a:schemeClr val="tx1">
+            <a:lumMod val="35000"/>
+            <a:lumOff val="65000"/>
+          </a:schemeClr>
+        </a:solidFill>
+      </a:ln>
+    </cs:spPr>
+  </cs:leaderLine>
+  <cs:legend>
+    <cs:lnRef idx="0"/>
+    <cs:fillRef idx="0"/>
+    <cs:effectRef idx="0"/>
+    <cs:fontRef idx="minor">
+      <a:schemeClr val="tx1">
+        <a:lumMod val="65000"/>
+        <a:lumOff val="35000"/>
+      </a:schemeClr>
+    </cs:fontRef>
+    <cs:defRPr sz="1197" kern="1200"/>
+  </cs:legend>
+  <cs:plotArea mods="allowNoFillOverride allowNoLineOverride">
+    <cs:lnRef idx="0"/>
+    <cs:fillRef idx="0"/>
+    <cs:effectRef idx="0"/>
+    <cs:fontRef idx="minor">
+      <a:schemeClr val="dk1"/>
+    </cs:fontRef>
+  </cs:plotArea>
+  <cs:plotArea3D mods="allowNoFillOverride allowNoLineOverride">
+    <cs:lnRef idx="0"/>
+    <cs:fillRef idx="0"/>
+    <cs:effectRef idx="0"/>
+    <cs:fontRef idx="minor">
+      <a:schemeClr val="dk1"/>
+    </cs:fontRef>
+  </cs:plotArea3D>
+  <cs:seriesAxis>
+    <cs:lnRef idx="0"/>
+    <cs:fillRef idx="0"/>
+    <cs:effectRef idx="0"/>
+    <cs:fontRef idx="minor">
+      <a:schemeClr val="tx1">
+        <a:lumMod val="65000"/>
+        <a:lumOff val="35000"/>
+      </a:schemeClr>
+    </cs:fontRef>
+    <cs:spPr>
+      <a:ln w="9525" cap="flat" cmpd="sng" algn="ctr">
+        <a:solidFill>
+          <a:schemeClr val="tx1">
+            <a:lumMod val="15000"/>
+            <a:lumOff val="85000"/>
+          </a:schemeClr>
+        </a:solidFill>
+        <a:round/>
+      </a:ln>
+    </cs:spPr>
+    <cs:defRPr sz="1197" kern="1200"/>
+  </cs:seriesAxis>
+  <cs:seriesLine>
+    <cs:lnRef idx="0"/>
+    <cs:fillRef idx="0"/>
+    <cs:effectRef idx="0"/>
+    <cs:fontRef idx="minor">
+      <a:schemeClr val="dk1"/>
+    </cs:fontRef>
+    <cs:spPr>
+      <a:ln w="9525">
+        <a:solidFill>
+          <a:schemeClr val="tx1">
+            <a:lumMod val="35000"/>
+            <a:lumOff val="65000"/>
+          </a:schemeClr>
+        </a:solidFill>
+        <a:round/>
+      </a:ln>
+    </cs:spPr>
+  </cs:seriesLine>
+  <cs:title>
+    <cs:lnRef idx="0"/>
+    <cs:fillRef idx="0"/>
+    <cs:effectRef idx="0"/>
+    <cs:fontRef idx="major">
+      <a:schemeClr val="tx1">
+        <a:lumMod val="65000"/>
+        <a:lumOff val="35000"/>
+      </a:schemeClr>
+    </cs:fontRef>
+    <cs:defRPr sz="2200" b="0" kern="1200" cap="none" spc="0" normalizeH="0" baseline="0"/>
+  </cs:title>
+  <cs:trendline>
+    <cs:lnRef idx="0">
+      <cs:styleClr val="auto"/>
+    </cs:lnRef>
+    <cs:fillRef idx="0"/>
+    <cs:effectRef idx="0"/>
+    <cs:fontRef idx="minor">
+      <a:schemeClr val="dk1"/>
+    </cs:fontRef>
+    <cs:spPr>
+      <a:ln w="19050" cap="rnd">
+        <a:solidFill>
+          <a:schemeClr val="phClr"/>
+        </a:solidFill>
+        <a:round/>
+      </a:ln>
+    </cs:spPr>
+  </cs:trendline>
+  <cs:trendlineLabel>
+    <cs:lnRef idx="0"/>
+    <cs:fillRef idx="0"/>
+    <cs:effectRef idx="0"/>
+    <cs:fontRef idx="minor">
+      <a:schemeClr val="tx1">
+        <a:lumMod val="65000"/>
+        <a:lumOff val="35000"/>
+      </a:schemeClr>
+    </cs:fontRef>
+    <cs:defRPr sz="1197" kern="1200"/>
+  </cs:trendlineLabel>
+  <cs:upBar>
+    <cs:lnRef idx="0"/>
+    <cs:fillRef idx="0"/>
+    <cs:effectRef idx="0"/>
+    <cs:fontRef idx="minor">
+      <a:schemeClr val="dk1"/>
+    </cs:fontRef>
+    <cs:spPr>
+      <a:solidFill>
+        <a:schemeClr val="lt1"/>
+      </a:solidFill>
+      <a:ln w="9525">
+        <a:solidFill>
+          <a:schemeClr val="tx1">
+            <a:lumMod val="50000"/>
+            <a:lumOff val="50000"/>
+          </a:schemeClr>
+        </a:solidFill>
+      </a:ln>
+    </cs:spPr>
+  </cs:upBar>
+  <cs:valueAxis>
+    <cs:lnRef idx="0"/>
+    <cs:fillRef idx="0"/>
+    <cs:effectRef idx="0"/>
+    <cs:fontRef idx="minor">
+      <a:schemeClr val="tx1">
+        <a:lumMod val="65000"/>
+        <a:lumOff val="35000"/>
+      </a:schemeClr>
+    </cs:fontRef>
+    <cs:defRPr sz="1197" kern="1200"/>
+  </cs:valueAxis>
+  <cs:wall>
+    <cs:lnRef idx="0"/>
+    <cs:fillRef idx="0"/>
+    <cs:effectRef idx="0"/>
+    <cs:fontRef idx="minor">
+      <a:schemeClr val="dk1"/>
+    </cs:fontRef>
+  </cs:wall>
+</cs:chartStyle>
 </file>
 
 <file path=ppt/slideLayouts/slideLayout1.xml><?xml version="1.0" encoding="utf-8"?>
@@ -3404,6 +9552,55 @@
       </p:grpSpPr>
       <p:sp>
         <p:nvSpPr>
+          <p:cNvPr id="187" name="Rectangle 186">
+            <a:extLst>
+              <a:ext uri="{FF2B5EF4-FFF2-40B4-BE49-F238E27FC236}">
+                <a16:creationId xmlns:a16="http://schemas.microsoft.com/office/drawing/2014/main" id="{737DE736-42D2-407C-915C-159A15352F35}"/>
+              </a:ext>
+            </a:extLst>
+          </p:cNvPr>
+          <p:cNvSpPr/>
+          <p:nvPr/>
+        </p:nvSpPr>
+        <p:spPr>
+          <a:xfrm>
+            <a:off x="0" y="346229"/>
+            <a:ext cx="12068245" cy="5228948"/>
+          </a:xfrm>
+          <a:prstGeom prst="rect">
+            <a:avLst/>
+          </a:prstGeom>
+          <a:solidFill>
+            <a:schemeClr val="bg1"/>
+          </a:solidFill>
+        </p:spPr>
+        <p:style>
+          <a:lnRef idx="2">
+            <a:schemeClr val="accent1">
+              <a:shade val="50000"/>
+            </a:schemeClr>
+          </a:lnRef>
+          <a:fillRef idx="1">
+            <a:schemeClr val="accent1"/>
+          </a:fillRef>
+          <a:effectRef idx="0">
+            <a:schemeClr val="accent1"/>
+          </a:effectRef>
+          <a:fontRef idx="minor">
+            <a:schemeClr val="lt1"/>
+          </a:fontRef>
+        </p:style>
+        <p:txBody>
+          <a:bodyPr rtlCol="0" anchor="ctr"/>
+          <a:lstStyle/>
+          <a:p>
+            <a:pPr algn="ctr"/>
+            <a:endParaRPr lang="en-US"/>
+          </a:p>
+        </p:txBody>
+      </p:sp>
+      <p:sp>
+        <p:nvSpPr>
           <p:cNvPr id="6" name="Rectangle 5">
             <a:extLst>
               <a:ext uri="{FF2B5EF4-FFF2-40B4-BE49-F238E27FC236}">
@@ -9344,6 +15541,238 @@
     <p:extLst>
       <p:ext uri="{BB962C8B-B14F-4D97-AF65-F5344CB8AC3E}">
         <p14:creationId xmlns:p14="http://schemas.microsoft.com/office/powerpoint/2010/main" val="3376028014"/>
+      </p:ext>
+    </p:extLst>
+  </p:cSld>
+  <p:clrMapOvr>
+    <a:masterClrMapping/>
+  </p:clrMapOvr>
+</p:sld>
+</file>
+
+<file path=ppt/slides/slide3.xml><?xml version="1.0" encoding="utf-8"?>
+<p:sld xmlns:a="http://schemas.openxmlformats.org/drawingml/2006/main" xmlns:r="http://schemas.openxmlformats.org/officeDocument/2006/relationships" xmlns:p="http://schemas.openxmlformats.org/presentationml/2006/main">
+  <p:cSld>
+    <p:spTree>
+      <p:nvGrpSpPr>
+        <p:cNvPr id="1" name=""/>
+        <p:cNvGrpSpPr/>
+        <p:nvPr/>
+      </p:nvGrpSpPr>
+      <p:grpSpPr>
+        <a:xfrm>
+          <a:off x="0" y="0"/>
+          <a:ext cx="0" cy="0"/>
+          <a:chOff x="0" y="0"/>
+          <a:chExt cx="0" cy="0"/>
+        </a:xfrm>
+      </p:grpSpPr>
+      <p:graphicFrame>
+        <p:nvGraphicFramePr>
+          <p:cNvPr id="6" name="Chart 5">
+            <a:extLst>
+              <a:ext uri="{FF2B5EF4-FFF2-40B4-BE49-F238E27FC236}">
+                <a16:creationId xmlns:a16="http://schemas.microsoft.com/office/drawing/2014/main" id="{B5C6C698-B21D-4D52-892B-9268CA6F01FB}"/>
+              </a:ext>
+            </a:extLst>
+          </p:cNvPr>
+          <p:cNvGraphicFramePr/>
+          <p:nvPr>
+            <p:extLst>
+              <p:ext uri="{D42A27DB-BD31-4B8C-83A1-F6EECF244321}">
+                <p14:modId xmlns:p14="http://schemas.microsoft.com/office/powerpoint/2010/main" val="4164843782"/>
+              </p:ext>
+            </p:extLst>
+          </p:nvPr>
+        </p:nvGraphicFramePr>
+        <p:xfrm>
+          <a:off x="2032000" y="719666"/>
+          <a:ext cx="8128000" cy="5418667"/>
+        </p:xfrm>
+        <a:graphic>
+          <a:graphicData uri="http://schemas.openxmlformats.org/drawingml/2006/chart">
+            <c:chart xmlns:c="http://schemas.openxmlformats.org/drawingml/2006/chart" xmlns:r="http://schemas.openxmlformats.org/officeDocument/2006/relationships" r:id="rId2"/>
+          </a:graphicData>
+        </a:graphic>
+      </p:graphicFrame>
+    </p:spTree>
+    <p:extLst>
+      <p:ext uri="{BB962C8B-B14F-4D97-AF65-F5344CB8AC3E}">
+        <p14:creationId xmlns:p14="http://schemas.microsoft.com/office/powerpoint/2010/main" val="3069771236"/>
+      </p:ext>
+    </p:extLst>
+  </p:cSld>
+  <p:clrMapOvr>
+    <a:masterClrMapping/>
+  </p:clrMapOvr>
+</p:sld>
+</file>
+
+<file path=ppt/slides/slide4.xml><?xml version="1.0" encoding="utf-8"?>
+<p:sld xmlns:a="http://schemas.openxmlformats.org/drawingml/2006/main" xmlns:r="http://schemas.openxmlformats.org/officeDocument/2006/relationships" xmlns:p="http://schemas.openxmlformats.org/presentationml/2006/main">
+  <p:cSld>
+    <p:spTree>
+      <p:nvGrpSpPr>
+        <p:cNvPr id="1" name=""/>
+        <p:cNvGrpSpPr/>
+        <p:nvPr/>
+      </p:nvGrpSpPr>
+      <p:grpSpPr>
+        <a:xfrm>
+          <a:off x="0" y="0"/>
+          <a:ext cx="0" cy="0"/>
+          <a:chOff x="0" y="0"/>
+          <a:chExt cx="0" cy="0"/>
+        </a:xfrm>
+      </p:grpSpPr>
+      <p:graphicFrame>
+        <p:nvGraphicFramePr>
+          <p:cNvPr id="6" name="Chart 5">
+            <a:extLst>
+              <a:ext uri="{FF2B5EF4-FFF2-40B4-BE49-F238E27FC236}">
+                <a16:creationId xmlns:a16="http://schemas.microsoft.com/office/drawing/2014/main" id="{B5C6C698-B21D-4D52-892B-9268CA6F01FB}"/>
+              </a:ext>
+            </a:extLst>
+          </p:cNvPr>
+          <p:cNvGraphicFramePr/>
+          <p:nvPr>
+            <p:extLst>
+              <p:ext uri="{D42A27DB-BD31-4B8C-83A1-F6EECF244321}">
+                <p14:modId xmlns:p14="http://schemas.microsoft.com/office/powerpoint/2010/main" val="3187670344"/>
+              </p:ext>
+            </p:extLst>
+          </p:nvPr>
+        </p:nvGraphicFramePr>
+        <p:xfrm>
+          <a:off x="2032000" y="719666"/>
+          <a:ext cx="8128000" cy="5418667"/>
+        </p:xfrm>
+        <a:graphic>
+          <a:graphicData uri="http://schemas.openxmlformats.org/drawingml/2006/chart">
+            <c:chart xmlns:c="http://schemas.openxmlformats.org/drawingml/2006/chart" xmlns:r="http://schemas.openxmlformats.org/officeDocument/2006/relationships" r:id="rId2"/>
+          </a:graphicData>
+        </a:graphic>
+      </p:graphicFrame>
+    </p:spTree>
+    <p:extLst>
+      <p:ext uri="{BB962C8B-B14F-4D97-AF65-F5344CB8AC3E}">
+        <p14:creationId xmlns:p14="http://schemas.microsoft.com/office/powerpoint/2010/main" val="1257760371"/>
+      </p:ext>
+    </p:extLst>
+  </p:cSld>
+  <p:clrMapOvr>
+    <a:masterClrMapping/>
+  </p:clrMapOvr>
+</p:sld>
+</file>
+
+<file path=ppt/slides/slide5.xml><?xml version="1.0" encoding="utf-8"?>
+<p:sld xmlns:a="http://schemas.openxmlformats.org/drawingml/2006/main" xmlns:r="http://schemas.openxmlformats.org/officeDocument/2006/relationships" xmlns:p="http://schemas.openxmlformats.org/presentationml/2006/main">
+  <p:cSld>
+    <p:spTree>
+      <p:nvGrpSpPr>
+        <p:cNvPr id="1" name=""/>
+        <p:cNvGrpSpPr/>
+        <p:nvPr/>
+      </p:nvGrpSpPr>
+      <p:grpSpPr>
+        <a:xfrm>
+          <a:off x="0" y="0"/>
+          <a:ext cx="0" cy="0"/>
+          <a:chOff x="0" y="0"/>
+          <a:chExt cx="0" cy="0"/>
+        </a:xfrm>
+      </p:grpSpPr>
+      <p:graphicFrame>
+        <p:nvGraphicFramePr>
+          <p:cNvPr id="6" name="Chart 5">
+            <a:extLst>
+              <a:ext uri="{FF2B5EF4-FFF2-40B4-BE49-F238E27FC236}">
+                <a16:creationId xmlns:a16="http://schemas.microsoft.com/office/drawing/2014/main" id="{B5C6C698-B21D-4D52-892B-9268CA6F01FB}"/>
+              </a:ext>
+            </a:extLst>
+          </p:cNvPr>
+          <p:cNvGraphicFramePr/>
+          <p:nvPr>
+            <p:extLst>
+              <p:ext uri="{D42A27DB-BD31-4B8C-83A1-F6EECF244321}">
+                <p14:modId xmlns:p14="http://schemas.microsoft.com/office/powerpoint/2010/main" val="4137199007"/>
+              </p:ext>
+            </p:extLst>
+          </p:nvPr>
+        </p:nvGraphicFramePr>
+        <p:xfrm>
+          <a:off x="2032000" y="719666"/>
+          <a:ext cx="8128000" cy="5418667"/>
+        </p:xfrm>
+        <a:graphic>
+          <a:graphicData uri="http://schemas.openxmlformats.org/drawingml/2006/chart">
+            <c:chart xmlns:c="http://schemas.openxmlformats.org/drawingml/2006/chart" xmlns:r="http://schemas.openxmlformats.org/officeDocument/2006/relationships" r:id="rId2"/>
+          </a:graphicData>
+        </a:graphic>
+      </p:graphicFrame>
+    </p:spTree>
+    <p:extLst>
+      <p:ext uri="{BB962C8B-B14F-4D97-AF65-F5344CB8AC3E}">
+        <p14:creationId xmlns:p14="http://schemas.microsoft.com/office/powerpoint/2010/main" val="4046845825"/>
+      </p:ext>
+    </p:extLst>
+  </p:cSld>
+  <p:clrMapOvr>
+    <a:masterClrMapping/>
+  </p:clrMapOvr>
+</p:sld>
+</file>
+
+<file path=ppt/slides/slide6.xml><?xml version="1.0" encoding="utf-8"?>
+<p:sld xmlns:a="http://schemas.openxmlformats.org/drawingml/2006/main" xmlns:r="http://schemas.openxmlformats.org/officeDocument/2006/relationships" xmlns:p="http://schemas.openxmlformats.org/presentationml/2006/main">
+  <p:cSld>
+    <p:spTree>
+      <p:nvGrpSpPr>
+        <p:cNvPr id="1" name=""/>
+        <p:cNvGrpSpPr/>
+        <p:nvPr/>
+      </p:nvGrpSpPr>
+      <p:grpSpPr>
+        <a:xfrm>
+          <a:off x="0" y="0"/>
+          <a:ext cx="0" cy="0"/>
+          <a:chOff x="0" y="0"/>
+          <a:chExt cx="0" cy="0"/>
+        </a:xfrm>
+      </p:grpSpPr>
+      <p:graphicFrame>
+        <p:nvGraphicFramePr>
+          <p:cNvPr id="6" name="Chart 5">
+            <a:extLst>
+              <a:ext uri="{FF2B5EF4-FFF2-40B4-BE49-F238E27FC236}">
+                <a16:creationId xmlns:a16="http://schemas.microsoft.com/office/drawing/2014/main" id="{B5C6C698-B21D-4D52-892B-9268CA6F01FB}"/>
+              </a:ext>
+            </a:extLst>
+          </p:cNvPr>
+          <p:cNvGraphicFramePr/>
+          <p:nvPr>
+            <p:extLst>
+              <p:ext uri="{D42A27DB-BD31-4B8C-83A1-F6EECF244321}">
+                <p14:modId xmlns:p14="http://schemas.microsoft.com/office/powerpoint/2010/main" val="592210923"/>
+              </p:ext>
+            </p:extLst>
+          </p:nvPr>
+        </p:nvGraphicFramePr>
+        <p:xfrm>
+          <a:off x="2032000" y="719666"/>
+          <a:ext cx="8128000" cy="5418667"/>
+        </p:xfrm>
+        <a:graphic>
+          <a:graphicData uri="http://schemas.openxmlformats.org/drawingml/2006/chart">
+            <c:chart xmlns:c="http://schemas.openxmlformats.org/drawingml/2006/chart" xmlns:r="http://schemas.openxmlformats.org/officeDocument/2006/relationships" r:id="rId2"/>
+          </a:graphicData>
+        </a:graphic>
+      </p:graphicFrame>
+    </p:spTree>
+    <p:extLst>
+      <p:ext uri="{BB962C8B-B14F-4D97-AF65-F5344CB8AC3E}">
+        <p14:creationId xmlns:p14="http://schemas.microsoft.com/office/powerpoint/2010/main" val="670819735"/>
       </p:ext>
     </p:extLst>
   </p:cSld>
